--- a/3.4 Assessment Resources/3.4 portfolio - Callum Cooper.pptx
+++ b/3.4 Assessment Resources/3.4 portfolio - Callum Cooper.pptx
@@ -5,7 +5,7 @@
     <p:sldMasterId id="2147483672" r:id="rId1"/>
   </p:sldMasterIdLst>
   <p:notesMasterIdLst>
-    <p:notesMasterId r:id="rId31"/>
+    <p:notesMasterId r:id="rId33"/>
   </p:notesMasterIdLst>
   <p:sldIdLst>
     <p:sldId id="256" r:id="rId2"/>
@@ -15,28 +15,30 @@
     <p:sldId id="290" r:id="rId6"/>
     <p:sldId id="291" r:id="rId7"/>
     <p:sldId id="258" r:id="rId8"/>
-    <p:sldId id="279" r:id="rId9"/>
-    <p:sldId id="259" r:id="rId10"/>
-    <p:sldId id="292" r:id="rId11"/>
-    <p:sldId id="270" r:id="rId12"/>
-    <p:sldId id="262" r:id="rId13"/>
-    <p:sldId id="280" r:id="rId14"/>
-    <p:sldId id="265" r:id="rId15"/>
-    <p:sldId id="293" r:id="rId16"/>
-    <p:sldId id="268" r:id="rId17"/>
-    <p:sldId id="301" r:id="rId18"/>
-    <p:sldId id="267" r:id="rId19"/>
-    <p:sldId id="284" r:id="rId20"/>
-    <p:sldId id="294" r:id="rId21"/>
-    <p:sldId id="283" r:id="rId22"/>
-    <p:sldId id="271" r:id="rId23"/>
-    <p:sldId id="296" r:id="rId24"/>
-    <p:sldId id="295" r:id="rId25"/>
-    <p:sldId id="285" r:id="rId26"/>
-    <p:sldId id="276" r:id="rId27"/>
-    <p:sldId id="277" r:id="rId28"/>
-    <p:sldId id="297" r:id="rId29"/>
-    <p:sldId id="298" r:id="rId30"/>
+    <p:sldId id="303" r:id="rId9"/>
+    <p:sldId id="302" r:id="rId10"/>
+    <p:sldId id="279" r:id="rId11"/>
+    <p:sldId id="259" r:id="rId12"/>
+    <p:sldId id="292" r:id="rId13"/>
+    <p:sldId id="270" r:id="rId14"/>
+    <p:sldId id="262" r:id="rId15"/>
+    <p:sldId id="280" r:id="rId16"/>
+    <p:sldId id="265" r:id="rId17"/>
+    <p:sldId id="293" r:id="rId18"/>
+    <p:sldId id="268" r:id="rId19"/>
+    <p:sldId id="301" r:id="rId20"/>
+    <p:sldId id="267" r:id="rId21"/>
+    <p:sldId id="284" r:id="rId22"/>
+    <p:sldId id="294" r:id="rId23"/>
+    <p:sldId id="283" r:id="rId24"/>
+    <p:sldId id="271" r:id="rId25"/>
+    <p:sldId id="296" r:id="rId26"/>
+    <p:sldId id="295" r:id="rId27"/>
+    <p:sldId id="285" r:id="rId28"/>
+    <p:sldId id="276" r:id="rId29"/>
+    <p:sldId id="277" r:id="rId30"/>
+    <p:sldId id="297" r:id="rId31"/>
+    <p:sldId id="298" r:id="rId32"/>
   </p:sldIdLst>
   <p:sldSz cx="12192000" cy="6858000"/>
   <p:notesSz cx="6858000" cy="9144000"/>
@@ -359,7 +361,7 @@
           <a:p>
             <a:fld id="{64C79704-BB08-4EAE-94F0-F2BDD7FD57CF}" type="datetimeFigureOut">
               <a:rPr lang="en-NZ" smtClean="0"/>
-              <a:t>26/08/2020</a:t>
+              <a:t>31/08/2020</a:t>
             </a:fld>
             <a:endParaRPr lang="en-NZ"/>
           </a:p>
@@ -758,6 +760,152 @@
           <a:bodyPr/>
           <a:lstStyle/>
           <a:p>
+            <a:pPr marL="0" marR="0" lvl="0" indent="0" algn="l" defTabSz="914400" rtl="0" eaLnBrk="1" fontAlgn="auto" latinLnBrk="0" hangingPunct="1">
+              <a:lnSpc>
+                <a:spcPct val="100000"/>
+              </a:lnSpc>
+              <a:spcBef>
+                <a:spcPts val="0"/>
+              </a:spcBef>
+              <a:spcAft>
+                <a:spcPts val="0"/>
+              </a:spcAft>
+              <a:buClrTx/>
+              <a:buSzTx/>
+              <a:buFontTx/>
+              <a:buNone/>
+              <a:tabLst/>
+              <a:defRPr/>
+            </a:pPr>
+            <a:r>
+              <a:rPr lang="en-NZ" sz="1200" kern="1200" dirty="0">
+                <a:solidFill>
+                  <a:schemeClr val="tx1"/>
+                </a:solidFill>
+                <a:effectLst/>
+                <a:latin typeface="+mn-lt"/>
+                <a:ea typeface="+mn-ea"/>
+                <a:cs typeface="+mn-cs"/>
+              </a:rPr>
+              <a:t>Get written feedback, then add your own reflections:</a:t>
+            </a:r>
+          </a:p>
+          <a:p>
+            <a:pPr marL="0" marR="0" lvl="0" indent="0" algn="l" defTabSz="914400" rtl="0" eaLnBrk="1" fontAlgn="auto" latinLnBrk="0" hangingPunct="1">
+              <a:lnSpc>
+                <a:spcPct val="100000"/>
+              </a:lnSpc>
+              <a:spcBef>
+                <a:spcPts val="0"/>
+              </a:spcBef>
+              <a:spcAft>
+                <a:spcPts val="0"/>
+              </a:spcAft>
+              <a:buClrTx/>
+              <a:buSzTx/>
+              <a:buFontTx/>
+              <a:buNone/>
+              <a:tabLst/>
+              <a:defRPr/>
+            </a:pPr>
+            <a:r>
+              <a:rPr lang="en-NZ" sz="1200" kern="1200" dirty="0">
+                <a:solidFill>
+                  <a:schemeClr val="tx1"/>
+                </a:solidFill>
+                <a:effectLst/>
+                <a:latin typeface="+mn-lt"/>
+                <a:ea typeface="+mn-ea"/>
+                <a:cs typeface="+mn-cs"/>
+              </a:rPr>
+              <a:t>What changes do you need to make and why? Do you need to carry out further research or give more colour/font options etc/</a:t>
+            </a:r>
+          </a:p>
+          <a:p>
+            <a:endParaRPr lang="en-NZ" dirty="0"/>
+          </a:p>
+        </p:txBody>
+      </p:sp>
+      <p:sp>
+        <p:nvSpPr>
+          <p:cNvPr id="4" name="Slide Number Placeholder 3"/>
+          <p:cNvSpPr>
+            <a:spLocks noGrp="1"/>
+          </p:cNvSpPr>
+          <p:nvPr>
+            <p:ph type="sldNum" sz="quarter" idx="5"/>
+          </p:nvPr>
+        </p:nvSpPr>
+        <p:spPr/>
+        <p:txBody>
+          <a:bodyPr/>
+          <a:lstStyle/>
+          <a:p>
+            <a:fld id="{8E1A8C66-1883-4FDF-B42F-BEAA1F4E6480}" type="slidenum">
+              <a:rPr lang="en-NZ" smtClean="0"/>
+              <a:t>20</a:t>
+            </a:fld>
+            <a:endParaRPr lang="en-NZ"/>
+          </a:p>
+        </p:txBody>
+      </p:sp>
+    </p:spTree>
+    <p:extLst>
+      <p:ext uri="{BB962C8B-B14F-4D97-AF65-F5344CB8AC3E}">
+        <p14:creationId xmlns:p14="http://schemas.microsoft.com/office/powerpoint/2010/main" val="719846941"/>
+      </p:ext>
+    </p:extLst>
+  </p:cSld>
+  <p:clrMapOvr>
+    <a:masterClrMapping/>
+  </p:clrMapOvr>
+</p:notes>
+</file>
+
+<file path=ppt/notesSlides/notesSlide11.xml><?xml version="1.0" encoding="utf-8"?>
+<p:notes xmlns:a="http://schemas.openxmlformats.org/drawingml/2006/main" xmlns:r="http://schemas.openxmlformats.org/officeDocument/2006/relationships" xmlns:p="http://schemas.openxmlformats.org/presentationml/2006/main">
+  <p:cSld>
+    <p:spTree>
+      <p:nvGrpSpPr>
+        <p:cNvPr id="1" name=""/>
+        <p:cNvGrpSpPr/>
+        <p:nvPr/>
+      </p:nvGrpSpPr>
+      <p:grpSpPr>
+        <a:xfrm>
+          <a:off x="0" y="0"/>
+          <a:ext cx="0" cy="0"/>
+          <a:chOff x="0" y="0"/>
+          <a:chExt cx="0" cy="0"/>
+        </a:xfrm>
+      </p:grpSpPr>
+      <p:sp>
+        <p:nvSpPr>
+          <p:cNvPr id="2" name="Slide Image Placeholder 1"/>
+          <p:cNvSpPr>
+            <a:spLocks noGrp="1" noRot="1" noChangeAspect="1"/>
+          </p:cNvSpPr>
+          <p:nvPr>
+            <p:ph type="sldImg"/>
+          </p:nvPr>
+        </p:nvSpPr>
+        <p:spPr/>
+      </p:sp>
+      <p:sp>
+        <p:nvSpPr>
+          <p:cNvPr id="3" name="Notes Placeholder 2"/>
+          <p:cNvSpPr>
+            <a:spLocks noGrp="1"/>
+          </p:cNvSpPr>
+          <p:nvPr>
+            <p:ph type="body" idx="1"/>
+          </p:nvPr>
+        </p:nvSpPr>
+        <p:spPr/>
+        <p:txBody>
+          <a:bodyPr/>
+          <a:lstStyle/>
+          <a:p>
             <a:r>
               <a:rPr lang="en-NZ" dirty="0"/>
               <a:t>Test your site on mobile, tablet and pc view </a:t>
@@ -782,7 +930,7 @@
           <a:p>
             <a:fld id="{8E1A8C66-1883-4FDF-B42F-BEAA1F4E6480}" type="slidenum">
               <a:rPr lang="en-NZ" smtClean="0"/>
-              <a:t>22</a:t>
+              <a:t>24</a:t>
             </a:fld>
             <a:endParaRPr lang="en-NZ"/>
           </a:p>
@@ -801,7 +949,7 @@
 </p:notes>
 </file>
 
-<file path=ppt/notesSlides/notesSlide11.xml><?xml version="1.0" encoding="utf-8"?>
+<file path=ppt/notesSlides/notesSlide12.xml><?xml version="1.0" encoding="utf-8"?>
 <p:notes xmlns:a="http://schemas.openxmlformats.org/drawingml/2006/main" xmlns:r="http://schemas.openxmlformats.org/officeDocument/2006/relationships" xmlns:p="http://schemas.openxmlformats.org/presentationml/2006/main">
   <p:cSld>
     <p:spTree>
@@ -869,7 +1017,7 @@
           <a:p>
             <a:fld id="{8E1A8C66-1883-4FDF-B42F-BEAA1F4E6480}" type="slidenum">
               <a:rPr lang="en-NZ" smtClean="0"/>
-              <a:t>23</a:t>
+              <a:t>25</a:t>
             </a:fld>
             <a:endParaRPr lang="en-NZ"/>
           </a:p>
@@ -888,7 +1036,7 @@
 </p:notes>
 </file>
 
-<file path=ppt/notesSlides/notesSlide12.xml><?xml version="1.0" encoding="utf-8"?>
+<file path=ppt/notesSlides/notesSlide13.xml><?xml version="1.0" encoding="utf-8"?>
 <p:notes xmlns:a="http://schemas.openxmlformats.org/drawingml/2006/main" xmlns:r="http://schemas.openxmlformats.org/officeDocument/2006/relationships" xmlns:p="http://schemas.openxmlformats.org/presentationml/2006/main">
   <p:cSld>
     <p:spTree>
@@ -984,7 +1132,7 @@
           <a:p>
             <a:fld id="{8E1A8C66-1883-4FDF-B42F-BEAA1F4E6480}" type="slidenum">
               <a:rPr lang="en-NZ" smtClean="0"/>
-              <a:t>24</a:t>
+              <a:t>26</a:t>
             </a:fld>
             <a:endParaRPr lang="en-NZ"/>
           </a:p>
@@ -1003,7 +1151,7 @@
 </p:notes>
 </file>
 
-<file path=ppt/notesSlides/notesSlide13.xml><?xml version="1.0" encoding="utf-8"?>
+<file path=ppt/notesSlides/notesSlide14.xml><?xml version="1.0" encoding="utf-8"?>
 <p:notes xmlns:a="http://schemas.openxmlformats.org/drawingml/2006/main" xmlns:r="http://schemas.openxmlformats.org/officeDocument/2006/relationships" xmlns:p="http://schemas.openxmlformats.org/presentationml/2006/main">
   <p:cSld>
     <p:spTree>
@@ -1071,7 +1219,7 @@
           <a:p>
             <a:fld id="{8E1A8C66-1883-4FDF-B42F-BEAA1F4E6480}" type="slidenum">
               <a:rPr lang="en-NZ" smtClean="0"/>
-              <a:t>28</a:t>
+              <a:t>30</a:t>
             </a:fld>
             <a:endParaRPr lang="en-NZ"/>
           </a:p>
@@ -1338,7 +1486,7 @@
           <a:p>
             <a:fld id="{8E1A8C66-1883-4FDF-B42F-BEAA1F4E6480}" type="slidenum">
               <a:rPr lang="en-NZ" smtClean="0"/>
-              <a:t>11</a:t>
+              <a:t>13</a:t>
             </a:fld>
             <a:endParaRPr lang="en-NZ"/>
           </a:p>
@@ -1457,7 +1605,7 @@
           <a:p>
             <a:fld id="{8E1A8C66-1883-4FDF-B42F-BEAA1F4E6480}" type="slidenum">
               <a:rPr lang="en-NZ" smtClean="0"/>
-              <a:t>12</a:t>
+              <a:t>14</a:t>
             </a:fld>
             <a:endParaRPr lang="en-NZ"/>
           </a:p>
@@ -1477,6 +1625,90 @@
 </file>
 
 <file path=ppt/notesSlides/notesSlide6.xml><?xml version="1.0" encoding="utf-8"?>
+<p:notes xmlns:a="http://schemas.openxmlformats.org/drawingml/2006/main" xmlns:r="http://schemas.openxmlformats.org/officeDocument/2006/relationships" xmlns:p="http://schemas.openxmlformats.org/presentationml/2006/main">
+  <p:cSld>
+    <p:spTree>
+      <p:nvGrpSpPr>
+        <p:cNvPr id="1" name=""/>
+        <p:cNvGrpSpPr/>
+        <p:nvPr/>
+      </p:nvGrpSpPr>
+      <p:grpSpPr>
+        <a:xfrm>
+          <a:off x="0" y="0"/>
+          <a:ext cx="0" cy="0"/>
+          <a:chOff x="0" y="0"/>
+          <a:chExt cx="0" cy="0"/>
+        </a:xfrm>
+      </p:grpSpPr>
+      <p:sp>
+        <p:nvSpPr>
+          <p:cNvPr id="2" name="Slide Image Placeholder 1"/>
+          <p:cNvSpPr>
+            <a:spLocks noGrp="1" noRot="1" noChangeAspect="1"/>
+          </p:cNvSpPr>
+          <p:nvPr>
+            <p:ph type="sldImg"/>
+          </p:nvPr>
+        </p:nvSpPr>
+        <p:spPr/>
+      </p:sp>
+      <p:sp>
+        <p:nvSpPr>
+          <p:cNvPr id="3" name="Notes Placeholder 2"/>
+          <p:cNvSpPr>
+            <a:spLocks noGrp="1"/>
+          </p:cNvSpPr>
+          <p:nvPr>
+            <p:ph type="body" idx="1"/>
+          </p:nvPr>
+        </p:nvSpPr>
+        <p:spPr/>
+        <p:txBody>
+          <a:bodyPr/>
+          <a:lstStyle/>
+          <a:p>
+            <a:endParaRPr lang="en-GB" dirty="0"/>
+          </a:p>
+        </p:txBody>
+      </p:sp>
+      <p:sp>
+        <p:nvSpPr>
+          <p:cNvPr id="4" name="Slide Number Placeholder 3"/>
+          <p:cNvSpPr>
+            <a:spLocks noGrp="1"/>
+          </p:cNvSpPr>
+          <p:nvPr>
+            <p:ph type="sldNum" sz="quarter" idx="10"/>
+          </p:nvPr>
+        </p:nvSpPr>
+        <p:spPr/>
+        <p:txBody>
+          <a:bodyPr/>
+          <a:lstStyle/>
+          <a:p>
+            <a:fld id="{8E1A8C66-1883-4FDF-B42F-BEAA1F4E6480}" type="slidenum">
+              <a:rPr lang="en-NZ" smtClean="0"/>
+              <a:t>16</a:t>
+            </a:fld>
+            <a:endParaRPr lang="en-NZ"/>
+          </a:p>
+        </p:txBody>
+      </p:sp>
+    </p:spTree>
+    <p:extLst>
+      <p:ext uri="{BB962C8B-B14F-4D97-AF65-F5344CB8AC3E}">
+        <p14:creationId xmlns:p14="http://schemas.microsoft.com/office/powerpoint/2010/main" val="4038220960"/>
+      </p:ext>
+    </p:extLst>
+  </p:cSld>
+  <p:clrMapOvr>
+    <a:masterClrMapping/>
+  </p:clrMapOvr>
+</p:notes>
+</file>
+
+<file path=ppt/notesSlides/notesSlide7.xml><?xml version="1.0" encoding="utf-8"?>
 <p:notes xmlns:a="http://schemas.openxmlformats.org/drawingml/2006/main" xmlns:r="http://schemas.openxmlformats.org/officeDocument/2006/relationships" xmlns:p="http://schemas.openxmlformats.org/presentationml/2006/main">
   <p:cSld>
     <p:spTree>
@@ -1544,7 +1776,7 @@
           <a:p>
             <a:fld id="{8E1A8C66-1883-4FDF-B42F-BEAA1F4E6480}" type="slidenum">
               <a:rPr lang="en-NZ" smtClean="0"/>
-              <a:t>15</a:t>
+              <a:t>17</a:t>
             </a:fld>
             <a:endParaRPr lang="en-NZ"/>
           </a:p>
@@ -1554,109 +1786,6 @@
     <p:extLst>
       <p:ext uri="{BB962C8B-B14F-4D97-AF65-F5344CB8AC3E}">
         <p14:creationId xmlns:p14="http://schemas.microsoft.com/office/powerpoint/2010/main" val="520781091"/>
-      </p:ext>
-    </p:extLst>
-  </p:cSld>
-  <p:clrMapOvr>
-    <a:masterClrMapping/>
-  </p:clrMapOvr>
-</p:notes>
-</file>
-
-<file path=ppt/notesSlides/notesSlide7.xml><?xml version="1.0" encoding="utf-8"?>
-<p:notes xmlns:a="http://schemas.openxmlformats.org/drawingml/2006/main" xmlns:r="http://schemas.openxmlformats.org/officeDocument/2006/relationships" xmlns:p="http://schemas.openxmlformats.org/presentationml/2006/main">
-  <p:cSld>
-    <p:spTree>
-      <p:nvGrpSpPr>
-        <p:cNvPr id="1" name=""/>
-        <p:cNvGrpSpPr/>
-        <p:nvPr/>
-      </p:nvGrpSpPr>
-      <p:grpSpPr>
-        <a:xfrm>
-          <a:off x="0" y="0"/>
-          <a:ext cx="0" cy="0"/>
-          <a:chOff x="0" y="0"/>
-          <a:chExt cx="0" cy="0"/>
-        </a:xfrm>
-      </p:grpSpPr>
-      <p:sp>
-        <p:nvSpPr>
-          <p:cNvPr id="2" name="Slide Image Placeholder 1"/>
-          <p:cNvSpPr>
-            <a:spLocks noGrp="1" noRot="1" noChangeAspect="1"/>
-          </p:cNvSpPr>
-          <p:nvPr>
-            <p:ph type="sldImg"/>
-          </p:nvPr>
-        </p:nvSpPr>
-        <p:spPr/>
-      </p:sp>
-      <p:sp>
-        <p:nvSpPr>
-          <p:cNvPr id="3" name="Notes Placeholder 2"/>
-          <p:cNvSpPr>
-            <a:spLocks noGrp="1"/>
-          </p:cNvSpPr>
-          <p:nvPr>
-            <p:ph type="body" idx="1"/>
-          </p:nvPr>
-        </p:nvSpPr>
-        <p:spPr/>
-        <p:txBody>
-          <a:bodyPr/>
-          <a:lstStyle/>
-          <a:p>
-            <a:r>
-              <a:rPr lang="en-NZ" dirty="0"/>
-              <a:t>Give two layout options for the index page – </a:t>
-            </a:r>
-            <a:r>
-              <a:rPr lang="en-NZ" dirty="0" err="1"/>
-              <a:t>eg</a:t>
-            </a:r>
-            <a:r>
-              <a:rPr lang="en-NZ" dirty="0"/>
-              <a:t> placement of </a:t>
-            </a:r>
-            <a:r>
-              <a:rPr lang="en-NZ" dirty="0" err="1"/>
-              <a:t>cotent</a:t>
-            </a:r>
-            <a:r>
-              <a:rPr lang="en-NZ" dirty="0"/>
-              <a:t> . Get feedback from client</a:t>
-            </a:r>
-          </a:p>
-        </p:txBody>
-      </p:sp>
-      <p:sp>
-        <p:nvSpPr>
-          <p:cNvPr id="4" name="Slide Number Placeholder 3"/>
-          <p:cNvSpPr>
-            <a:spLocks noGrp="1"/>
-          </p:cNvSpPr>
-          <p:nvPr>
-            <p:ph type="sldNum" sz="quarter" idx="5"/>
-          </p:nvPr>
-        </p:nvSpPr>
-        <p:spPr/>
-        <p:txBody>
-          <a:bodyPr/>
-          <a:lstStyle/>
-          <a:p>
-            <a:fld id="{8E1A8C66-1883-4FDF-B42F-BEAA1F4E6480}" type="slidenum">
-              <a:rPr lang="en-NZ" smtClean="0"/>
-              <a:t>16</a:t>
-            </a:fld>
-            <a:endParaRPr lang="en-NZ"/>
-          </a:p>
-        </p:txBody>
-      </p:sp>
-    </p:spTree>
-    <p:extLst>
-      <p:ext uri="{BB962C8B-B14F-4D97-AF65-F5344CB8AC3E}">
-        <p14:creationId xmlns:p14="http://schemas.microsoft.com/office/powerpoint/2010/main" val="3857771064"/>
       </p:ext>
     </p:extLst>
   </p:cSld>
@@ -1750,7 +1879,7 @@
           <a:p>
             <a:fld id="{8E1A8C66-1883-4FDF-B42F-BEAA1F4E6480}" type="slidenum">
               <a:rPr lang="en-NZ" smtClean="0"/>
-              <a:t>17</a:t>
+              <a:t>18</a:t>
             </a:fld>
             <a:endParaRPr lang="en-NZ"/>
           </a:p>
@@ -1759,7 +1888,7 @@
     </p:spTree>
     <p:extLst>
       <p:ext uri="{BB962C8B-B14F-4D97-AF65-F5344CB8AC3E}">
-        <p14:creationId xmlns:p14="http://schemas.microsoft.com/office/powerpoint/2010/main" val="3805720401"/>
+        <p14:creationId xmlns:p14="http://schemas.microsoft.com/office/powerpoint/2010/main" val="3857771064"/>
       </p:ext>
     </p:extLst>
   </p:cSld>
@@ -1813,69 +1942,26 @@
           <a:bodyPr/>
           <a:lstStyle/>
           <a:p>
-            <a:pPr marL="0" marR="0" lvl="0" indent="0" algn="l" defTabSz="914400" rtl="0" eaLnBrk="1" fontAlgn="auto" latinLnBrk="0" hangingPunct="1">
-              <a:lnSpc>
-                <a:spcPct val="100000"/>
-              </a:lnSpc>
-              <a:spcBef>
-                <a:spcPts val="0"/>
-              </a:spcBef>
-              <a:spcAft>
-                <a:spcPts val="0"/>
-              </a:spcAft>
-              <a:buClrTx/>
-              <a:buSzTx/>
-              <a:buFontTx/>
-              <a:buNone/>
-              <a:tabLst/>
-              <a:defRPr/>
-            </a:pPr>
             <a:r>
-              <a:rPr lang="en-NZ" sz="1200" kern="1200" dirty="0">
-                <a:solidFill>
-                  <a:schemeClr val="tx1"/>
-                </a:solidFill>
-                <a:effectLst/>
-                <a:latin typeface="+mn-lt"/>
-                <a:ea typeface="+mn-ea"/>
-                <a:cs typeface="+mn-cs"/>
-              </a:rPr>
-              <a:t>Get written feedback, then add your own reflections:</a:t>
+              <a:rPr lang="en-NZ" dirty="0"/>
+              <a:t>Give two layout options for the index page – </a:t>
             </a:r>
-          </a:p>
-          <a:p>
-            <a:pPr marL="0" marR="0" lvl="0" indent="0" algn="l" defTabSz="914400" rtl="0" eaLnBrk="1" fontAlgn="auto" latinLnBrk="0" hangingPunct="1">
-              <a:lnSpc>
-                <a:spcPct val="100000"/>
-              </a:lnSpc>
-              <a:spcBef>
-                <a:spcPts val="0"/>
-              </a:spcBef>
-              <a:spcAft>
-                <a:spcPts val="0"/>
-              </a:spcAft>
-              <a:buClrTx/>
-              <a:buSzTx/>
-              <a:buFontTx/>
-              <a:buNone/>
-              <a:tabLst/>
-              <a:defRPr/>
-            </a:pPr>
             <a:r>
-              <a:rPr lang="en-NZ" sz="1200" kern="1200" dirty="0">
-                <a:solidFill>
-                  <a:schemeClr val="tx1"/>
-                </a:solidFill>
-                <a:effectLst/>
-                <a:latin typeface="+mn-lt"/>
-                <a:ea typeface="+mn-ea"/>
-                <a:cs typeface="+mn-cs"/>
-              </a:rPr>
-              <a:t>What changes do you need to make and why? Do you need to carry out further research or give more colour/font options etc/</a:t>
+              <a:rPr lang="en-NZ" dirty="0" err="1"/>
+              <a:t>eg</a:t>
             </a:r>
-          </a:p>
-          <a:p>
-            <a:endParaRPr lang="en-NZ" dirty="0"/>
+            <a:r>
+              <a:rPr lang="en-NZ" dirty="0"/>
+              <a:t> placement of </a:t>
+            </a:r>
+            <a:r>
+              <a:rPr lang="en-NZ" dirty="0" err="1"/>
+              <a:t>cotent</a:t>
+            </a:r>
+            <a:r>
+              <a:rPr lang="en-NZ" dirty="0"/>
+              <a:t> . Get feedback from client</a:t>
+            </a:r>
           </a:p>
         </p:txBody>
       </p:sp>
@@ -1896,7 +1982,7 @@
           <a:p>
             <a:fld id="{8E1A8C66-1883-4FDF-B42F-BEAA1F4E6480}" type="slidenum">
               <a:rPr lang="en-NZ" smtClean="0"/>
-              <a:t>18</a:t>
+              <a:t>19</a:t>
             </a:fld>
             <a:endParaRPr lang="en-NZ"/>
           </a:p>
@@ -1905,7 +1991,7 @@
     </p:spTree>
     <p:extLst>
       <p:ext uri="{BB962C8B-B14F-4D97-AF65-F5344CB8AC3E}">
-        <p14:creationId xmlns:p14="http://schemas.microsoft.com/office/powerpoint/2010/main" val="719846941"/>
+        <p14:creationId xmlns:p14="http://schemas.microsoft.com/office/powerpoint/2010/main" val="3805720401"/>
       </p:ext>
     </p:extLst>
   </p:cSld>
@@ -8070,7 +8156,7 @@
           <a:p>
             <a:fld id="{9FB06DCC-D8C5-4C31-9799-F290D7CE4553}" type="datetimeFigureOut">
               <a:rPr lang="en-NZ" smtClean="0"/>
-              <a:t>26/08/2020</a:t>
+              <a:t>31/08/2020</a:t>
             </a:fld>
             <a:endParaRPr lang="en-NZ"/>
           </a:p>
@@ -8240,7 +8326,7 @@
           <a:p>
             <a:fld id="{9FB06DCC-D8C5-4C31-9799-F290D7CE4553}" type="datetimeFigureOut">
               <a:rPr lang="en-NZ" smtClean="0"/>
-              <a:t>26/08/2020</a:t>
+              <a:t>31/08/2020</a:t>
             </a:fld>
             <a:endParaRPr lang="en-NZ"/>
           </a:p>
@@ -24746,6 +24832,518 @@
       </p:grpSpPr>
       <p:sp>
         <p:nvSpPr>
+          <p:cNvPr id="3" name="Content Placeholder 2">
+            <a:extLst>
+              <a:ext uri="{FF2B5EF4-FFF2-40B4-BE49-F238E27FC236}">
+                <a16:creationId xmlns:a16="http://schemas.microsoft.com/office/drawing/2014/main" id="{6EB18054-8B7B-4DC6-9E15-06F626E24688}"/>
+              </a:ext>
+            </a:extLst>
+          </p:cNvPr>
+          <p:cNvSpPr>
+            <a:spLocks noGrp="1"/>
+          </p:cNvSpPr>
+          <p:nvPr>
+            <p:ph type="ctrTitle"/>
+          </p:nvPr>
+        </p:nvSpPr>
+        <p:spPr>
+          <a:xfrm>
+            <a:off x="914400" y="2055567"/>
+            <a:ext cx="7653600" cy="2746800"/>
+          </a:xfrm>
+        </p:spPr>
+        <p:txBody>
+          <a:bodyPr wrap="square" anchor="ctr">
+            <a:normAutofit/>
+          </a:bodyPr>
+          <a:lstStyle/>
+          <a:p>
+            <a:pPr marL="0" indent="0">
+              <a:buNone/>
+            </a:pPr>
+            <a:r>
+              <a:rPr lang="en-NZ"/>
+              <a:t>Step 2 : Define</a:t>
+            </a:r>
+          </a:p>
+        </p:txBody>
+      </p:sp>
+    </p:spTree>
+    <p:extLst>
+      <p:ext uri="{BB962C8B-B14F-4D97-AF65-F5344CB8AC3E}">
+        <p14:creationId xmlns:p14="http://schemas.microsoft.com/office/powerpoint/2010/main" val="3309695467"/>
+      </p:ext>
+    </p:extLst>
+  </p:cSld>
+  <p:clrMapOvr>
+    <a:masterClrMapping/>
+  </p:clrMapOvr>
+</p:sld>
+</file>
+
+<file path=ppt/slides/slide11.xml><?xml version="1.0" encoding="utf-8"?>
+<p:sld xmlns:a="http://schemas.openxmlformats.org/drawingml/2006/main" xmlns:r="http://schemas.openxmlformats.org/officeDocument/2006/relationships" xmlns:p="http://schemas.openxmlformats.org/presentationml/2006/main">
+  <p:cSld>
+    <p:spTree>
+      <p:nvGrpSpPr>
+        <p:cNvPr id="1" name=""/>
+        <p:cNvGrpSpPr/>
+        <p:nvPr/>
+      </p:nvGrpSpPr>
+      <p:grpSpPr>
+        <a:xfrm>
+          <a:off x="0" y="0"/>
+          <a:ext cx="0" cy="0"/>
+          <a:chOff x="0" y="0"/>
+          <a:chExt cx="0" cy="0"/>
+        </a:xfrm>
+      </p:grpSpPr>
+      <p:sp>
+        <p:nvSpPr>
+          <p:cNvPr id="2" name="Title 1">
+            <a:extLst>
+              <a:ext uri="{FF2B5EF4-FFF2-40B4-BE49-F238E27FC236}">
+                <a16:creationId xmlns:a16="http://schemas.microsoft.com/office/drawing/2014/main" id="{9CA9B24B-1CC7-4D79-A4AA-4A15B1B08170}"/>
+              </a:ext>
+            </a:extLst>
+          </p:cNvPr>
+          <p:cNvSpPr>
+            <a:spLocks noGrp="1"/>
+          </p:cNvSpPr>
+          <p:nvPr>
+            <p:ph type="title"/>
+          </p:nvPr>
+        </p:nvSpPr>
+        <p:spPr>
+          <a:xfrm>
+            <a:off x="252919" y="1123837"/>
+            <a:ext cx="2947482" cy="2622323"/>
+          </a:xfrm>
+        </p:spPr>
+        <p:txBody>
+          <a:bodyPr/>
+          <a:lstStyle/>
+          <a:p>
+            <a:r>
+              <a:rPr lang="en-NZ" b="1" dirty="0"/>
+              <a:t>Website Structure</a:t>
+            </a:r>
+          </a:p>
+        </p:txBody>
+      </p:sp>
+      <p:sp>
+        <p:nvSpPr>
+          <p:cNvPr id="4" name="Rectangle 3">
+            <a:extLst>
+              <a:ext uri="{FF2B5EF4-FFF2-40B4-BE49-F238E27FC236}">
+                <a16:creationId xmlns:a16="http://schemas.microsoft.com/office/drawing/2014/main" id="{98ECB8B4-0220-49A1-A3ED-A2CB012F0669}"/>
+              </a:ext>
+            </a:extLst>
+          </p:cNvPr>
+          <p:cNvSpPr/>
+          <p:nvPr/>
+        </p:nvSpPr>
+        <p:spPr>
+          <a:xfrm>
+            <a:off x="4893074" y="1687513"/>
+            <a:ext cx="2405849" cy="1603375"/>
+          </a:xfrm>
+          <a:prstGeom prst="rect">
+            <a:avLst/>
+          </a:prstGeom>
+          <a:solidFill>
+            <a:schemeClr val="bg1"/>
+          </a:solidFill>
+        </p:spPr>
+        <p:style>
+          <a:lnRef idx="2">
+            <a:schemeClr val="accent1">
+              <a:shade val="50000"/>
+            </a:schemeClr>
+          </a:lnRef>
+          <a:fillRef idx="1">
+            <a:schemeClr val="accent1"/>
+          </a:fillRef>
+          <a:effectRef idx="0">
+            <a:schemeClr val="accent1"/>
+          </a:effectRef>
+          <a:fontRef idx="minor">
+            <a:schemeClr val="lt1"/>
+          </a:fontRef>
+        </p:style>
+        <p:txBody>
+          <a:bodyPr rtlCol="0" anchor="ctr"/>
+          <a:lstStyle/>
+          <a:p>
+            <a:pPr algn="ctr"/>
+            <a:r>
+              <a:rPr lang="en-NZ" dirty="0">
+                <a:solidFill>
+                  <a:sysClr val="windowText" lastClr="000000"/>
+                </a:solidFill>
+              </a:rPr>
+              <a:t>index.html</a:t>
+            </a:r>
+          </a:p>
+        </p:txBody>
+      </p:sp>
+      <p:sp>
+        <p:nvSpPr>
+          <p:cNvPr id="5" name="Rectangle 4">
+            <a:extLst>
+              <a:ext uri="{FF2B5EF4-FFF2-40B4-BE49-F238E27FC236}">
+                <a16:creationId xmlns:a16="http://schemas.microsoft.com/office/drawing/2014/main" id="{A42F18CC-7AD7-402B-B9EE-08540BC83401}"/>
+              </a:ext>
+            </a:extLst>
+          </p:cNvPr>
+          <p:cNvSpPr/>
+          <p:nvPr/>
+        </p:nvSpPr>
+        <p:spPr>
+          <a:xfrm>
+            <a:off x="4893074" y="3811588"/>
+            <a:ext cx="2405849" cy="1603375"/>
+          </a:xfrm>
+          <a:prstGeom prst="rect">
+            <a:avLst/>
+          </a:prstGeom>
+          <a:solidFill>
+            <a:schemeClr val="bg1"/>
+          </a:solidFill>
+        </p:spPr>
+        <p:style>
+          <a:lnRef idx="2">
+            <a:schemeClr val="accent1">
+              <a:shade val="50000"/>
+            </a:schemeClr>
+          </a:lnRef>
+          <a:fillRef idx="1">
+            <a:schemeClr val="accent1"/>
+          </a:fillRef>
+          <a:effectRef idx="0">
+            <a:schemeClr val="accent1"/>
+          </a:effectRef>
+          <a:fontRef idx="minor">
+            <a:schemeClr val="lt1"/>
+          </a:fontRef>
+        </p:style>
+        <p:txBody>
+          <a:bodyPr rtlCol="0" anchor="ctr"/>
+          <a:lstStyle/>
+          <a:p>
+            <a:pPr algn="ctr"/>
+            <a:r>
+              <a:rPr lang="en-NZ" dirty="0">
+                <a:solidFill>
+                  <a:sysClr val="windowText" lastClr="000000"/>
+                </a:solidFill>
+              </a:rPr>
+              <a:t>books.html</a:t>
+            </a:r>
+          </a:p>
+        </p:txBody>
+      </p:sp>
+      <p:sp>
+        <p:nvSpPr>
+          <p:cNvPr id="6" name="Rectangle 5">
+            <a:extLst>
+              <a:ext uri="{FF2B5EF4-FFF2-40B4-BE49-F238E27FC236}">
+                <a16:creationId xmlns:a16="http://schemas.microsoft.com/office/drawing/2014/main" id="{B72D00DC-14BA-4A10-835C-E264EEEC2F5D}"/>
+              </a:ext>
+            </a:extLst>
+          </p:cNvPr>
+          <p:cNvSpPr/>
+          <p:nvPr/>
+        </p:nvSpPr>
+        <p:spPr>
+          <a:xfrm>
+            <a:off x="2106967" y="3790551"/>
+            <a:ext cx="2405849" cy="1603375"/>
+          </a:xfrm>
+          <a:prstGeom prst="rect">
+            <a:avLst/>
+          </a:prstGeom>
+          <a:solidFill>
+            <a:schemeClr val="bg1"/>
+          </a:solidFill>
+        </p:spPr>
+        <p:style>
+          <a:lnRef idx="2">
+            <a:schemeClr val="accent1">
+              <a:shade val="50000"/>
+            </a:schemeClr>
+          </a:lnRef>
+          <a:fillRef idx="1">
+            <a:schemeClr val="accent1"/>
+          </a:fillRef>
+          <a:effectRef idx="0">
+            <a:schemeClr val="accent1"/>
+          </a:effectRef>
+          <a:fontRef idx="minor">
+            <a:schemeClr val="lt1"/>
+          </a:fontRef>
+        </p:style>
+        <p:txBody>
+          <a:bodyPr rtlCol="0" anchor="ctr"/>
+          <a:lstStyle/>
+          <a:p>
+            <a:pPr algn="ctr"/>
+            <a:r>
+              <a:rPr lang="en-NZ" dirty="0">
+                <a:solidFill>
+                  <a:sysClr val="windowText" lastClr="000000"/>
+                </a:solidFill>
+              </a:rPr>
+              <a:t>interview.html</a:t>
+            </a:r>
+          </a:p>
+        </p:txBody>
+      </p:sp>
+      <p:sp>
+        <p:nvSpPr>
+          <p:cNvPr id="7" name="Rectangle 6">
+            <a:extLst>
+              <a:ext uri="{FF2B5EF4-FFF2-40B4-BE49-F238E27FC236}">
+                <a16:creationId xmlns:a16="http://schemas.microsoft.com/office/drawing/2014/main" id="{90BB4911-05E1-45BC-ACD3-A97C7E99AC2D}"/>
+              </a:ext>
+            </a:extLst>
+          </p:cNvPr>
+          <p:cNvSpPr/>
+          <p:nvPr/>
+        </p:nvSpPr>
+        <p:spPr>
+          <a:xfrm>
+            <a:off x="7679184" y="3761380"/>
+            <a:ext cx="2405849" cy="1603375"/>
+          </a:xfrm>
+          <a:prstGeom prst="rect">
+            <a:avLst/>
+          </a:prstGeom>
+          <a:solidFill>
+            <a:schemeClr val="bg1"/>
+          </a:solidFill>
+        </p:spPr>
+        <p:style>
+          <a:lnRef idx="2">
+            <a:schemeClr val="accent1">
+              <a:shade val="50000"/>
+            </a:schemeClr>
+          </a:lnRef>
+          <a:fillRef idx="1">
+            <a:schemeClr val="accent1"/>
+          </a:fillRef>
+          <a:effectRef idx="0">
+            <a:schemeClr val="accent1"/>
+          </a:effectRef>
+          <a:fontRef idx="minor">
+            <a:schemeClr val="lt1"/>
+          </a:fontRef>
+        </p:style>
+        <p:txBody>
+          <a:bodyPr rtlCol="0" anchor="ctr"/>
+          <a:lstStyle/>
+          <a:p>
+            <a:pPr algn="ctr"/>
+            <a:r>
+              <a:rPr lang="en-NZ">
+                <a:solidFill>
+                  <a:sysClr val="windowText" lastClr="000000"/>
+                </a:solidFill>
+              </a:rPr>
+              <a:t>about.</a:t>
+            </a:r>
+            <a:r>
+              <a:rPr lang="en-NZ" dirty="0">
+                <a:solidFill>
+                  <a:sysClr val="windowText" lastClr="000000"/>
+                </a:solidFill>
+              </a:rPr>
+              <a:t>html</a:t>
+            </a:r>
+          </a:p>
+        </p:txBody>
+      </p:sp>
+      <p:cxnSp>
+        <p:nvCxnSpPr>
+          <p:cNvPr id="9" name="Straight Connector 8">
+            <a:extLst>
+              <a:ext uri="{FF2B5EF4-FFF2-40B4-BE49-F238E27FC236}">
+                <a16:creationId xmlns:a16="http://schemas.microsoft.com/office/drawing/2014/main" id="{AD49941B-A15B-41D3-9A21-735E651F2039}"/>
+              </a:ext>
+            </a:extLst>
+          </p:cNvPr>
+          <p:cNvCxnSpPr>
+            <a:cxnSpLocks/>
+          </p:cNvCxnSpPr>
+          <p:nvPr/>
+        </p:nvCxnSpPr>
+        <p:spPr>
+          <a:xfrm flipH="1">
+            <a:off x="3666478" y="3071674"/>
+            <a:ext cx="1226597" cy="739914"/>
+          </a:xfrm>
+          <a:prstGeom prst="line">
+            <a:avLst/>
+          </a:prstGeom>
+        </p:spPr>
+        <p:style>
+          <a:lnRef idx="1">
+            <a:schemeClr val="accent1"/>
+          </a:lnRef>
+          <a:fillRef idx="0">
+            <a:schemeClr val="accent1"/>
+          </a:fillRef>
+          <a:effectRef idx="0">
+            <a:schemeClr val="accent1"/>
+          </a:effectRef>
+          <a:fontRef idx="minor">
+            <a:schemeClr val="tx1"/>
+          </a:fontRef>
+        </p:style>
+      </p:cxnSp>
+      <p:cxnSp>
+        <p:nvCxnSpPr>
+          <p:cNvPr id="10" name="Straight Connector 9">
+            <a:extLst>
+              <a:ext uri="{FF2B5EF4-FFF2-40B4-BE49-F238E27FC236}">
+                <a16:creationId xmlns:a16="http://schemas.microsoft.com/office/drawing/2014/main" id="{C679A5AA-E557-407E-B1D3-520918A410D2}"/>
+              </a:ext>
+            </a:extLst>
+          </p:cNvPr>
+          <p:cNvCxnSpPr>
+            <a:cxnSpLocks/>
+          </p:cNvCxnSpPr>
+          <p:nvPr/>
+        </p:nvCxnSpPr>
+        <p:spPr>
+          <a:xfrm>
+            <a:off x="6134470" y="3302390"/>
+            <a:ext cx="1" cy="529446"/>
+          </a:xfrm>
+          <a:prstGeom prst="line">
+            <a:avLst/>
+          </a:prstGeom>
+        </p:spPr>
+        <p:style>
+          <a:lnRef idx="1">
+            <a:schemeClr val="accent1"/>
+          </a:lnRef>
+          <a:fillRef idx="0">
+            <a:schemeClr val="accent1"/>
+          </a:fillRef>
+          <a:effectRef idx="0">
+            <a:schemeClr val="accent1"/>
+          </a:effectRef>
+          <a:fontRef idx="minor">
+            <a:schemeClr val="tx1"/>
+          </a:fontRef>
+        </p:style>
+      </p:cxnSp>
+      <p:cxnSp>
+        <p:nvCxnSpPr>
+          <p:cNvPr id="12" name="Straight Connector 11">
+            <a:extLst>
+              <a:ext uri="{FF2B5EF4-FFF2-40B4-BE49-F238E27FC236}">
+                <a16:creationId xmlns:a16="http://schemas.microsoft.com/office/drawing/2014/main" id="{AD602D90-6F8B-4880-A4C4-998876DC955F}"/>
+              </a:ext>
+            </a:extLst>
+          </p:cNvPr>
+          <p:cNvCxnSpPr>
+            <a:cxnSpLocks/>
+          </p:cNvCxnSpPr>
+          <p:nvPr/>
+        </p:nvCxnSpPr>
+        <p:spPr>
+          <a:xfrm flipH="1" flipV="1">
+            <a:off x="7290048" y="3163686"/>
+            <a:ext cx="1454087" cy="582474"/>
+          </a:xfrm>
+          <a:prstGeom prst="line">
+            <a:avLst/>
+          </a:prstGeom>
+        </p:spPr>
+        <p:style>
+          <a:lnRef idx="1">
+            <a:schemeClr val="accent1"/>
+          </a:lnRef>
+          <a:fillRef idx="0">
+            <a:schemeClr val="accent1"/>
+          </a:fillRef>
+          <a:effectRef idx="0">
+            <a:schemeClr val="accent1"/>
+          </a:effectRef>
+          <a:fontRef idx="minor">
+            <a:schemeClr val="tx1"/>
+          </a:fontRef>
+        </p:style>
+      </p:cxnSp>
+      <p:sp>
+        <p:nvSpPr>
+          <p:cNvPr id="3" name="TextBox 2">
+            <a:extLst>
+              <a:ext uri="{FF2B5EF4-FFF2-40B4-BE49-F238E27FC236}">
+                <a16:creationId xmlns:a16="http://schemas.microsoft.com/office/drawing/2014/main" id="{30102A64-A14A-4563-9869-1BC13A8400E0}"/>
+              </a:ext>
+            </a:extLst>
+          </p:cNvPr>
+          <p:cNvSpPr txBox="1"/>
+          <p:nvPr/>
+        </p:nvSpPr>
+        <p:spPr>
+          <a:xfrm>
+            <a:off x="666974" y="355002"/>
+            <a:ext cx="4012602" cy="584775"/>
+          </a:xfrm>
+          <a:prstGeom prst="rect">
+            <a:avLst/>
+          </a:prstGeom>
+          <a:noFill/>
+        </p:spPr>
+        <p:txBody>
+          <a:bodyPr wrap="square" rtlCol="0">
+            <a:spAutoFit/>
+          </a:bodyPr>
+          <a:lstStyle/>
+          <a:p>
+            <a:r>
+              <a:rPr lang="en-NZ" sz="3200" dirty="0"/>
+              <a:t>Website Site Map</a:t>
+            </a:r>
+          </a:p>
+        </p:txBody>
+      </p:sp>
+    </p:spTree>
+    <p:extLst>
+      <p:ext uri="{BB962C8B-B14F-4D97-AF65-F5344CB8AC3E}">
+        <p14:creationId xmlns:p14="http://schemas.microsoft.com/office/powerpoint/2010/main" val="2531278342"/>
+      </p:ext>
+    </p:extLst>
+  </p:cSld>
+  <p:clrMapOvr>
+    <a:masterClrMapping/>
+  </p:clrMapOvr>
+</p:sld>
+</file>
+
+<file path=ppt/slides/slide12.xml><?xml version="1.0" encoding="utf-8"?>
+<p:sld xmlns:a="http://schemas.openxmlformats.org/drawingml/2006/main" xmlns:r="http://schemas.openxmlformats.org/officeDocument/2006/relationships" xmlns:p="http://schemas.openxmlformats.org/presentationml/2006/main">
+  <p:cSld>
+    <p:spTree>
+      <p:nvGrpSpPr>
+        <p:cNvPr id="1" name=""/>
+        <p:cNvGrpSpPr/>
+        <p:nvPr/>
+      </p:nvGrpSpPr>
+      <p:grpSpPr>
+        <a:xfrm>
+          <a:off x="0" y="0"/>
+          <a:ext cx="0" cy="0"/>
+          <a:chOff x="0" y="0"/>
+          <a:chExt cx="0" cy="0"/>
+        </a:xfrm>
+      </p:grpSpPr>
+      <p:sp>
+        <p:nvSpPr>
           <p:cNvPr id="2" name="Title 1">
             <a:extLst>
               <a:ext uri="{FF2B5EF4-FFF2-40B4-BE49-F238E27FC236}">
@@ -24779,36 +25377,30 @@
           </a:p>
         </p:txBody>
       </p:sp>
-      <p:sp>
-        <p:nvSpPr>
-          <p:cNvPr id="8" name="Text Placeholder 2">
-            <a:extLst>
-              <a:ext uri="{FF2B5EF4-FFF2-40B4-BE49-F238E27FC236}">
-                <a16:creationId xmlns:a16="http://schemas.microsoft.com/office/drawing/2014/main" id="{CC2FCA9D-0957-46D3-B8D6-52BE89258DF3}"/>
-              </a:ext>
-            </a:extLst>
-          </p:cNvPr>
-          <p:cNvSpPr>
-            <a:spLocks noGrp="1"/>
-          </p:cNvSpPr>
-          <p:nvPr>
-            <p:ph type="body" idx="1"/>
-          </p:nvPr>
-        </p:nvSpPr>
+      <p:pic>
+        <p:nvPicPr>
+          <p:cNvPr id="3" name="Picture 2"/>
+          <p:cNvPicPr>
+            <a:picLocks noChangeAspect="1"/>
+          </p:cNvPicPr>
+          <p:nvPr/>
+        </p:nvPicPr>
+        <p:blipFill>
+          <a:blip r:embed="rId2"/>
+          <a:stretch>
+            <a:fillRect/>
+          </a:stretch>
+        </p:blipFill>
         <p:spPr>
           <a:xfrm>
-            <a:off x="1599700" y="2132933"/>
-            <a:ext cx="8867600" cy="3848000"/>
+            <a:off x="1593463" y="2768443"/>
+            <a:ext cx="8416446" cy="1634498"/>
           </a:xfrm>
+          <a:prstGeom prst="rect">
+            <a:avLst/>
+          </a:prstGeom>
         </p:spPr>
-        <p:txBody>
-          <a:bodyPr/>
-          <a:lstStyle/>
-          <a:p>
-            <a:endParaRPr lang="en-US"/>
-          </a:p>
-        </p:txBody>
-      </p:sp>
+      </p:pic>
     </p:spTree>
     <p:extLst>
       <p:ext uri="{BB962C8B-B14F-4D97-AF65-F5344CB8AC3E}">
@@ -24822,7 +25414,7 @@
 </p:sld>
 </file>
 
-<file path=ppt/slides/slide11.xml><?xml version="1.0" encoding="utf-8"?>
+<file path=ppt/slides/slide13.xml><?xml version="1.0" encoding="utf-8"?>
 <p:sld xmlns:a="http://schemas.openxmlformats.org/drawingml/2006/main" xmlns:r="http://schemas.openxmlformats.org/officeDocument/2006/relationships" xmlns:p="http://schemas.openxmlformats.org/presentationml/2006/main">
   <p:cSld>
     <p:spTree>
@@ -24907,17 +25499,391 @@
         <p:spPr>
           <a:xfrm>
             <a:off x="1599700" y="2132933"/>
-            <a:ext cx="8867600" cy="3848000"/>
+            <a:ext cx="3498773" cy="3848000"/>
           </a:xfrm>
+          <a:solidFill>
+            <a:schemeClr val="tx2"/>
+          </a:solidFill>
         </p:spPr>
         <p:txBody>
           <a:bodyPr/>
           <a:lstStyle/>
           <a:p>
-            <a:endParaRPr lang="en-US"/>
+            <a:r>
+              <a:rPr lang="en-US" dirty="0" smtClean="0"/>
+              <a:t>Original</a:t>
+            </a:r>
+            <a:endParaRPr lang="en-US" dirty="0"/>
           </a:p>
         </p:txBody>
       </p:sp>
+      <p:pic>
+        <p:nvPicPr>
+          <p:cNvPr id="3" name="Picture 2"/>
+          <p:cNvPicPr>
+            <a:picLocks noChangeAspect="1"/>
+          </p:cNvPicPr>
+          <p:nvPr/>
+        </p:nvPicPr>
+        <p:blipFill>
+          <a:blip r:embed="rId3" cstate="hqprint">
+            <a:extLst>
+              <a:ext uri="{28A0092B-C50C-407E-A947-70E740481C1C}">
+                <a14:useLocalDpi xmlns:a14="http://schemas.microsoft.com/office/drawing/2010/main" val="0"/>
+              </a:ext>
+            </a:extLst>
+          </a:blip>
+          <a:stretch>
+            <a:fillRect/>
+          </a:stretch>
+        </p:blipFill>
+        <p:spPr>
+          <a:xfrm>
+            <a:off x="1731000" y="3084823"/>
+            <a:ext cx="3272559" cy="1653431"/>
+          </a:xfrm>
+          <a:prstGeom prst="rect">
+            <a:avLst/>
+          </a:prstGeom>
+        </p:spPr>
+      </p:pic>
+      <p:sp>
+        <p:nvSpPr>
+          <p:cNvPr id="5" name="Text Placeholder 2">
+            <a:extLst>
+              <a:ext uri="{FF2B5EF4-FFF2-40B4-BE49-F238E27FC236}">
+                <a16:creationId xmlns:a16="http://schemas.microsoft.com/office/drawing/2014/main" id="{3E79732B-95C2-4026-AA7A-88D8374FBCED}"/>
+              </a:ext>
+            </a:extLst>
+          </p:cNvPr>
+          <p:cNvSpPr txBox="1">
+            <a:spLocks/>
+          </p:cNvSpPr>
+          <p:nvPr/>
+        </p:nvSpPr>
+        <p:spPr>
+          <a:xfrm>
+            <a:off x="7266209" y="2132933"/>
+            <a:ext cx="3498773" cy="3848000"/>
+          </a:xfrm>
+          <a:prstGeom prst="rect">
+            <a:avLst/>
+          </a:prstGeom>
+          <a:solidFill>
+            <a:schemeClr val="tx2"/>
+          </a:solidFill>
+          <a:ln>
+            <a:noFill/>
+          </a:ln>
+        </p:spPr>
+        <p:txBody>
+          <a:bodyPr spcFirstLastPara="1" wrap="square" lIns="0" tIns="0" rIns="0" bIns="0" anchor="t" anchorCtr="0">
+            <a:noAutofit/>
+          </a:bodyPr>
+          <a:lstStyle>
+            <a:defPPr marR="0" lvl="0" algn="l" rtl="0">
+              <a:lnSpc>
+                <a:spcPct val="100000"/>
+              </a:lnSpc>
+              <a:spcBef>
+                <a:spcPts val="0"/>
+              </a:spcBef>
+              <a:spcAft>
+                <a:spcPts val="0"/>
+              </a:spcAft>
+            </a:defPPr>
+            <a:lvl1pPr marL="609585" marR="0" lvl="0" indent="-507987" algn="l" rtl="0" eaLnBrk="1" hangingPunct="1">
+              <a:lnSpc>
+                <a:spcPct val="115000"/>
+              </a:lnSpc>
+              <a:spcBef>
+                <a:spcPts val="800"/>
+              </a:spcBef>
+              <a:spcAft>
+                <a:spcPts val="0"/>
+              </a:spcAft>
+              <a:buClr>
+                <a:schemeClr val="accent1"/>
+              </a:buClr>
+              <a:buSzPts val="2400"/>
+              <a:buFont typeface="Barlow Light"/>
+              <a:buChar char="▪"/>
+              <a:defRPr sz="2400" b="0" i="0" u="none" strike="noStrike" cap="none">
+                <a:solidFill>
+                  <a:schemeClr val="dk1"/>
+                </a:solidFill>
+                <a:latin typeface="Barlow Light"/>
+                <a:ea typeface="Barlow Light"/>
+                <a:cs typeface="Barlow Light"/>
+                <a:sym typeface="Barlow Light"/>
+              </a:defRPr>
+            </a:lvl1pPr>
+            <a:lvl2pPr marL="1219170" marR="0" lvl="1" indent="-507987" algn="l" rtl="0" eaLnBrk="1" hangingPunct="1">
+              <a:lnSpc>
+                <a:spcPct val="115000"/>
+              </a:lnSpc>
+              <a:spcBef>
+                <a:spcPts val="0"/>
+              </a:spcBef>
+              <a:spcAft>
+                <a:spcPts val="0"/>
+              </a:spcAft>
+              <a:buClr>
+                <a:schemeClr val="accent1"/>
+              </a:buClr>
+              <a:buSzPts val="2400"/>
+              <a:buFont typeface="Barlow Light"/>
+              <a:buChar char="▫"/>
+              <a:defRPr sz="2400" b="0" i="0" u="none" strike="noStrike" cap="none">
+                <a:solidFill>
+                  <a:schemeClr val="dk1"/>
+                </a:solidFill>
+                <a:latin typeface="Barlow Light"/>
+                <a:ea typeface="Barlow Light"/>
+                <a:cs typeface="Barlow Light"/>
+                <a:sym typeface="Barlow Light"/>
+              </a:defRPr>
+            </a:lvl2pPr>
+            <a:lvl3pPr marL="1828754" marR="0" lvl="2" indent="-507987" algn="l" rtl="0" eaLnBrk="1" hangingPunct="1">
+              <a:lnSpc>
+                <a:spcPct val="115000"/>
+              </a:lnSpc>
+              <a:spcBef>
+                <a:spcPts val="0"/>
+              </a:spcBef>
+              <a:spcAft>
+                <a:spcPts val="0"/>
+              </a:spcAft>
+              <a:buClr>
+                <a:schemeClr val="dk2"/>
+              </a:buClr>
+              <a:buSzPts val="2400"/>
+              <a:buFont typeface="Barlow Light"/>
+              <a:buChar char="▫"/>
+              <a:defRPr sz="2400" b="0" i="0" u="none" strike="noStrike" cap="none">
+                <a:solidFill>
+                  <a:schemeClr val="dk1"/>
+                </a:solidFill>
+                <a:latin typeface="Barlow Light"/>
+                <a:ea typeface="Barlow Light"/>
+                <a:cs typeface="Barlow Light"/>
+                <a:sym typeface="Barlow Light"/>
+              </a:defRPr>
+            </a:lvl3pPr>
+            <a:lvl4pPr marL="2438339" marR="0" lvl="3" indent="-507987" algn="l" rtl="0" eaLnBrk="1" hangingPunct="1">
+              <a:lnSpc>
+                <a:spcPct val="115000"/>
+              </a:lnSpc>
+              <a:spcBef>
+                <a:spcPts val="0"/>
+              </a:spcBef>
+              <a:spcAft>
+                <a:spcPts val="0"/>
+              </a:spcAft>
+              <a:buClr>
+                <a:schemeClr val="dk2"/>
+              </a:buClr>
+              <a:buSzPts val="2400"/>
+              <a:buFont typeface="Barlow Light"/>
+              <a:buChar char="▫"/>
+              <a:defRPr sz="2400" b="0" i="0" u="none" strike="noStrike" cap="none">
+                <a:solidFill>
+                  <a:schemeClr val="dk1"/>
+                </a:solidFill>
+                <a:latin typeface="Barlow Light"/>
+                <a:ea typeface="Barlow Light"/>
+                <a:cs typeface="Barlow Light"/>
+                <a:sym typeface="Barlow Light"/>
+              </a:defRPr>
+            </a:lvl4pPr>
+            <a:lvl5pPr marL="3047924" marR="0" lvl="4" indent="-507987" algn="l" rtl="0" eaLnBrk="1" hangingPunct="1">
+              <a:lnSpc>
+                <a:spcPct val="115000"/>
+              </a:lnSpc>
+              <a:spcBef>
+                <a:spcPts val="0"/>
+              </a:spcBef>
+              <a:spcAft>
+                <a:spcPts val="0"/>
+              </a:spcAft>
+              <a:buClr>
+                <a:schemeClr val="dk2"/>
+              </a:buClr>
+              <a:buSzPts val="2400"/>
+              <a:buFont typeface="Barlow Light"/>
+              <a:buChar char="▫"/>
+              <a:defRPr sz="2400" b="0" i="0" u="none" strike="noStrike" cap="none">
+                <a:solidFill>
+                  <a:schemeClr val="dk1"/>
+                </a:solidFill>
+                <a:latin typeface="Barlow Light"/>
+                <a:ea typeface="Barlow Light"/>
+                <a:cs typeface="Barlow Light"/>
+                <a:sym typeface="Barlow Light"/>
+              </a:defRPr>
+            </a:lvl5pPr>
+            <a:lvl6pPr marL="3657509" marR="0" lvl="5" indent="-507987" algn="l" rtl="0" eaLnBrk="1" hangingPunct="1">
+              <a:lnSpc>
+                <a:spcPct val="115000"/>
+              </a:lnSpc>
+              <a:spcBef>
+                <a:spcPts val="0"/>
+              </a:spcBef>
+              <a:spcAft>
+                <a:spcPts val="0"/>
+              </a:spcAft>
+              <a:buClr>
+                <a:schemeClr val="dk2"/>
+              </a:buClr>
+              <a:buSzPts val="2400"/>
+              <a:buFont typeface="Barlow Light"/>
+              <a:buChar char="▫"/>
+              <a:defRPr sz="2400" b="0" i="0" u="none" strike="noStrike" cap="none">
+                <a:solidFill>
+                  <a:schemeClr val="dk1"/>
+                </a:solidFill>
+                <a:latin typeface="Barlow Light"/>
+                <a:ea typeface="Barlow Light"/>
+                <a:cs typeface="Barlow Light"/>
+                <a:sym typeface="Barlow Light"/>
+              </a:defRPr>
+            </a:lvl6pPr>
+            <a:lvl7pPr marL="4267093" marR="0" lvl="6" indent="-507987" algn="l" rtl="0" eaLnBrk="1" hangingPunct="1">
+              <a:lnSpc>
+                <a:spcPct val="115000"/>
+              </a:lnSpc>
+              <a:spcBef>
+                <a:spcPts val="0"/>
+              </a:spcBef>
+              <a:spcAft>
+                <a:spcPts val="0"/>
+              </a:spcAft>
+              <a:buClr>
+                <a:schemeClr val="dk2"/>
+              </a:buClr>
+              <a:buSzPts val="2400"/>
+              <a:buFont typeface="Barlow Light"/>
+              <a:buChar char="▫"/>
+              <a:defRPr sz="2400" b="0" i="0" u="none" strike="noStrike" cap="none">
+                <a:solidFill>
+                  <a:schemeClr val="dk1"/>
+                </a:solidFill>
+                <a:latin typeface="Barlow Light"/>
+                <a:ea typeface="Barlow Light"/>
+                <a:cs typeface="Barlow Light"/>
+                <a:sym typeface="Barlow Light"/>
+              </a:defRPr>
+            </a:lvl7pPr>
+            <a:lvl8pPr marL="4876678" marR="0" lvl="7" indent="-507987" algn="l" rtl="0" eaLnBrk="1" hangingPunct="1">
+              <a:lnSpc>
+                <a:spcPct val="115000"/>
+              </a:lnSpc>
+              <a:spcBef>
+                <a:spcPts val="0"/>
+              </a:spcBef>
+              <a:spcAft>
+                <a:spcPts val="0"/>
+              </a:spcAft>
+              <a:buClr>
+                <a:schemeClr val="dk2"/>
+              </a:buClr>
+              <a:buSzPts val="2400"/>
+              <a:buFont typeface="Barlow Light"/>
+              <a:buChar char="▫"/>
+              <a:defRPr sz="2400" b="0" i="0" u="none" strike="noStrike" cap="none">
+                <a:solidFill>
+                  <a:schemeClr val="dk1"/>
+                </a:solidFill>
+                <a:latin typeface="Barlow Light"/>
+                <a:ea typeface="Barlow Light"/>
+                <a:cs typeface="Barlow Light"/>
+                <a:sym typeface="Barlow Light"/>
+              </a:defRPr>
+            </a:lvl8pPr>
+            <a:lvl9pPr marL="5486263" marR="0" lvl="8" indent="-507987" algn="l" rtl="0" eaLnBrk="1" hangingPunct="1">
+              <a:lnSpc>
+                <a:spcPct val="115000"/>
+              </a:lnSpc>
+              <a:spcBef>
+                <a:spcPts val="0"/>
+              </a:spcBef>
+              <a:spcAft>
+                <a:spcPts val="0"/>
+              </a:spcAft>
+              <a:buClr>
+                <a:schemeClr val="dk2"/>
+              </a:buClr>
+              <a:buSzPts val="2400"/>
+              <a:buFont typeface="Barlow Light"/>
+              <a:buChar char="▫"/>
+              <a:defRPr sz="2400" b="0" i="0" u="none" strike="noStrike" cap="none">
+                <a:solidFill>
+                  <a:schemeClr val="dk1"/>
+                </a:solidFill>
+                <a:latin typeface="Barlow Light"/>
+                <a:ea typeface="Barlow Light"/>
+                <a:cs typeface="Barlow Light"/>
+                <a:sym typeface="Barlow Light"/>
+              </a:defRPr>
+            </a:lvl9pPr>
+          </a:lstStyle>
+          <a:p>
+            <a:r>
+              <a:rPr lang="en-US" dirty="0" smtClean="0"/>
+              <a:t>Edited</a:t>
+            </a:r>
+          </a:p>
+          <a:p>
+            <a:endParaRPr lang="en-US" dirty="0"/>
+          </a:p>
+          <a:p>
+            <a:endParaRPr lang="en-US" dirty="0" smtClean="0"/>
+          </a:p>
+          <a:p>
+            <a:endParaRPr lang="en-US" dirty="0"/>
+          </a:p>
+          <a:p>
+            <a:endParaRPr lang="en-US" dirty="0" smtClean="0"/>
+          </a:p>
+          <a:p>
+            <a:r>
+              <a:rPr lang="en-US" dirty="0" smtClean="0"/>
+              <a:t>Added transparency and compressed file</a:t>
+            </a:r>
+            <a:endParaRPr lang="en-US" dirty="0"/>
+          </a:p>
+        </p:txBody>
+      </p:sp>
+      <p:pic>
+        <p:nvPicPr>
+          <p:cNvPr id="6" name="Picture 5"/>
+          <p:cNvPicPr>
+            <a:picLocks noChangeAspect="1"/>
+          </p:cNvPicPr>
+          <p:nvPr/>
+        </p:nvPicPr>
+        <p:blipFill>
+          <a:blip r:embed="rId4" cstate="hqprint">
+            <a:extLst>
+              <a:ext uri="{28A0092B-C50C-407E-A947-70E740481C1C}">
+                <a14:useLocalDpi xmlns:a14="http://schemas.microsoft.com/office/drawing/2010/main" val="0"/>
+              </a:ext>
+            </a:extLst>
+          </a:blip>
+          <a:stretch>
+            <a:fillRect/>
+          </a:stretch>
+        </p:blipFill>
+        <p:spPr>
+          <a:xfrm>
+            <a:off x="7369279" y="3074681"/>
+            <a:ext cx="3292631" cy="1663573"/>
+          </a:xfrm>
+          <a:prstGeom prst="rect">
+            <a:avLst/>
+          </a:prstGeom>
+        </p:spPr>
+      </p:pic>
     </p:spTree>
     <p:extLst>
       <p:ext uri="{BB962C8B-B14F-4D97-AF65-F5344CB8AC3E}">
@@ -24931,7 +25897,7 @@
 </p:sld>
 </file>
 
-<file path=ppt/slides/slide12.xml><?xml version="1.0" encoding="utf-8"?>
+<file path=ppt/slides/slide14.xml><?xml version="1.0" encoding="utf-8"?>
 <p:sld xmlns:a="http://schemas.openxmlformats.org/drawingml/2006/main" xmlns:r="http://schemas.openxmlformats.org/officeDocument/2006/relationships" xmlns:p="http://schemas.openxmlformats.org/presentationml/2006/main">
   <p:cSld>
     <p:spTree>
@@ -25026,7 +25992,7 @@
 </p:sld>
 </file>
 
-<file path=ppt/slides/slide13.xml><?xml version="1.0" encoding="utf-8"?>
+<file path=ppt/slides/slide15.xml><?xml version="1.0" encoding="utf-8"?>
 <p:sld xmlns:a="http://schemas.openxmlformats.org/drawingml/2006/main" xmlns:r="http://schemas.openxmlformats.org/officeDocument/2006/relationships" xmlns:p="http://schemas.openxmlformats.org/presentationml/2006/main">
   <p:cSld>
     <p:spTree>
@@ -25094,7 +26060,7 @@
 </p:sld>
 </file>
 
-<file path=ppt/slides/slide14.xml><?xml version="1.0" encoding="utf-8"?>
+<file path=ppt/slides/slide16.xml><?xml version="1.0" encoding="utf-8"?>
 <p:sld xmlns:a="http://schemas.openxmlformats.org/drawingml/2006/main" xmlns:r="http://schemas.openxmlformats.org/officeDocument/2006/relationships" xmlns:p="http://schemas.openxmlformats.org/presentationml/2006/main">
   <p:cSld>
     <p:spTree>
@@ -25165,23 +26131,95 @@
         <p:spPr>
           <a:xfrm>
             <a:off x="1554500" y="2132933"/>
-            <a:ext cx="3009600" cy="3853600"/>
+            <a:ext cx="4638482" cy="3853600"/>
           </a:xfrm>
         </p:spPr>
         <p:txBody>
           <a:bodyPr/>
           <a:lstStyle/>
           <a:p>
-            <a:endParaRPr lang="en-US"/>
+            <a:r>
+              <a:rPr lang="en-GB" sz="2000" dirty="0">
+                <a:hlinkClick r:id="rId3"/>
+              </a:rPr>
+              <a:t>https://</a:t>
+            </a:r>
+            <a:r>
+              <a:rPr lang="en-GB" sz="2000" dirty="0" smtClean="0">
+                <a:hlinkClick r:id="rId3"/>
+              </a:rPr>
+              <a:t>fonts.google.com/specimen/Raleway</a:t>
+            </a:r>
+            <a:endParaRPr lang="en-GB" sz="2000" dirty="0" smtClean="0"/>
+          </a:p>
+          <a:p>
+            <a:endParaRPr lang="en-GB" sz="2000" dirty="0"/>
+          </a:p>
+          <a:p>
+            <a:r>
+              <a:rPr lang="en-GB" sz="2000" dirty="0">
+                <a:hlinkClick r:id="rId4"/>
+              </a:rPr>
+              <a:t>https://fonts.google.com/specimen/Montserrat</a:t>
+            </a:r>
+            <a:endParaRPr lang="en-US" sz="2000" dirty="0"/>
           </a:p>
         </p:txBody>
       </p:sp>
+      <p:pic>
+        <p:nvPicPr>
+          <p:cNvPr id="3" name="Picture 2"/>
+          <p:cNvPicPr>
+            <a:picLocks noChangeAspect="1"/>
+          </p:cNvPicPr>
+          <p:nvPr/>
+        </p:nvPicPr>
+        <p:blipFill>
+          <a:blip r:embed="rId5"/>
+          <a:stretch>
+            <a:fillRect/>
+          </a:stretch>
+        </p:blipFill>
+        <p:spPr>
+          <a:xfrm>
+            <a:off x="1859107" y="2969861"/>
+            <a:ext cx="4487278" cy="521484"/>
+          </a:xfrm>
+          <a:prstGeom prst="rect">
+            <a:avLst/>
+          </a:prstGeom>
+        </p:spPr>
+      </p:pic>
+      <p:pic>
+        <p:nvPicPr>
+          <p:cNvPr id="4" name="Picture 3"/>
+          <p:cNvPicPr>
+            <a:picLocks noChangeAspect="1"/>
+          </p:cNvPicPr>
+          <p:nvPr/>
+        </p:nvPicPr>
+        <p:blipFill>
+          <a:blip r:embed="rId6"/>
+          <a:stretch>
+            <a:fillRect/>
+          </a:stretch>
+        </p:blipFill>
+        <p:spPr>
+          <a:xfrm>
+            <a:off x="1859107" y="4634346"/>
+            <a:ext cx="4778608" cy="482017"/>
+          </a:xfrm>
+          <a:prstGeom prst="rect">
+            <a:avLst/>
+          </a:prstGeom>
+        </p:spPr>
+      </p:pic>
       <p:sp>
         <p:nvSpPr>
-          <p:cNvPr id="10" name="Text Placeholder 3">
+          <p:cNvPr id="8" name="Text Placeholder 2">
             <a:extLst>
               <a:ext uri="{FF2B5EF4-FFF2-40B4-BE49-F238E27FC236}">
-                <a16:creationId xmlns:a16="http://schemas.microsoft.com/office/drawing/2014/main" id="{34C8D7F3-6027-4F08-9A71-C34F5DC3F0E1}"/>
+                <a16:creationId xmlns:a16="http://schemas.microsoft.com/office/drawing/2014/main" id="{E75E87E0-2C95-434D-A384-7EF213B56A5B}"/>
               </a:ext>
             </a:extLst>
           </p:cNvPr>
@@ -25189,53 +26227,95 @@
             <a:spLocks noGrp="1"/>
           </p:cNvSpPr>
           <p:nvPr>
-            <p:ph type="body" idx="2"/>
+            <p:ph type="body" idx="1"/>
           </p:nvPr>
         </p:nvSpPr>
         <p:spPr>
           <a:xfrm>
-            <a:off x="4941917" y="2132933"/>
-            <a:ext cx="3009600" cy="3853600"/>
+            <a:off x="6637715" y="2132933"/>
+            <a:ext cx="4638482" cy="3853600"/>
           </a:xfrm>
         </p:spPr>
         <p:txBody>
           <a:bodyPr/>
           <a:lstStyle/>
           <a:p>
-            <a:endParaRPr lang="en-US"/>
+            <a:r>
+              <a:rPr lang="en-GB" sz="2000" dirty="0">
+                <a:hlinkClick r:id="rId7"/>
+              </a:rPr>
+              <a:t>https://</a:t>
+            </a:r>
+            <a:r>
+              <a:rPr lang="en-GB" sz="2000" dirty="0" smtClean="0">
+                <a:hlinkClick r:id="rId7"/>
+              </a:rPr>
+              <a:t>fonts.google.com/specimen/Lora</a:t>
+            </a:r>
+            <a:endParaRPr lang="en-GB" sz="2000" dirty="0" smtClean="0"/>
+          </a:p>
+          <a:p>
+            <a:endParaRPr lang="en-GB" sz="2000" dirty="0"/>
+          </a:p>
+          <a:p>
+            <a:r>
+              <a:rPr lang="en-GB" sz="2000" dirty="0">
+                <a:hlinkClick r:id="rId8"/>
+              </a:rPr>
+              <a:t>https://fonts.google.com/specimen/Alegreya</a:t>
+            </a:r>
+            <a:endParaRPr lang="en-US" sz="2000" dirty="0"/>
           </a:p>
         </p:txBody>
       </p:sp>
-      <p:sp>
-        <p:nvSpPr>
-          <p:cNvPr id="12" name="Text Placeholder 4">
-            <a:extLst>
-              <a:ext uri="{FF2B5EF4-FFF2-40B4-BE49-F238E27FC236}">
-                <a16:creationId xmlns:a16="http://schemas.microsoft.com/office/drawing/2014/main" id="{80E145F1-E21A-42F5-B0B5-A47EF34DD2B1}"/>
-              </a:ext>
-            </a:extLst>
-          </p:cNvPr>
-          <p:cNvSpPr>
-            <a:spLocks noGrp="1"/>
-          </p:cNvSpPr>
-          <p:nvPr>
-            <p:ph type="body" idx="3"/>
-          </p:nvPr>
-        </p:nvSpPr>
+      <p:pic>
+        <p:nvPicPr>
+          <p:cNvPr id="5" name="Picture 4"/>
+          <p:cNvPicPr>
+            <a:picLocks noChangeAspect="1"/>
+          </p:cNvPicPr>
+          <p:nvPr/>
+        </p:nvPicPr>
+        <p:blipFill>
+          <a:blip r:embed="rId9"/>
+          <a:stretch>
+            <a:fillRect/>
+          </a:stretch>
+        </p:blipFill>
         <p:spPr>
           <a:xfrm>
-            <a:off x="8329335" y="2132933"/>
-            <a:ext cx="3009600" cy="3853600"/>
+            <a:off x="6668589" y="2973098"/>
+            <a:ext cx="4607608" cy="518247"/>
           </a:xfrm>
+          <a:prstGeom prst="rect">
+            <a:avLst/>
+          </a:prstGeom>
         </p:spPr>
-        <p:txBody>
-          <a:bodyPr/>
-          <a:lstStyle/>
-          <a:p>
-            <a:endParaRPr lang="en-US"/>
-          </a:p>
-        </p:txBody>
-      </p:sp>
+      </p:pic>
+      <p:pic>
+        <p:nvPicPr>
+          <p:cNvPr id="6" name="Picture 5"/>
+          <p:cNvPicPr>
+            <a:picLocks noChangeAspect="1"/>
+          </p:cNvPicPr>
+          <p:nvPr/>
+        </p:nvPicPr>
+        <p:blipFill>
+          <a:blip r:embed="rId10"/>
+          <a:stretch>
+            <a:fillRect/>
+          </a:stretch>
+        </p:blipFill>
+        <p:spPr>
+          <a:xfrm>
+            <a:off x="6637715" y="4491208"/>
+            <a:ext cx="5349586" cy="768292"/>
+          </a:xfrm>
+          <a:prstGeom prst="rect">
+            <a:avLst/>
+          </a:prstGeom>
+        </p:spPr>
+      </p:pic>
     </p:spTree>
     <p:extLst>
       <p:ext uri="{BB962C8B-B14F-4D97-AF65-F5344CB8AC3E}">
@@ -25249,7 +26329,7 @@
 </p:sld>
 </file>
 
-<file path=ppt/slides/slide15.xml><?xml version="1.0" encoding="utf-8"?>
+<file path=ppt/slides/slide17.xml><?xml version="1.0" encoding="utf-8"?>
 <p:sld xmlns:a="http://schemas.openxmlformats.org/drawingml/2006/main" xmlns:r="http://schemas.openxmlformats.org/officeDocument/2006/relationships" xmlns:p="http://schemas.openxmlformats.org/presentationml/2006/main">
   <p:cSld>
     <p:spTree>
@@ -25404,7 +26484,7 @@
 </p:sld>
 </file>
 
-<file path=ppt/slides/slide16.xml><?xml version="1.0" encoding="utf-8"?>
+<file path=ppt/slides/slide18.xml><?xml version="1.0" encoding="utf-8"?>
 <p:sld xmlns:a="http://schemas.openxmlformats.org/drawingml/2006/main" xmlns:r="http://schemas.openxmlformats.org/officeDocument/2006/relationships" xmlns:p="http://schemas.openxmlformats.org/presentationml/2006/main">
   <p:cSld>
     <p:spTree>
@@ -25456,6 +26536,30 @@
           </a:p>
         </p:txBody>
       </p:sp>
+      <p:pic>
+        <p:nvPicPr>
+          <p:cNvPr id="4" name="Picture 3"/>
+          <p:cNvPicPr>
+            <a:picLocks noChangeAspect="1"/>
+          </p:cNvPicPr>
+          <p:nvPr/>
+        </p:nvPicPr>
+        <p:blipFill>
+          <a:blip r:embed="rId3"/>
+          <a:stretch>
+            <a:fillRect/>
+          </a:stretch>
+        </p:blipFill>
+        <p:spPr>
+          <a:xfrm>
+            <a:off x="2077684" y="2182091"/>
+            <a:ext cx="3568098" cy="1129145"/>
+          </a:xfrm>
+          <a:prstGeom prst="rect">
+            <a:avLst/>
+          </a:prstGeom>
+        </p:spPr>
+      </p:pic>
       <p:sp>
         <p:nvSpPr>
           <p:cNvPr id="8" name="Text Placeholder 2">
@@ -25474,15 +26578,15 @@
         </p:nvSpPr>
         <p:spPr>
           <a:xfrm>
-            <a:off x="1563533" y="2132933"/>
-            <a:ext cx="4596400" cy="3853600"/>
+            <a:off x="1563533" y="3311235"/>
+            <a:ext cx="4596400" cy="2675297"/>
           </a:xfrm>
         </p:spPr>
         <p:txBody>
           <a:bodyPr/>
           <a:lstStyle/>
           <a:p>
-            <a:endParaRPr lang="en-US"/>
+            <a:endParaRPr lang="en-US" dirty="0"/>
           </a:p>
         </p:txBody>
       </p:sp>
@@ -25504,18 +26608,42 @@
         </p:nvSpPr>
         <p:spPr>
           <a:xfrm>
-            <a:off x="6742517" y="2132933"/>
-            <a:ext cx="4596400" cy="3853600"/>
+            <a:off x="6742517" y="3311235"/>
+            <a:ext cx="4596400" cy="2675298"/>
           </a:xfrm>
         </p:spPr>
         <p:txBody>
           <a:bodyPr/>
           <a:lstStyle/>
           <a:p>
-            <a:endParaRPr lang="en-US"/>
+            <a:endParaRPr lang="en-US" dirty="0"/>
           </a:p>
         </p:txBody>
       </p:sp>
+      <p:pic>
+        <p:nvPicPr>
+          <p:cNvPr id="5" name="Picture 4"/>
+          <p:cNvPicPr>
+            <a:picLocks noChangeAspect="1"/>
+          </p:cNvPicPr>
+          <p:nvPr/>
+        </p:nvPicPr>
+        <p:blipFill>
+          <a:blip r:embed="rId4"/>
+          <a:stretch>
+            <a:fillRect/>
+          </a:stretch>
+        </p:blipFill>
+        <p:spPr>
+          <a:xfrm>
+            <a:off x="7765473" y="1837277"/>
+            <a:ext cx="1960418" cy="1366062"/>
+          </a:xfrm>
+          <a:prstGeom prst="rect">
+            <a:avLst/>
+          </a:prstGeom>
+        </p:spPr>
+      </p:pic>
     </p:spTree>
     <p:extLst>
       <p:ext uri="{BB962C8B-B14F-4D97-AF65-F5344CB8AC3E}">
@@ -25529,7 +26657,7 @@
 </p:sld>
 </file>
 
-<file path=ppt/slides/slide17.xml><?xml version="1.0" encoding="utf-8"?>
+<file path=ppt/slides/slide19.xml><?xml version="1.0" encoding="utf-8"?>
 <p:sld xmlns:a="http://schemas.openxmlformats.org/drawingml/2006/main" xmlns:r="http://schemas.openxmlformats.org/officeDocument/2006/relationships" xmlns:p="http://schemas.openxmlformats.org/presentationml/2006/main">
   <p:cSld>
     <p:spTree>
@@ -25645,169 +26773,6 @@
     <p:extLst>
       <p:ext uri="{BB962C8B-B14F-4D97-AF65-F5344CB8AC3E}">
         <p14:creationId xmlns:p14="http://schemas.microsoft.com/office/powerpoint/2010/main" val="2800400229"/>
-      </p:ext>
-    </p:extLst>
-  </p:cSld>
-  <p:clrMapOvr>
-    <a:masterClrMapping/>
-  </p:clrMapOvr>
-</p:sld>
-</file>
-
-<file path=ppt/slides/slide18.xml><?xml version="1.0" encoding="utf-8"?>
-<p:sld xmlns:a="http://schemas.openxmlformats.org/drawingml/2006/main" xmlns:r="http://schemas.openxmlformats.org/officeDocument/2006/relationships" xmlns:p="http://schemas.openxmlformats.org/presentationml/2006/main">
-  <p:cSld>
-    <p:spTree>
-      <p:nvGrpSpPr>
-        <p:cNvPr id="1" name=""/>
-        <p:cNvGrpSpPr/>
-        <p:nvPr/>
-      </p:nvGrpSpPr>
-      <p:grpSpPr>
-        <a:xfrm>
-          <a:off x="0" y="0"/>
-          <a:ext cx="0" cy="0"/>
-          <a:chOff x="0" y="0"/>
-          <a:chExt cx="0" cy="0"/>
-        </a:xfrm>
-      </p:grpSpPr>
-      <p:sp>
-        <p:nvSpPr>
-          <p:cNvPr id="2" name="Title 1">
-            <a:extLst>
-              <a:ext uri="{FF2B5EF4-FFF2-40B4-BE49-F238E27FC236}">
-                <a16:creationId xmlns:a16="http://schemas.microsoft.com/office/drawing/2014/main" id="{C23E439E-8CBA-4706-89EC-B4EBD1BD2134}"/>
-              </a:ext>
-            </a:extLst>
-          </p:cNvPr>
-          <p:cNvSpPr>
-            <a:spLocks noGrp="1"/>
-          </p:cNvSpPr>
-          <p:nvPr>
-            <p:ph type="title"/>
-          </p:nvPr>
-        </p:nvSpPr>
-        <p:spPr>
-          <a:xfrm>
-            <a:off x="881467" y="885733"/>
-            <a:ext cx="10457600" cy="871600"/>
-          </a:xfrm>
-        </p:spPr>
-        <p:txBody>
-          <a:bodyPr wrap="square" anchor="ctr">
-            <a:normAutofit/>
-          </a:bodyPr>
-          <a:lstStyle/>
-          <a:p>
-            <a:r>
-              <a:rPr lang="en-NZ" b="1" dirty="0"/>
-              <a:t>Feedback from client / stakeholders</a:t>
-            </a:r>
-          </a:p>
-        </p:txBody>
-      </p:sp>
-      <p:sp>
-        <p:nvSpPr>
-          <p:cNvPr id="8" name="Text Placeholder 2">
-            <a:extLst>
-              <a:ext uri="{FF2B5EF4-FFF2-40B4-BE49-F238E27FC236}">
-                <a16:creationId xmlns:a16="http://schemas.microsoft.com/office/drawing/2014/main" id="{91F20AC8-0C2D-45FB-9E20-0CFE215B6E8F}"/>
-              </a:ext>
-            </a:extLst>
-          </p:cNvPr>
-          <p:cNvSpPr>
-            <a:spLocks noGrp="1"/>
-          </p:cNvSpPr>
-          <p:nvPr>
-            <p:ph type="body" idx="1"/>
-          </p:nvPr>
-        </p:nvSpPr>
-        <p:spPr>
-          <a:xfrm>
-            <a:off x="1599700" y="2132933"/>
-            <a:ext cx="8867600" cy="3848000"/>
-          </a:xfrm>
-        </p:spPr>
-        <p:txBody>
-          <a:bodyPr/>
-          <a:lstStyle/>
-          <a:p>
-            <a:endParaRPr lang="en-US"/>
-          </a:p>
-        </p:txBody>
-      </p:sp>
-    </p:spTree>
-    <p:extLst>
-      <p:ext uri="{BB962C8B-B14F-4D97-AF65-F5344CB8AC3E}">
-        <p14:creationId xmlns:p14="http://schemas.microsoft.com/office/powerpoint/2010/main" val="212974742"/>
-      </p:ext>
-    </p:extLst>
-  </p:cSld>
-  <p:clrMapOvr>
-    <a:masterClrMapping/>
-  </p:clrMapOvr>
-</p:sld>
-</file>
-
-<file path=ppt/slides/slide19.xml><?xml version="1.0" encoding="utf-8"?>
-<p:sld xmlns:a="http://schemas.openxmlformats.org/drawingml/2006/main" xmlns:r="http://schemas.openxmlformats.org/officeDocument/2006/relationships" xmlns:p="http://schemas.openxmlformats.org/presentationml/2006/main">
-  <p:cSld>
-    <p:spTree>
-      <p:nvGrpSpPr>
-        <p:cNvPr id="1" name=""/>
-        <p:cNvGrpSpPr/>
-        <p:nvPr/>
-      </p:nvGrpSpPr>
-      <p:grpSpPr>
-        <a:xfrm>
-          <a:off x="0" y="0"/>
-          <a:ext cx="0" cy="0"/>
-          <a:chOff x="0" y="0"/>
-          <a:chExt cx="0" cy="0"/>
-        </a:xfrm>
-      </p:grpSpPr>
-      <p:sp>
-        <p:nvSpPr>
-          <p:cNvPr id="3" name="Content Placeholder 2">
-            <a:extLst>
-              <a:ext uri="{FF2B5EF4-FFF2-40B4-BE49-F238E27FC236}">
-                <a16:creationId xmlns:a16="http://schemas.microsoft.com/office/drawing/2014/main" id="{6EB18054-8B7B-4DC6-9E15-06F626E24688}"/>
-              </a:ext>
-            </a:extLst>
-          </p:cNvPr>
-          <p:cNvSpPr>
-            <a:spLocks noGrp="1"/>
-          </p:cNvSpPr>
-          <p:nvPr>
-            <p:ph type="ctrTitle"/>
-          </p:nvPr>
-        </p:nvSpPr>
-        <p:spPr>
-          <a:xfrm>
-            <a:off x="914400" y="2055567"/>
-            <a:ext cx="7653600" cy="2746800"/>
-          </a:xfrm>
-        </p:spPr>
-        <p:txBody>
-          <a:bodyPr wrap="square" anchor="ctr">
-            <a:normAutofit/>
-          </a:bodyPr>
-          <a:lstStyle/>
-          <a:p>
-            <a:pPr marL="0" indent="0">
-              <a:buNone/>
-            </a:pPr>
-            <a:r>
-              <a:rPr lang="en-NZ"/>
-              <a:t>Step 4 : Protype/ Testing</a:t>
-            </a:r>
-          </a:p>
-        </p:txBody>
-      </p:sp>
-    </p:spTree>
-    <p:extLst>
-      <p:ext uri="{BB962C8B-B14F-4D97-AF65-F5344CB8AC3E}">
-        <p14:creationId xmlns:p14="http://schemas.microsoft.com/office/powerpoint/2010/main" val="1347581373"/>
       </p:ext>
     </p:extLst>
   </p:cSld>
@@ -25945,6 +26910,169 @@
           <p:cNvPr id="2" name="Title 1">
             <a:extLst>
               <a:ext uri="{FF2B5EF4-FFF2-40B4-BE49-F238E27FC236}">
+                <a16:creationId xmlns:a16="http://schemas.microsoft.com/office/drawing/2014/main" id="{C23E439E-8CBA-4706-89EC-B4EBD1BD2134}"/>
+              </a:ext>
+            </a:extLst>
+          </p:cNvPr>
+          <p:cNvSpPr>
+            <a:spLocks noGrp="1"/>
+          </p:cNvSpPr>
+          <p:nvPr>
+            <p:ph type="title"/>
+          </p:nvPr>
+        </p:nvSpPr>
+        <p:spPr>
+          <a:xfrm>
+            <a:off x="881467" y="885733"/>
+            <a:ext cx="10457600" cy="871600"/>
+          </a:xfrm>
+        </p:spPr>
+        <p:txBody>
+          <a:bodyPr wrap="square" anchor="ctr">
+            <a:normAutofit/>
+          </a:bodyPr>
+          <a:lstStyle/>
+          <a:p>
+            <a:r>
+              <a:rPr lang="en-NZ" b="1" dirty="0"/>
+              <a:t>Feedback from client / stakeholders</a:t>
+            </a:r>
+          </a:p>
+        </p:txBody>
+      </p:sp>
+      <p:sp>
+        <p:nvSpPr>
+          <p:cNvPr id="8" name="Text Placeholder 2">
+            <a:extLst>
+              <a:ext uri="{FF2B5EF4-FFF2-40B4-BE49-F238E27FC236}">
+                <a16:creationId xmlns:a16="http://schemas.microsoft.com/office/drawing/2014/main" id="{91F20AC8-0C2D-45FB-9E20-0CFE215B6E8F}"/>
+              </a:ext>
+            </a:extLst>
+          </p:cNvPr>
+          <p:cNvSpPr>
+            <a:spLocks noGrp="1"/>
+          </p:cNvSpPr>
+          <p:nvPr>
+            <p:ph type="body" idx="1"/>
+          </p:nvPr>
+        </p:nvSpPr>
+        <p:spPr>
+          <a:xfrm>
+            <a:off x="1599700" y="2132933"/>
+            <a:ext cx="8867600" cy="3848000"/>
+          </a:xfrm>
+        </p:spPr>
+        <p:txBody>
+          <a:bodyPr/>
+          <a:lstStyle/>
+          <a:p>
+            <a:endParaRPr lang="en-US"/>
+          </a:p>
+        </p:txBody>
+      </p:sp>
+    </p:spTree>
+    <p:extLst>
+      <p:ext uri="{BB962C8B-B14F-4D97-AF65-F5344CB8AC3E}">
+        <p14:creationId xmlns:p14="http://schemas.microsoft.com/office/powerpoint/2010/main" val="212974742"/>
+      </p:ext>
+    </p:extLst>
+  </p:cSld>
+  <p:clrMapOvr>
+    <a:masterClrMapping/>
+  </p:clrMapOvr>
+</p:sld>
+</file>
+
+<file path=ppt/slides/slide21.xml><?xml version="1.0" encoding="utf-8"?>
+<p:sld xmlns:a="http://schemas.openxmlformats.org/drawingml/2006/main" xmlns:r="http://schemas.openxmlformats.org/officeDocument/2006/relationships" xmlns:p="http://schemas.openxmlformats.org/presentationml/2006/main">
+  <p:cSld>
+    <p:spTree>
+      <p:nvGrpSpPr>
+        <p:cNvPr id="1" name=""/>
+        <p:cNvGrpSpPr/>
+        <p:nvPr/>
+      </p:nvGrpSpPr>
+      <p:grpSpPr>
+        <a:xfrm>
+          <a:off x="0" y="0"/>
+          <a:ext cx="0" cy="0"/>
+          <a:chOff x="0" y="0"/>
+          <a:chExt cx="0" cy="0"/>
+        </a:xfrm>
+      </p:grpSpPr>
+      <p:sp>
+        <p:nvSpPr>
+          <p:cNvPr id="3" name="Content Placeholder 2">
+            <a:extLst>
+              <a:ext uri="{FF2B5EF4-FFF2-40B4-BE49-F238E27FC236}">
+                <a16:creationId xmlns:a16="http://schemas.microsoft.com/office/drawing/2014/main" id="{6EB18054-8B7B-4DC6-9E15-06F626E24688}"/>
+              </a:ext>
+            </a:extLst>
+          </p:cNvPr>
+          <p:cNvSpPr>
+            <a:spLocks noGrp="1"/>
+          </p:cNvSpPr>
+          <p:nvPr>
+            <p:ph type="ctrTitle"/>
+          </p:nvPr>
+        </p:nvSpPr>
+        <p:spPr>
+          <a:xfrm>
+            <a:off x="914400" y="2055567"/>
+            <a:ext cx="7653600" cy="2746800"/>
+          </a:xfrm>
+        </p:spPr>
+        <p:txBody>
+          <a:bodyPr wrap="square" anchor="ctr">
+            <a:normAutofit/>
+          </a:bodyPr>
+          <a:lstStyle/>
+          <a:p>
+            <a:pPr marL="0" indent="0">
+              <a:buNone/>
+            </a:pPr>
+            <a:r>
+              <a:rPr lang="en-NZ"/>
+              <a:t>Step 4 : Protype/ Testing</a:t>
+            </a:r>
+          </a:p>
+        </p:txBody>
+      </p:sp>
+    </p:spTree>
+    <p:extLst>
+      <p:ext uri="{BB962C8B-B14F-4D97-AF65-F5344CB8AC3E}">
+        <p14:creationId xmlns:p14="http://schemas.microsoft.com/office/powerpoint/2010/main" val="1347581373"/>
+      </p:ext>
+    </p:extLst>
+  </p:cSld>
+  <p:clrMapOvr>
+    <a:masterClrMapping/>
+  </p:clrMapOvr>
+</p:sld>
+</file>
+
+<file path=ppt/slides/slide22.xml><?xml version="1.0" encoding="utf-8"?>
+<p:sld xmlns:a="http://schemas.openxmlformats.org/drawingml/2006/main" xmlns:r="http://schemas.openxmlformats.org/officeDocument/2006/relationships" xmlns:p="http://schemas.openxmlformats.org/presentationml/2006/main">
+  <p:cSld>
+    <p:spTree>
+      <p:nvGrpSpPr>
+        <p:cNvPr id="1" name=""/>
+        <p:cNvGrpSpPr/>
+        <p:nvPr/>
+      </p:nvGrpSpPr>
+      <p:grpSpPr>
+        <a:xfrm>
+          <a:off x="0" y="0"/>
+          <a:ext cx="0" cy="0"/>
+          <a:chOff x="0" y="0"/>
+          <a:chExt cx="0" cy="0"/>
+        </a:xfrm>
+      </p:grpSpPr>
+      <p:sp>
+        <p:nvSpPr>
+          <p:cNvPr id="2" name="Title 1">
+            <a:extLst>
+              <a:ext uri="{FF2B5EF4-FFF2-40B4-BE49-F238E27FC236}">
                 <a16:creationId xmlns:a16="http://schemas.microsoft.com/office/drawing/2014/main" id="{63E37CB5-8F5E-4375-9A9F-8A510BDEDDD7}"/>
               </a:ext>
             </a:extLst>
@@ -26018,7 +27146,7 @@
 </p:sld>
 </file>
 
-<file path=ppt/slides/slide21.xml><?xml version="1.0" encoding="utf-8"?>
+<file path=ppt/slides/slide23.xml><?xml version="1.0" encoding="utf-8"?>
 <p:sld xmlns:a="http://schemas.openxmlformats.org/drawingml/2006/main" xmlns:r="http://schemas.openxmlformats.org/officeDocument/2006/relationships" xmlns:p="http://schemas.openxmlformats.org/presentationml/2006/main">
   <p:cSld>
     <p:spTree>
@@ -26086,7 +27214,7 @@
 </p:sld>
 </file>
 
-<file path=ppt/slides/slide22.xml><?xml version="1.0" encoding="utf-8"?>
+<file path=ppt/slides/slide24.xml><?xml version="1.0" encoding="utf-8"?>
 <p:sld xmlns:a="http://schemas.openxmlformats.org/drawingml/2006/main" xmlns:r="http://schemas.openxmlformats.org/officeDocument/2006/relationships" xmlns:p="http://schemas.openxmlformats.org/presentationml/2006/main">
   <p:cSld>
     <p:spTree>
@@ -26256,7 +27384,7 @@
 </p:sld>
 </file>
 
-<file path=ppt/slides/slide23.xml><?xml version="1.0" encoding="utf-8"?>
+<file path=ppt/slides/slide25.xml><?xml version="1.0" encoding="utf-8"?>
 <p:sld xmlns:a="http://schemas.openxmlformats.org/drawingml/2006/main" xmlns:r="http://schemas.openxmlformats.org/officeDocument/2006/relationships" xmlns:p="http://schemas.openxmlformats.org/presentationml/2006/main">
   <p:cSld>
     <p:spTree>
@@ -26366,7 +27494,7 @@
 </p:sld>
 </file>
 
-<file path=ppt/slides/slide24.xml><?xml version="1.0" encoding="utf-8"?>
+<file path=ppt/slides/slide26.xml><?xml version="1.0" encoding="utf-8"?>
 <p:sld xmlns:a="http://schemas.openxmlformats.org/drawingml/2006/main" xmlns:r="http://schemas.openxmlformats.org/officeDocument/2006/relationships" xmlns:p="http://schemas.openxmlformats.org/presentationml/2006/main">
   <p:cSld>
     <p:spTree>
@@ -26469,7 +27597,7 @@
 </p:sld>
 </file>
 
-<file path=ppt/slides/slide25.xml><?xml version="1.0" encoding="utf-8"?>
+<file path=ppt/slides/slide27.xml><?xml version="1.0" encoding="utf-8"?>
 <p:sld xmlns:a="http://schemas.openxmlformats.org/drawingml/2006/main" xmlns:r="http://schemas.openxmlformats.org/officeDocument/2006/relationships" xmlns:p="http://schemas.openxmlformats.org/presentationml/2006/main">
   <p:cSld>
     <p:spTree>
@@ -26571,7 +27699,7 @@
 </p:sld>
 </file>
 
-<file path=ppt/slides/slide26.xml><?xml version="1.0" encoding="utf-8"?>
+<file path=ppt/slides/slide28.xml><?xml version="1.0" encoding="utf-8"?>
 <p:sld xmlns:a="http://schemas.openxmlformats.org/drawingml/2006/main" xmlns:r="http://schemas.openxmlformats.org/officeDocument/2006/relationships" xmlns:p="http://schemas.openxmlformats.org/presentationml/2006/main">
   <p:cSld>
     <p:spTree>
@@ -26666,7 +27794,7 @@
 </p:sld>
 </file>
 
-<file path=ppt/slides/slide27.xml><?xml version="1.0" encoding="utf-8"?>
+<file path=ppt/slides/slide29.xml><?xml version="1.0" encoding="utf-8"?>
 <p:sld xmlns:a="http://schemas.openxmlformats.org/drawingml/2006/main" xmlns:r="http://schemas.openxmlformats.org/officeDocument/2006/relationships" xmlns:p="http://schemas.openxmlformats.org/presentationml/2006/main">
   <p:cSld>
     <p:spTree>
@@ -26752,196 +27880,6 @@
     <p:extLst>
       <p:ext uri="{BB962C8B-B14F-4D97-AF65-F5344CB8AC3E}">
         <p14:creationId xmlns:p14="http://schemas.microsoft.com/office/powerpoint/2010/main" val="1096176406"/>
-      </p:ext>
-    </p:extLst>
-  </p:cSld>
-  <p:clrMapOvr>
-    <a:masterClrMapping/>
-  </p:clrMapOvr>
-</p:sld>
-</file>
-
-<file path=ppt/slides/slide28.xml><?xml version="1.0" encoding="utf-8"?>
-<p:sld xmlns:a="http://schemas.openxmlformats.org/drawingml/2006/main" xmlns:r="http://schemas.openxmlformats.org/officeDocument/2006/relationships" xmlns:p="http://schemas.openxmlformats.org/presentationml/2006/main">
-  <p:cSld>
-    <p:spTree>
-      <p:nvGrpSpPr>
-        <p:cNvPr id="1" name=""/>
-        <p:cNvGrpSpPr/>
-        <p:nvPr/>
-      </p:nvGrpSpPr>
-      <p:grpSpPr>
-        <a:xfrm>
-          <a:off x="0" y="0"/>
-          <a:ext cx="0" cy="0"/>
-          <a:chOff x="0" y="0"/>
-          <a:chExt cx="0" cy="0"/>
-        </a:xfrm>
-      </p:grpSpPr>
-      <p:sp>
-        <p:nvSpPr>
-          <p:cNvPr id="2" name="Title 1">
-            <a:extLst>
-              <a:ext uri="{FF2B5EF4-FFF2-40B4-BE49-F238E27FC236}">
-                <a16:creationId xmlns:a16="http://schemas.microsoft.com/office/drawing/2014/main" id="{6CC9CAE6-F587-4B13-B710-E0835E7760F7}"/>
-              </a:ext>
-            </a:extLst>
-          </p:cNvPr>
-          <p:cNvSpPr>
-            <a:spLocks noGrp="1"/>
-          </p:cNvSpPr>
-          <p:nvPr>
-            <p:ph type="title"/>
-          </p:nvPr>
-        </p:nvSpPr>
-        <p:spPr>
-          <a:xfrm>
-            <a:off x="881467" y="885733"/>
-            <a:ext cx="10457600" cy="871600"/>
-          </a:xfrm>
-        </p:spPr>
-        <p:txBody>
-          <a:bodyPr wrap="square" anchor="ctr">
-            <a:normAutofit/>
-          </a:bodyPr>
-          <a:lstStyle/>
-          <a:p>
-            <a:r>
-              <a:rPr lang="en-NZ" dirty="0"/>
-              <a:t>Final website</a:t>
-            </a:r>
-          </a:p>
-        </p:txBody>
-      </p:sp>
-      <p:sp>
-        <p:nvSpPr>
-          <p:cNvPr id="8" name="Text Placeholder 2">
-            <a:extLst>
-              <a:ext uri="{FF2B5EF4-FFF2-40B4-BE49-F238E27FC236}">
-                <a16:creationId xmlns:a16="http://schemas.microsoft.com/office/drawing/2014/main" id="{8F9692B4-94DD-4089-9B4B-10A55667A075}"/>
-              </a:ext>
-            </a:extLst>
-          </p:cNvPr>
-          <p:cNvSpPr>
-            <a:spLocks noGrp="1"/>
-          </p:cNvSpPr>
-          <p:nvPr>
-            <p:ph type="body" idx="1"/>
-          </p:nvPr>
-        </p:nvSpPr>
-        <p:spPr>
-          <a:xfrm>
-            <a:off x="1599700" y="2132933"/>
-            <a:ext cx="8867600" cy="3848000"/>
-          </a:xfrm>
-        </p:spPr>
-        <p:txBody>
-          <a:bodyPr/>
-          <a:lstStyle/>
-          <a:p>
-            <a:endParaRPr lang="en-US"/>
-          </a:p>
-        </p:txBody>
-      </p:sp>
-    </p:spTree>
-    <p:extLst>
-      <p:ext uri="{BB962C8B-B14F-4D97-AF65-F5344CB8AC3E}">
-        <p14:creationId xmlns:p14="http://schemas.microsoft.com/office/powerpoint/2010/main" val="1465058688"/>
-      </p:ext>
-    </p:extLst>
-  </p:cSld>
-  <p:clrMapOvr>
-    <a:masterClrMapping/>
-  </p:clrMapOvr>
-</p:sld>
-</file>
-
-<file path=ppt/slides/slide29.xml><?xml version="1.0" encoding="utf-8"?>
-<p:sld xmlns:a="http://schemas.openxmlformats.org/drawingml/2006/main" xmlns:r="http://schemas.openxmlformats.org/officeDocument/2006/relationships" xmlns:p="http://schemas.openxmlformats.org/presentationml/2006/main">
-  <p:cSld>
-    <p:spTree>
-      <p:nvGrpSpPr>
-        <p:cNvPr id="1" name=""/>
-        <p:cNvGrpSpPr/>
-        <p:nvPr/>
-      </p:nvGrpSpPr>
-      <p:grpSpPr>
-        <a:xfrm>
-          <a:off x="0" y="0"/>
-          <a:ext cx="0" cy="0"/>
-          <a:chOff x="0" y="0"/>
-          <a:chExt cx="0" cy="0"/>
-        </a:xfrm>
-      </p:grpSpPr>
-      <p:sp>
-        <p:nvSpPr>
-          <p:cNvPr id="2" name="Title 1">
-            <a:extLst>
-              <a:ext uri="{FF2B5EF4-FFF2-40B4-BE49-F238E27FC236}">
-                <a16:creationId xmlns:a16="http://schemas.microsoft.com/office/drawing/2014/main" id="{341ADAF0-AA0F-42A2-98BF-5865181A4ECB}"/>
-              </a:ext>
-            </a:extLst>
-          </p:cNvPr>
-          <p:cNvSpPr>
-            <a:spLocks noGrp="1"/>
-          </p:cNvSpPr>
-          <p:nvPr>
-            <p:ph type="title"/>
-          </p:nvPr>
-        </p:nvSpPr>
-        <p:spPr>
-          <a:xfrm>
-            <a:off x="881467" y="885733"/>
-            <a:ext cx="10457600" cy="871600"/>
-          </a:xfrm>
-        </p:spPr>
-        <p:txBody>
-          <a:bodyPr wrap="square" anchor="ctr">
-            <a:normAutofit/>
-          </a:bodyPr>
-          <a:lstStyle/>
-          <a:p>
-            <a:r>
-              <a:rPr lang="en-NZ" b="1" dirty="0"/>
-              <a:t>Final feedback from client</a:t>
-            </a:r>
-          </a:p>
-        </p:txBody>
-      </p:sp>
-      <p:sp>
-        <p:nvSpPr>
-          <p:cNvPr id="8" name="Text Placeholder 2">
-            <a:extLst>
-              <a:ext uri="{FF2B5EF4-FFF2-40B4-BE49-F238E27FC236}">
-                <a16:creationId xmlns:a16="http://schemas.microsoft.com/office/drawing/2014/main" id="{601E8567-2554-4F6E-9077-8DAE738FF881}"/>
-              </a:ext>
-            </a:extLst>
-          </p:cNvPr>
-          <p:cNvSpPr>
-            <a:spLocks noGrp="1"/>
-          </p:cNvSpPr>
-          <p:nvPr>
-            <p:ph type="body" idx="1"/>
-          </p:nvPr>
-        </p:nvSpPr>
-        <p:spPr>
-          <a:xfrm>
-            <a:off x="1599700" y="2132933"/>
-            <a:ext cx="8867600" cy="3848000"/>
-          </a:xfrm>
-        </p:spPr>
-        <p:txBody>
-          <a:bodyPr/>
-          <a:lstStyle/>
-          <a:p>
-            <a:endParaRPr lang="en-US"/>
-          </a:p>
-        </p:txBody>
-      </p:sp>
-    </p:spTree>
-    <p:extLst>
-      <p:ext uri="{BB962C8B-B14F-4D97-AF65-F5344CB8AC3E}">
-        <p14:creationId xmlns:p14="http://schemas.microsoft.com/office/powerpoint/2010/main" val="2419650684"/>
       </p:ext>
     </p:extLst>
   </p:cSld>
@@ -27086,6 +28024,196 @@
     <p:extLst>
       <p:ext uri="{BB962C8B-B14F-4D97-AF65-F5344CB8AC3E}">
         <p14:creationId xmlns:p14="http://schemas.microsoft.com/office/powerpoint/2010/main" val="2087781197"/>
+      </p:ext>
+    </p:extLst>
+  </p:cSld>
+  <p:clrMapOvr>
+    <a:masterClrMapping/>
+  </p:clrMapOvr>
+</p:sld>
+</file>
+
+<file path=ppt/slides/slide30.xml><?xml version="1.0" encoding="utf-8"?>
+<p:sld xmlns:a="http://schemas.openxmlformats.org/drawingml/2006/main" xmlns:r="http://schemas.openxmlformats.org/officeDocument/2006/relationships" xmlns:p="http://schemas.openxmlformats.org/presentationml/2006/main">
+  <p:cSld>
+    <p:spTree>
+      <p:nvGrpSpPr>
+        <p:cNvPr id="1" name=""/>
+        <p:cNvGrpSpPr/>
+        <p:nvPr/>
+      </p:nvGrpSpPr>
+      <p:grpSpPr>
+        <a:xfrm>
+          <a:off x="0" y="0"/>
+          <a:ext cx="0" cy="0"/>
+          <a:chOff x="0" y="0"/>
+          <a:chExt cx="0" cy="0"/>
+        </a:xfrm>
+      </p:grpSpPr>
+      <p:sp>
+        <p:nvSpPr>
+          <p:cNvPr id="2" name="Title 1">
+            <a:extLst>
+              <a:ext uri="{FF2B5EF4-FFF2-40B4-BE49-F238E27FC236}">
+                <a16:creationId xmlns:a16="http://schemas.microsoft.com/office/drawing/2014/main" id="{6CC9CAE6-F587-4B13-B710-E0835E7760F7}"/>
+              </a:ext>
+            </a:extLst>
+          </p:cNvPr>
+          <p:cNvSpPr>
+            <a:spLocks noGrp="1"/>
+          </p:cNvSpPr>
+          <p:nvPr>
+            <p:ph type="title"/>
+          </p:nvPr>
+        </p:nvSpPr>
+        <p:spPr>
+          <a:xfrm>
+            <a:off x="881467" y="885733"/>
+            <a:ext cx="10457600" cy="871600"/>
+          </a:xfrm>
+        </p:spPr>
+        <p:txBody>
+          <a:bodyPr wrap="square" anchor="ctr">
+            <a:normAutofit/>
+          </a:bodyPr>
+          <a:lstStyle/>
+          <a:p>
+            <a:r>
+              <a:rPr lang="en-NZ" dirty="0"/>
+              <a:t>Final website</a:t>
+            </a:r>
+          </a:p>
+        </p:txBody>
+      </p:sp>
+      <p:sp>
+        <p:nvSpPr>
+          <p:cNvPr id="8" name="Text Placeholder 2">
+            <a:extLst>
+              <a:ext uri="{FF2B5EF4-FFF2-40B4-BE49-F238E27FC236}">
+                <a16:creationId xmlns:a16="http://schemas.microsoft.com/office/drawing/2014/main" id="{8F9692B4-94DD-4089-9B4B-10A55667A075}"/>
+              </a:ext>
+            </a:extLst>
+          </p:cNvPr>
+          <p:cNvSpPr>
+            <a:spLocks noGrp="1"/>
+          </p:cNvSpPr>
+          <p:nvPr>
+            <p:ph type="body" idx="1"/>
+          </p:nvPr>
+        </p:nvSpPr>
+        <p:spPr>
+          <a:xfrm>
+            <a:off x="1599700" y="2132933"/>
+            <a:ext cx="8867600" cy="3848000"/>
+          </a:xfrm>
+        </p:spPr>
+        <p:txBody>
+          <a:bodyPr/>
+          <a:lstStyle/>
+          <a:p>
+            <a:endParaRPr lang="en-US"/>
+          </a:p>
+        </p:txBody>
+      </p:sp>
+    </p:spTree>
+    <p:extLst>
+      <p:ext uri="{BB962C8B-B14F-4D97-AF65-F5344CB8AC3E}">
+        <p14:creationId xmlns:p14="http://schemas.microsoft.com/office/powerpoint/2010/main" val="1465058688"/>
+      </p:ext>
+    </p:extLst>
+  </p:cSld>
+  <p:clrMapOvr>
+    <a:masterClrMapping/>
+  </p:clrMapOvr>
+</p:sld>
+</file>
+
+<file path=ppt/slides/slide31.xml><?xml version="1.0" encoding="utf-8"?>
+<p:sld xmlns:a="http://schemas.openxmlformats.org/drawingml/2006/main" xmlns:r="http://schemas.openxmlformats.org/officeDocument/2006/relationships" xmlns:p="http://schemas.openxmlformats.org/presentationml/2006/main">
+  <p:cSld>
+    <p:spTree>
+      <p:nvGrpSpPr>
+        <p:cNvPr id="1" name=""/>
+        <p:cNvGrpSpPr/>
+        <p:nvPr/>
+      </p:nvGrpSpPr>
+      <p:grpSpPr>
+        <a:xfrm>
+          <a:off x="0" y="0"/>
+          <a:ext cx="0" cy="0"/>
+          <a:chOff x="0" y="0"/>
+          <a:chExt cx="0" cy="0"/>
+        </a:xfrm>
+      </p:grpSpPr>
+      <p:sp>
+        <p:nvSpPr>
+          <p:cNvPr id="2" name="Title 1">
+            <a:extLst>
+              <a:ext uri="{FF2B5EF4-FFF2-40B4-BE49-F238E27FC236}">
+                <a16:creationId xmlns:a16="http://schemas.microsoft.com/office/drawing/2014/main" id="{341ADAF0-AA0F-42A2-98BF-5865181A4ECB}"/>
+              </a:ext>
+            </a:extLst>
+          </p:cNvPr>
+          <p:cNvSpPr>
+            <a:spLocks noGrp="1"/>
+          </p:cNvSpPr>
+          <p:nvPr>
+            <p:ph type="title"/>
+          </p:nvPr>
+        </p:nvSpPr>
+        <p:spPr>
+          <a:xfrm>
+            <a:off x="881467" y="885733"/>
+            <a:ext cx="10457600" cy="871600"/>
+          </a:xfrm>
+        </p:spPr>
+        <p:txBody>
+          <a:bodyPr wrap="square" anchor="ctr">
+            <a:normAutofit/>
+          </a:bodyPr>
+          <a:lstStyle/>
+          <a:p>
+            <a:r>
+              <a:rPr lang="en-NZ" b="1" dirty="0"/>
+              <a:t>Final feedback from client</a:t>
+            </a:r>
+          </a:p>
+        </p:txBody>
+      </p:sp>
+      <p:sp>
+        <p:nvSpPr>
+          <p:cNvPr id="8" name="Text Placeholder 2">
+            <a:extLst>
+              <a:ext uri="{FF2B5EF4-FFF2-40B4-BE49-F238E27FC236}">
+                <a16:creationId xmlns:a16="http://schemas.microsoft.com/office/drawing/2014/main" id="{601E8567-2554-4F6E-9077-8DAE738FF881}"/>
+              </a:ext>
+            </a:extLst>
+          </p:cNvPr>
+          <p:cNvSpPr>
+            <a:spLocks noGrp="1"/>
+          </p:cNvSpPr>
+          <p:nvPr>
+            <p:ph type="body" idx="1"/>
+          </p:nvPr>
+        </p:nvSpPr>
+        <p:spPr>
+          <a:xfrm>
+            <a:off x="1599700" y="2132933"/>
+            <a:ext cx="8867600" cy="3848000"/>
+          </a:xfrm>
+        </p:spPr>
+        <p:txBody>
+          <a:bodyPr/>
+          <a:lstStyle/>
+          <a:p>
+            <a:endParaRPr lang="en-US"/>
+          </a:p>
+        </p:txBody>
+      </p:sp>
+    </p:spTree>
+    <p:extLst>
+      <p:ext uri="{BB962C8B-B14F-4D97-AF65-F5344CB8AC3E}">
+        <p14:creationId xmlns:p14="http://schemas.microsoft.com/office/powerpoint/2010/main" val="2419650684"/>
       </p:ext>
     </p:extLst>
   </p:cSld>
@@ -27528,19 +28656,7 @@
           <a:p>
             <a:r>
               <a:rPr lang="en-US" dirty="0" smtClean="0"/>
-              <a:t>The website should show the teams schedule </a:t>
-            </a:r>
-            <a:r>
-              <a:rPr lang="en-US" smtClean="0"/>
-              <a:t>and current </a:t>
-            </a:r>
-            <a:r>
-              <a:rPr lang="en-US" dirty="0" smtClean="0"/>
-              <a:t>results for </a:t>
-            </a:r>
-            <a:r>
-              <a:rPr lang="en-US" smtClean="0"/>
-              <a:t>the season.</a:t>
+              <a:t>The website should show the teams schedule and current results for the season.</a:t>
             </a:r>
             <a:endParaRPr lang="en-US" dirty="0"/>
           </a:p>
@@ -27578,46 +28694,129 @@
       </p:grpSpPr>
       <p:sp>
         <p:nvSpPr>
-          <p:cNvPr id="3" name="Content Placeholder 2">
-            <a:extLst>
-              <a:ext uri="{FF2B5EF4-FFF2-40B4-BE49-F238E27FC236}">
-                <a16:creationId xmlns:a16="http://schemas.microsoft.com/office/drawing/2014/main" id="{6EB18054-8B7B-4DC6-9E15-06F626E24688}"/>
-              </a:ext>
-            </a:extLst>
-          </p:cNvPr>
+          <p:cNvPr id="2" name="Title 1"/>
           <p:cNvSpPr>
             <a:spLocks noGrp="1"/>
           </p:cNvSpPr>
           <p:nvPr>
-            <p:ph type="ctrTitle"/>
+            <p:ph type="title"/>
           </p:nvPr>
         </p:nvSpPr>
-        <p:spPr>
-          <a:xfrm>
-            <a:off x="914400" y="2055567"/>
-            <a:ext cx="7653600" cy="2746800"/>
-          </a:xfrm>
-        </p:spPr>
+        <p:spPr/>
         <p:txBody>
-          <a:bodyPr wrap="square" anchor="ctr">
-            <a:normAutofit/>
-          </a:bodyPr>
+          <a:bodyPr/>
           <a:lstStyle/>
           <a:p>
-            <a:pPr marL="0" indent="0">
-              <a:buNone/>
-            </a:pPr>
             <a:r>
-              <a:rPr lang="en-NZ"/>
-              <a:t>Step 2 : Define</a:t>
+              <a:rPr lang="en-GB" dirty="0" smtClean="0"/>
+              <a:t>Client Specifications</a:t>
             </a:r>
+            <a:endParaRPr lang="en-GB" dirty="0"/>
+          </a:p>
+        </p:txBody>
+      </p:sp>
+      <p:sp>
+        <p:nvSpPr>
+          <p:cNvPr id="3" name="Text Placeholder 2"/>
+          <p:cNvSpPr>
+            <a:spLocks noGrp="1"/>
+          </p:cNvSpPr>
+          <p:nvPr>
+            <p:ph type="body" idx="1"/>
+          </p:nvPr>
+        </p:nvSpPr>
+        <p:spPr/>
+        <p:txBody>
+          <a:bodyPr/>
+          <a:lstStyle/>
+          <a:p>
+            <a:r>
+              <a:rPr lang="en-GB" sz="2000" dirty="0" smtClean="0"/>
+              <a:t>sophisticated </a:t>
+            </a:r>
+            <a:r>
+              <a:rPr lang="en-GB" sz="2000" dirty="0"/>
+              <a:t>digital effects (CSS3)</a:t>
+            </a:r>
+          </a:p>
+          <a:p>
+            <a:r>
+              <a:rPr lang="en-GB" sz="2000" dirty="0" smtClean="0"/>
+              <a:t>responsive </a:t>
+            </a:r>
+            <a:r>
+              <a:rPr lang="en-GB" sz="2000" dirty="0"/>
+              <a:t>design (mobile vs tablet vs desktop)</a:t>
+            </a:r>
+          </a:p>
+          <a:p>
+            <a:r>
+              <a:rPr lang="en-GB" sz="2000" dirty="0" smtClean="0"/>
+              <a:t>industry </a:t>
+            </a:r>
+            <a:r>
+              <a:rPr lang="en-GB" sz="2000" dirty="0"/>
+              <a:t>standards or guidelines for layout/design</a:t>
+            </a:r>
+          </a:p>
+          <a:p>
+            <a:r>
+              <a:rPr lang="en-GB" sz="2000" dirty="0" smtClean="0"/>
+              <a:t>integration </a:t>
+            </a:r>
+            <a:r>
+              <a:rPr lang="en-GB" sz="2000" dirty="0"/>
+              <a:t>of original media types (your own photographs/ videos </a:t>
+            </a:r>
+            <a:r>
+              <a:rPr lang="en-GB" sz="2000" dirty="0" err="1"/>
+              <a:t>etc</a:t>
+            </a:r>
+            <a:r>
+              <a:rPr lang="en-GB" sz="2000" dirty="0"/>
+              <a:t>)</a:t>
+            </a:r>
+          </a:p>
+          <a:p>
+            <a:r>
+              <a:rPr lang="en-GB" sz="2000" dirty="0" smtClean="0"/>
+              <a:t>coded </a:t>
+            </a:r>
+            <a:r>
+              <a:rPr lang="en-GB" sz="2000" dirty="0"/>
+              <a:t>using HTML5/CSS3 language</a:t>
+            </a:r>
+          </a:p>
+          <a:p>
+            <a:r>
+              <a:rPr lang="en-GB" sz="2000" dirty="0" smtClean="0"/>
+              <a:t>4 </a:t>
+            </a:r>
+            <a:r>
+              <a:rPr lang="en-GB" sz="2000" dirty="0"/>
+              <a:t>html pages and with an externally linked style sheet / </a:t>
+            </a:r>
+            <a:r>
+              <a:rPr lang="en-GB" sz="2000" dirty="0" err="1"/>
+              <a:t>js</a:t>
+            </a:r>
+            <a:r>
+              <a:rPr lang="en-GB" sz="2000" dirty="0"/>
+              <a:t> file for responsive navigation</a:t>
+            </a:r>
+          </a:p>
+          <a:p>
+            <a:endParaRPr lang="en-GB" sz="2000" dirty="0"/>
+          </a:p>
+          <a:p>
+            <a:endParaRPr lang="en-GB" sz="2000" dirty="0"/>
           </a:p>
         </p:txBody>
       </p:sp>
     </p:spTree>
     <p:extLst>
       <p:ext uri="{BB962C8B-B14F-4D97-AF65-F5344CB8AC3E}">
-        <p14:creationId xmlns:p14="http://schemas.microsoft.com/office/powerpoint/2010/main" val="3309695467"/>
+        <p14:creationId xmlns:p14="http://schemas.microsoft.com/office/powerpoint/2010/main" val="1941488109"/>
       </p:ext>
     </p:extLst>
   </p:cSld>
@@ -27646,13 +28845,7 @@
       </p:grpSpPr>
       <p:sp>
         <p:nvSpPr>
-          <p:cNvPr id="2" name="Title 1">
-            <a:extLst>
-              <a:ext uri="{FF2B5EF4-FFF2-40B4-BE49-F238E27FC236}">
-                <a16:creationId xmlns:a16="http://schemas.microsoft.com/office/drawing/2014/main" id="{9CA9B24B-1CC7-4D79-A4AA-4A15B1B08170}"/>
-              </a:ext>
-            </a:extLst>
-          </p:cNvPr>
+          <p:cNvPr id="2" name="Title 1"/>
           <p:cNvSpPr>
             <a:spLocks noGrp="1"/>
           </p:cNvSpPr>
@@ -27660,408 +28853,143 @@
             <p:ph type="title"/>
           </p:nvPr>
         </p:nvSpPr>
+        <p:spPr/>
+        <p:txBody>
+          <a:bodyPr/>
+          <a:lstStyle/>
+          <a:p>
+            <a:r>
+              <a:rPr lang="en-GB" dirty="0" smtClean="0"/>
+              <a:t>Current Browsing trends</a:t>
+            </a:r>
+            <a:endParaRPr lang="en-GB" dirty="0"/>
+          </a:p>
+        </p:txBody>
+      </p:sp>
+      <p:sp>
+        <p:nvSpPr>
+          <p:cNvPr id="3" name="Text Placeholder 2"/>
+          <p:cNvSpPr>
+            <a:spLocks noGrp="1"/>
+          </p:cNvSpPr>
+          <p:nvPr>
+            <p:ph type="body" idx="1"/>
+          </p:nvPr>
+        </p:nvSpPr>
         <p:spPr>
           <a:xfrm>
-            <a:off x="252919" y="1123837"/>
-            <a:ext cx="2947482" cy="2622323"/>
+            <a:off x="1599699" y="2132933"/>
+            <a:ext cx="9172209" cy="4579594"/>
           </a:xfrm>
         </p:spPr>
         <p:txBody>
           <a:bodyPr/>
           <a:lstStyle/>
           <a:p>
+            <a:pPr marL="0" lvl="0" indent="0">
+              <a:lnSpc>
+                <a:spcPct val="90000"/>
+              </a:lnSpc>
+              <a:spcBef>
+                <a:spcPts val="1400"/>
+              </a:spcBef>
+              <a:buSzPts val="1800"/>
+              <a:buNone/>
+            </a:pPr>
             <a:r>
-              <a:rPr lang="en-NZ" b="1" dirty="0"/>
-              <a:t>Website Structure</a:t>
+              <a:rPr lang="en-GB" sz="2000" dirty="0"/>
+              <a:t>50% of users use their mobile phone to access the internet while 46% use desktop and 4% use a tablet</a:t>
             </a:r>
           </a:p>
-        </p:txBody>
-      </p:sp>
-      <p:sp>
-        <p:nvSpPr>
-          <p:cNvPr id="4" name="Rectangle 3">
-            <a:extLst>
-              <a:ext uri="{FF2B5EF4-FFF2-40B4-BE49-F238E27FC236}">
-                <a16:creationId xmlns:a16="http://schemas.microsoft.com/office/drawing/2014/main" id="{98ECB8B4-0220-49A1-A3ED-A2CB012F0669}"/>
-              </a:ext>
-            </a:extLst>
-          </p:cNvPr>
-          <p:cNvSpPr/>
-          <p:nvPr/>
-        </p:nvSpPr>
-        <p:spPr>
-          <a:xfrm>
-            <a:off x="4893074" y="1687513"/>
-            <a:ext cx="2405849" cy="1603375"/>
-          </a:xfrm>
-          <a:prstGeom prst="rect">
-            <a:avLst/>
-          </a:prstGeom>
-          <a:solidFill>
-            <a:schemeClr val="bg1"/>
-          </a:solidFill>
-        </p:spPr>
-        <p:style>
-          <a:lnRef idx="2">
-            <a:schemeClr val="accent1">
-              <a:shade val="50000"/>
-            </a:schemeClr>
-          </a:lnRef>
-          <a:fillRef idx="1">
-            <a:schemeClr val="accent1"/>
-          </a:fillRef>
-          <a:effectRef idx="0">
-            <a:schemeClr val="accent1"/>
-          </a:effectRef>
-          <a:fontRef idx="minor">
-            <a:schemeClr val="lt1"/>
-          </a:fontRef>
-        </p:style>
-        <p:txBody>
-          <a:bodyPr rtlCol="0" anchor="ctr"/>
-          <a:lstStyle/>
           <a:p>
-            <a:pPr algn="ctr"/>
+            <a:pPr marL="0" lvl="0" indent="0">
+              <a:lnSpc>
+                <a:spcPct val="90000"/>
+              </a:lnSpc>
+              <a:spcBef>
+                <a:spcPts val="1400"/>
+              </a:spcBef>
+              <a:buSzPts val="1800"/>
+              <a:buNone/>
+            </a:pPr>
             <a:r>
-              <a:rPr lang="en-NZ" dirty="0">
-                <a:solidFill>
-                  <a:sysClr val="windowText" lastClr="000000"/>
-                </a:solidFill>
-              </a:rPr>
-              <a:t>index.html</a:t>
+              <a:rPr lang="en-GB" sz="2000" dirty="0"/>
+              <a:t>The majority will be accessing the site using a mobile phone, 60% will be using Chrome while 25% will be on Safari.</a:t>
             </a:r>
           </a:p>
-        </p:txBody>
-      </p:sp>
-      <p:sp>
-        <p:nvSpPr>
-          <p:cNvPr id="5" name="Rectangle 4">
-            <a:extLst>
-              <a:ext uri="{FF2B5EF4-FFF2-40B4-BE49-F238E27FC236}">
-                <a16:creationId xmlns:a16="http://schemas.microsoft.com/office/drawing/2014/main" id="{A42F18CC-7AD7-402B-B9EE-08540BC83401}"/>
-              </a:ext>
-            </a:extLst>
-          </p:cNvPr>
-          <p:cNvSpPr/>
-          <p:nvPr/>
-        </p:nvSpPr>
-        <p:spPr>
-          <a:xfrm>
-            <a:off x="4893074" y="3811588"/>
-            <a:ext cx="2405849" cy="1603375"/>
-          </a:xfrm>
-          <a:prstGeom prst="rect">
-            <a:avLst/>
-          </a:prstGeom>
-          <a:solidFill>
-            <a:schemeClr val="bg1"/>
-          </a:solidFill>
-        </p:spPr>
-        <p:style>
-          <a:lnRef idx="2">
-            <a:schemeClr val="accent1">
-              <a:shade val="50000"/>
-            </a:schemeClr>
-          </a:lnRef>
-          <a:fillRef idx="1">
-            <a:schemeClr val="accent1"/>
-          </a:fillRef>
-          <a:effectRef idx="0">
-            <a:schemeClr val="accent1"/>
-          </a:effectRef>
-          <a:fontRef idx="minor">
-            <a:schemeClr val="lt1"/>
-          </a:fontRef>
-        </p:style>
-        <p:txBody>
-          <a:bodyPr rtlCol="0" anchor="ctr"/>
-          <a:lstStyle/>
           <a:p>
-            <a:pPr algn="ctr"/>
+            <a:pPr marL="0" lvl="0" indent="0">
+              <a:lnSpc>
+                <a:spcPct val="90000"/>
+              </a:lnSpc>
+              <a:spcBef>
+                <a:spcPts val="1400"/>
+              </a:spcBef>
+              <a:buSzPts val="1800"/>
+              <a:buNone/>
+            </a:pPr>
             <a:r>
-              <a:rPr lang="en-NZ" dirty="0">
+              <a:rPr lang="en-GB" sz="2000" dirty="0"/>
+              <a:t>Almost the same amount of people as mobile will be using a desktop computer – according to </a:t>
+            </a:r>
+            <a:r>
+              <a:rPr lang="en-GB" sz="2000" u="sng" dirty="0">
                 <a:solidFill>
-                  <a:sysClr val="windowText" lastClr="000000"/>
+                  <a:schemeClr val="hlink"/>
                 </a:solidFill>
+                <a:hlinkClick r:id="rId2"/>
               </a:rPr>
-              <a:t>books.html</a:t>
+              <a:t>https://gs.statcounter.com/browser-market-share/desktop/worldwide</a:t>
+            </a:r>
+            <a:r>
+              <a:rPr lang="en-GB" sz="2000" dirty="0"/>
+              <a:t> around 70% will be using Chrome with both Safari and Firefox taking up 10%.</a:t>
             </a:r>
           </a:p>
-        </p:txBody>
-      </p:sp>
-      <p:sp>
-        <p:nvSpPr>
-          <p:cNvPr id="6" name="Rectangle 5">
-            <a:extLst>
-              <a:ext uri="{FF2B5EF4-FFF2-40B4-BE49-F238E27FC236}">
-                <a16:creationId xmlns:a16="http://schemas.microsoft.com/office/drawing/2014/main" id="{B72D00DC-14BA-4A10-835C-E264EEEC2F5D}"/>
-              </a:ext>
-            </a:extLst>
-          </p:cNvPr>
-          <p:cNvSpPr/>
-          <p:nvPr/>
-        </p:nvSpPr>
-        <p:spPr>
-          <a:xfrm>
-            <a:off x="2106967" y="3790551"/>
-            <a:ext cx="2405849" cy="1603375"/>
-          </a:xfrm>
-          <a:prstGeom prst="rect">
-            <a:avLst/>
-          </a:prstGeom>
-          <a:solidFill>
-            <a:schemeClr val="bg1"/>
-          </a:solidFill>
-        </p:spPr>
-        <p:style>
-          <a:lnRef idx="2">
-            <a:schemeClr val="accent1">
-              <a:shade val="50000"/>
-            </a:schemeClr>
-          </a:lnRef>
-          <a:fillRef idx="1">
-            <a:schemeClr val="accent1"/>
-          </a:fillRef>
-          <a:effectRef idx="0">
-            <a:schemeClr val="accent1"/>
-          </a:effectRef>
-          <a:fontRef idx="minor">
-            <a:schemeClr val="lt1"/>
-          </a:fontRef>
-        </p:style>
-        <p:txBody>
-          <a:bodyPr rtlCol="0" anchor="ctr"/>
-          <a:lstStyle/>
           <a:p>
-            <a:pPr algn="ctr"/>
+            <a:pPr marL="0" lvl="0" indent="0">
+              <a:lnSpc>
+                <a:spcPct val="90000"/>
+              </a:lnSpc>
+              <a:spcBef>
+                <a:spcPts val="1400"/>
+              </a:spcBef>
+              <a:buSzPts val="1800"/>
+              <a:buNone/>
+            </a:pPr>
             <a:r>
-              <a:rPr lang="en-NZ" dirty="0">
-                <a:solidFill>
-                  <a:sysClr val="windowText" lastClr="000000"/>
-                </a:solidFill>
-              </a:rPr>
-              <a:t>interview.html</a:t>
+              <a:rPr lang="en-GB" sz="2000" dirty="0"/>
+              <a:t>Some users may also be using a tablet with almost 50% of these using Safari as their primary browser while Chrome has a 35% user rate on tablet.</a:t>
             </a:r>
           </a:p>
-        </p:txBody>
-      </p:sp>
-      <p:sp>
-        <p:nvSpPr>
-          <p:cNvPr id="7" name="Rectangle 6">
-            <a:extLst>
-              <a:ext uri="{FF2B5EF4-FFF2-40B4-BE49-F238E27FC236}">
-                <a16:creationId xmlns:a16="http://schemas.microsoft.com/office/drawing/2014/main" id="{90BB4911-05E1-45BC-ACD3-A97C7E99AC2D}"/>
-              </a:ext>
-            </a:extLst>
-          </p:cNvPr>
-          <p:cNvSpPr/>
-          <p:nvPr/>
-        </p:nvSpPr>
-        <p:spPr>
-          <a:xfrm>
-            <a:off x="7679184" y="3761380"/>
-            <a:ext cx="2405849" cy="1603375"/>
-          </a:xfrm>
-          <a:prstGeom prst="rect">
-            <a:avLst/>
-          </a:prstGeom>
-          <a:solidFill>
-            <a:schemeClr val="bg1"/>
-          </a:solidFill>
-        </p:spPr>
-        <p:style>
-          <a:lnRef idx="2">
-            <a:schemeClr val="accent1">
-              <a:shade val="50000"/>
-            </a:schemeClr>
-          </a:lnRef>
-          <a:fillRef idx="1">
-            <a:schemeClr val="accent1"/>
-          </a:fillRef>
-          <a:effectRef idx="0">
-            <a:schemeClr val="accent1"/>
-          </a:effectRef>
-          <a:fontRef idx="minor">
-            <a:schemeClr val="lt1"/>
-          </a:fontRef>
-        </p:style>
-        <p:txBody>
-          <a:bodyPr rtlCol="0" anchor="ctr"/>
-          <a:lstStyle/>
           <a:p>
-            <a:pPr algn="ctr"/>
+            <a:pPr marL="0" lvl="0" indent="0">
+              <a:lnSpc>
+                <a:spcPct val="90000"/>
+              </a:lnSpc>
+              <a:spcBef>
+                <a:spcPts val="1400"/>
+              </a:spcBef>
+              <a:buSzPts val="1800"/>
+              <a:buNone/>
+            </a:pPr>
             <a:r>
-              <a:rPr lang="en-NZ">
-                <a:solidFill>
-                  <a:sysClr val="windowText" lastClr="000000"/>
-                </a:solidFill>
-              </a:rPr>
-              <a:t>about.</a:t>
-            </a:r>
-            <a:r>
-              <a:rPr lang="en-NZ" dirty="0">
-                <a:solidFill>
-                  <a:sysClr val="windowText" lastClr="000000"/>
-                </a:solidFill>
-              </a:rPr>
-              <a:t>html</a:t>
+              <a:rPr lang="en-GB" sz="2000" dirty="0"/>
+              <a:t>Therefore, both chrome and safari are the majority for browser usage with other browsers such as Firefox and Opera also seeing a small percent of usage.</a:t>
             </a:r>
           </a:p>
-        </p:txBody>
-      </p:sp>
-      <p:cxnSp>
-        <p:nvCxnSpPr>
-          <p:cNvPr id="9" name="Straight Connector 8">
-            <a:extLst>
-              <a:ext uri="{FF2B5EF4-FFF2-40B4-BE49-F238E27FC236}">
-                <a16:creationId xmlns:a16="http://schemas.microsoft.com/office/drawing/2014/main" id="{AD49941B-A15B-41D3-9A21-735E651F2039}"/>
-              </a:ext>
-            </a:extLst>
-          </p:cNvPr>
-          <p:cNvCxnSpPr>
-            <a:cxnSpLocks/>
-          </p:cNvCxnSpPr>
-          <p:nvPr/>
-        </p:nvCxnSpPr>
-        <p:spPr>
-          <a:xfrm flipH="1">
-            <a:off x="3666478" y="3071674"/>
-            <a:ext cx="1226597" cy="739914"/>
-          </a:xfrm>
-          <a:prstGeom prst="line">
-            <a:avLst/>
-          </a:prstGeom>
-        </p:spPr>
-        <p:style>
-          <a:lnRef idx="1">
-            <a:schemeClr val="accent1"/>
-          </a:lnRef>
-          <a:fillRef idx="0">
-            <a:schemeClr val="accent1"/>
-          </a:fillRef>
-          <a:effectRef idx="0">
-            <a:schemeClr val="accent1"/>
-          </a:effectRef>
-          <a:fontRef idx="minor">
-            <a:schemeClr val="tx1"/>
-          </a:fontRef>
-        </p:style>
-      </p:cxnSp>
-      <p:cxnSp>
-        <p:nvCxnSpPr>
-          <p:cNvPr id="10" name="Straight Connector 9">
-            <a:extLst>
-              <a:ext uri="{FF2B5EF4-FFF2-40B4-BE49-F238E27FC236}">
-                <a16:creationId xmlns:a16="http://schemas.microsoft.com/office/drawing/2014/main" id="{C679A5AA-E557-407E-B1D3-520918A410D2}"/>
-              </a:ext>
-            </a:extLst>
-          </p:cNvPr>
-          <p:cNvCxnSpPr>
-            <a:cxnSpLocks/>
-          </p:cNvCxnSpPr>
-          <p:nvPr/>
-        </p:nvCxnSpPr>
-        <p:spPr>
-          <a:xfrm>
-            <a:off x="6134470" y="3302390"/>
-            <a:ext cx="1" cy="529446"/>
-          </a:xfrm>
-          <a:prstGeom prst="line">
-            <a:avLst/>
-          </a:prstGeom>
-        </p:spPr>
-        <p:style>
-          <a:lnRef idx="1">
-            <a:schemeClr val="accent1"/>
-          </a:lnRef>
-          <a:fillRef idx="0">
-            <a:schemeClr val="accent1"/>
-          </a:fillRef>
-          <a:effectRef idx="0">
-            <a:schemeClr val="accent1"/>
-          </a:effectRef>
-          <a:fontRef idx="minor">
-            <a:schemeClr val="tx1"/>
-          </a:fontRef>
-        </p:style>
-      </p:cxnSp>
-      <p:cxnSp>
-        <p:nvCxnSpPr>
-          <p:cNvPr id="12" name="Straight Connector 11">
-            <a:extLst>
-              <a:ext uri="{FF2B5EF4-FFF2-40B4-BE49-F238E27FC236}">
-                <a16:creationId xmlns:a16="http://schemas.microsoft.com/office/drawing/2014/main" id="{AD602D90-6F8B-4880-A4C4-998876DC955F}"/>
-              </a:ext>
-            </a:extLst>
-          </p:cNvPr>
-          <p:cNvCxnSpPr>
-            <a:cxnSpLocks/>
-          </p:cNvCxnSpPr>
-          <p:nvPr/>
-        </p:nvCxnSpPr>
-        <p:spPr>
-          <a:xfrm flipH="1" flipV="1">
-            <a:off x="7290048" y="3163686"/>
-            <a:ext cx="1454087" cy="582474"/>
-          </a:xfrm>
-          <a:prstGeom prst="line">
-            <a:avLst/>
-          </a:prstGeom>
-        </p:spPr>
-        <p:style>
-          <a:lnRef idx="1">
-            <a:schemeClr val="accent1"/>
-          </a:lnRef>
-          <a:fillRef idx="0">
-            <a:schemeClr val="accent1"/>
-          </a:fillRef>
-          <a:effectRef idx="0">
-            <a:schemeClr val="accent1"/>
-          </a:effectRef>
-          <a:fontRef idx="minor">
-            <a:schemeClr val="tx1"/>
-          </a:fontRef>
-        </p:style>
-      </p:cxnSp>
-      <p:sp>
-        <p:nvSpPr>
-          <p:cNvPr id="3" name="TextBox 2">
-            <a:extLst>
-              <a:ext uri="{FF2B5EF4-FFF2-40B4-BE49-F238E27FC236}">
-                <a16:creationId xmlns:a16="http://schemas.microsoft.com/office/drawing/2014/main" id="{30102A64-A14A-4563-9869-1BC13A8400E0}"/>
-              </a:ext>
-            </a:extLst>
-          </p:cNvPr>
-          <p:cNvSpPr txBox="1"/>
-          <p:nvPr/>
-        </p:nvSpPr>
-        <p:spPr>
-          <a:xfrm>
-            <a:off x="666974" y="355002"/>
-            <a:ext cx="4012602" cy="584775"/>
-          </a:xfrm>
-          <a:prstGeom prst="rect">
-            <a:avLst/>
-          </a:prstGeom>
-          <a:noFill/>
-        </p:spPr>
-        <p:txBody>
-          <a:bodyPr wrap="square" rtlCol="0">
-            <a:spAutoFit/>
-          </a:bodyPr>
-          <a:lstStyle/>
           <a:p>
-            <a:r>
-              <a:rPr lang="en-NZ" sz="3200" dirty="0"/>
-              <a:t>Website Site Map</a:t>
-            </a:r>
+            <a:pPr marL="101598" indent="0">
+              <a:buNone/>
+            </a:pPr>
+            <a:endParaRPr lang="en-GB" sz="2000" dirty="0"/>
           </a:p>
         </p:txBody>
       </p:sp>
     </p:spTree>
     <p:extLst>
       <p:ext uri="{BB962C8B-B14F-4D97-AF65-F5344CB8AC3E}">
-        <p14:creationId xmlns:p14="http://schemas.microsoft.com/office/powerpoint/2010/main" val="2531278342"/>
+        <p14:creationId xmlns:p14="http://schemas.microsoft.com/office/powerpoint/2010/main" val="2628293518"/>
       </p:ext>
     </p:extLst>
   </p:cSld>

--- a/3.4 Assessment Resources/3.4 portfolio - Callum Cooper.pptx
+++ b/3.4 Assessment Resources/3.4 portfolio - Callum Cooper.pptx
@@ -5,7 +5,7 @@
     <p:sldMasterId id="2147483672" r:id="rId1"/>
   </p:sldMasterIdLst>
   <p:notesMasterIdLst>
-    <p:notesMasterId r:id="rId33"/>
+    <p:notesMasterId r:id="rId32"/>
   </p:notesMasterIdLst>
   <p:sldIdLst>
     <p:sldId id="256" r:id="rId2"/>
@@ -24,21 +24,20 @@
     <p:sldId id="262" r:id="rId15"/>
     <p:sldId id="280" r:id="rId16"/>
     <p:sldId id="265" r:id="rId17"/>
-    <p:sldId id="293" r:id="rId18"/>
-    <p:sldId id="268" r:id="rId19"/>
-    <p:sldId id="301" r:id="rId20"/>
-    <p:sldId id="267" r:id="rId21"/>
-    <p:sldId id="284" r:id="rId22"/>
-    <p:sldId id="294" r:id="rId23"/>
-    <p:sldId id="283" r:id="rId24"/>
-    <p:sldId id="271" r:id="rId25"/>
-    <p:sldId id="296" r:id="rId26"/>
-    <p:sldId id="295" r:id="rId27"/>
-    <p:sldId id="285" r:id="rId28"/>
-    <p:sldId id="276" r:id="rId29"/>
-    <p:sldId id="277" r:id="rId30"/>
-    <p:sldId id="297" r:id="rId31"/>
-    <p:sldId id="298" r:id="rId32"/>
+    <p:sldId id="268" r:id="rId18"/>
+    <p:sldId id="293" r:id="rId19"/>
+    <p:sldId id="267" r:id="rId20"/>
+    <p:sldId id="284" r:id="rId21"/>
+    <p:sldId id="294" r:id="rId22"/>
+    <p:sldId id="283" r:id="rId23"/>
+    <p:sldId id="271" r:id="rId24"/>
+    <p:sldId id="296" r:id="rId25"/>
+    <p:sldId id="295" r:id="rId26"/>
+    <p:sldId id="285" r:id="rId27"/>
+    <p:sldId id="276" r:id="rId28"/>
+    <p:sldId id="277" r:id="rId29"/>
+    <p:sldId id="297" r:id="rId30"/>
+    <p:sldId id="298" r:id="rId31"/>
   </p:sldIdLst>
   <p:sldSz cx="12192000" cy="6858000"/>
   <p:notesSz cx="6858000" cy="9144000"/>
@@ -361,7 +360,7 @@
           <a:p>
             <a:fld id="{64C79704-BB08-4EAE-94F0-F2BDD7FD57CF}" type="datetimeFigureOut">
               <a:rPr lang="en-NZ" smtClean="0"/>
-              <a:t>31/08/2020</a:t>
+              <a:t>1/09/2020</a:t>
             </a:fld>
             <a:endParaRPr lang="en-NZ"/>
           </a:p>
@@ -760,152 +759,6 @@
           <a:bodyPr/>
           <a:lstStyle/>
           <a:p>
-            <a:pPr marL="0" marR="0" lvl="0" indent="0" algn="l" defTabSz="914400" rtl="0" eaLnBrk="1" fontAlgn="auto" latinLnBrk="0" hangingPunct="1">
-              <a:lnSpc>
-                <a:spcPct val="100000"/>
-              </a:lnSpc>
-              <a:spcBef>
-                <a:spcPts val="0"/>
-              </a:spcBef>
-              <a:spcAft>
-                <a:spcPts val="0"/>
-              </a:spcAft>
-              <a:buClrTx/>
-              <a:buSzTx/>
-              <a:buFontTx/>
-              <a:buNone/>
-              <a:tabLst/>
-              <a:defRPr/>
-            </a:pPr>
-            <a:r>
-              <a:rPr lang="en-NZ" sz="1200" kern="1200" dirty="0">
-                <a:solidFill>
-                  <a:schemeClr val="tx1"/>
-                </a:solidFill>
-                <a:effectLst/>
-                <a:latin typeface="+mn-lt"/>
-                <a:ea typeface="+mn-ea"/>
-                <a:cs typeface="+mn-cs"/>
-              </a:rPr>
-              <a:t>Get written feedback, then add your own reflections:</a:t>
-            </a:r>
-          </a:p>
-          <a:p>
-            <a:pPr marL="0" marR="0" lvl="0" indent="0" algn="l" defTabSz="914400" rtl="0" eaLnBrk="1" fontAlgn="auto" latinLnBrk="0" hangingPunct="1">
-              <a:lnSpc>
-                <a:spcPct val="100000"/>
-              </a:lnSpc>
-              <a:spcBef>
-                <a:spcPts val="0"/>
-              </a:spcBef>
-              <a:spcAft>
-                <a:spcPts val="0"/>
-              </a:spcAft>
-              <a:buClrTx/>
-              <a:buSzTx/>
-              <a:buFontTx/>
-              <a:buNone/>
-              <a:tabLst/>
-              <a:defRPr/>
-            </a:pPr>
-            <a:r>
-              <a:rPr lang="en-NZ" sz="1200" kern="1200" dirty="0">
-                <a:solidFill>
-                  <a:schemeClr val="tx1"/>
-                </a:solidFill>
-                <a:effectLst/>
-                <a:latin typeface="+mn-lt"/>
-                <a:ea typeface="+mn-ea"/>
-                <a:cs typeface="+mn-cs"/>
-              </a:rPr>
-              <a:t>What changes do you need to make and why? Do you need to carry out further research or give more colour/font options etc/</a:t>
-            </a:r>
-          </a:p>
-          <a:p>
-            <a:endParaRPr lang="en-NZ" dirty="0"/>
-          </a:p>
-        </p:txBody>
-      </p:sp>
-      <p:sp>
-        <p:nvSpPr>
-          <p:cNvPr id="4" name="Slide Number Placeholder 3"/>
-          <p:cNvSpPr>
-            <a:spLocks noGrp="1"/>
-          </p:cNvSpPr>
-          <p:nvPr>
-            <p:ph type="sldNum" sz="quarter" idx="5"/>
-          </p:nvPr>
-        </p:nvSpPr>
-        <p:spPr/>
-        <p:txBody>
-          <a:bodyPr/>
-          <a:lstStyle/>
-          <a:p>
-            <a:fld id="{8E1A8C66-1883-4FDF-B42F-BEAA1F4E6480}" type="slidenum">
-              <a:rPr lang="en-NZ" smtClean="0"/>
-              <a:t>20</a:t>
-            </a:fld>
-            <a:endParaRPr lang="en-NZ"/>
-          </a:p>
-        </p:txBody>
-      </p:sp>
-    </p:spTree>
-    <p:extLst>
-      <p:ext uri="{BB962C8B-B14F-4D97-AF65-F5344CB8AC3E}">
-        <p14:creationId xmlns:p14="http://schemas.microsoft.com/office/powerpoint/2010/main" val="719846941"/>
-      </p:ext>
-    </p:extLst>
-  </p:cSld>
-  <p:clrMapOvr>
-    <a:masterClrMapping/>
-  </p:clrMapOvr>
-</p:notes>
-</file>
-
-<file path=ppt/notesSlides/notesSlide11.xml><?xml version="1.0" encoding="utf-8"?>
-<p:notes xmlns:a="http://schemas.openxmlformats.org/drawingml/2006/main" xmlns:r="http://schemas.openxmlformats.org/officeDocument/2006/relationships" xmlns:p="http://schemas.openxmlformats.org/presentationml/2006/main">
-  <p:cSld>
-    <p:spTree>
-      <p:nvGrpSpPr>
-        <p:cNvPr id="1" name=""/>
-        <p:cNvGrpSpPr/>
-        <p:nvPr/>
-      </p:nvGrpSpPr>
-      <p:grpSpPr>
-        <a:xfrm>
-          <a:off x="0" y="0"/>
-          <a:ext cx="0" cy="0"/>
-          <a:chOff x="0" y="0"/>
-          <a:chExt cx="0" cy="0"/>
-        </a:xfrm>
-      </p:grpSpPr>
-      <p:sp>
-        <p:nvSpPr>
-          <p:cNvPr id="2" name="Slide Image Placeholder 1"/>
-          <p:cNvSpPr>
-            <a:spLocks noGrp="1" noRot="1" noChangeAspect="1"/>
-          </p:cNvSpPr>
-          <p:nvPr>
-            <p:ph type="sldImg"/>
-          </p:nvPr>
-        </p:nvSpPr>
-        <p:spPr/>
-      </p:sp>
-      <p:sp>
-        <p:nvSpPr>
-          <p:cNvPr id="3" name="Notes Placeholder 2"/>
-          <p:cNvSpPr>
-            <a:spLocks noGrp="1"/>
-          </p:cNvSpPr>
-          <p:nvPr>
-            <p:ph type="body" idx="1"/>
-          </p:nvPr>
-        </p:nvSpPr>
-        <p:spPr/>
-        <p:txBody>
-          <a:bodyPr/>
-          <a:lstStyle/>
-          <a:p>
             <a:r>
               <a:rPr lang="en-NZ" dirty="0"/>
               <a:t>Test your site on mobile, tablet and pc view </a:t>
@@ -930,7 +783,7 @@
           <a:p>
             <a:fld id="{8E1A8C66-1883-4FDF-B42F-BEAA1F4E6480}" type="slidenum">
               <a:rPr lang="en-NZ" smtClean="0"/>
-              <a:t>24</a:t>
+              <a:t>23</a:t>
             </a:fld>
             <a:endParaRPr lang="en-NZ"/>
           </a:p>
@@ -949,7 +802,7 @@
 </p:notes>
 </file>
 
-<file path=ppt/notesSlides/notesSlide12.xml><?xml version="1.0" encoding="utf-8"?>
+<file path=ppt/notesSlides/notesSlide11.xml><?xml version="1.0" encoding="utf-8"?>
 <p:notes xmlns:a="http://schemas.openxmlformats.org/drawingml/2006/main" xmlns:r="http://schemas.openxmlformats.org/officeDocument/2006/relationships" xmlns:p="http://schemas.openxmlformats.org/presentationml/2006/main">
   <p:cSld>
     <p:spTree>
@@ -1017,7 +870,7 @@
           <a:p>
             <a:fld id="{8E1A8C66-1883-4FDF-B42F-BEAA1F4E6480}" type="slidenum">
               <a:rPr lang="en-NZ" smtClean="0"/>
-              <a:t>25</a:t>
+              <a:t>24</a:t>
             </a:fld>
             <a:endParaRPr lang="en-NZ"/>
           </a:p>
@@ -1036,7 +889,7 @@
 </p:notes>
 </file>
 
-<file path=ppt/notesSlides/notesSlide13.xml><?xml version="1.0" encoding="utf-8"?>
+<file path=ppt/notesSlides/notesSlide12.xml><?xml version="1.0" encoding="utf-8"?>
 <p:notes xmlns:a="http://schemas.openxmlformats.org/drawingml/2006/main" xmlns:r="http://schemas.openxmlformats.org/officeDocument/2006/relationships" xmlns:p="http://schemas.openxmlformats.org/presentationml/2006/main">
   <p:cSld>
     <p:spTree>
@@ -1132,7 +985,7 @@
           <a:p>
             <a:fld id="{8E1A8C66-1883-4FDF-B42F-BEAA1F4E6480}" type="slidenum">
               <a:rPr lang="en-NZ" smtClean="0"/>
-              <a:t>26</a:t>
+              <a:t>25</a:t>
             </a:fld>
             <a:endParaRPr lang="en-NZ"/>
           </a:p>
@@ -1151,7 +1004,7 @@
 </p:notes>
 </file>
 
-<file path=ppt/notesSlides/notesSlide14.xml><?xml version="1.0" encoding="utf-8"?>
+<file path=ppt/notesSlides/notesSlide13.xml><?xml version="1.0" encoding="utf-8"?>
 <p:notes xmlns:a="http://schemas.openxmlformats.org/drawingml/2006/main" xmlns:r="http://schemas.openxmlformats.org/officeDocument/2006/relationships" xmlns:p="http://schemas.openxmlformats.org/presentationml/2006/main">
   <p:cSld>
     <p:spTree>
@@ -1219,7 +1072,7 @@
           <a:p>
             <a:fld id="{8E1A8C66-1883-4FDF-B42F-BEAA1F4E6480}" type="slidenum">
               <a:rPr lang="en-NZ" smtClean="0"/>
-              <a:t>30</a:t>
+              <a:t>29</a:t>
             </a:fld>
             <a:endParaRPr lang="en-NZ"/>
           </a:p>
@@ -1754,7 +1607,23 @@
           <a:p>
             <a:r>
               <a:rPr lang="en-NZ" dirty="0"/>
-              <a:t>Use either </a:t>
+              <a:t>Give two layout options for the index page – </a:t>
+            </a:r>
+            <a:r>
+              <a:rPr lang="en-NZ" dirty="0" err="1"/>
+              <a:t>eg</a:t>
+            </a:r>
+            <a:r>
+              <a:rPr lang="en-NZ" dirty="0"/>
+              <a:t> placement of </a:t>
+            </a:r>
+            <a:r>
+              <a:rPr lang="en-NZ" dirty="0" err="1"/>
+              <a:t>cotent</a:t>
+            </a:r>
+            <a:r>
+              <a:rPr lang="en-NZ" dirty="0"/>
+              <a:t> . Get feedback from client</a:t>
             </a:r>
           </a:p>
         </p:txBody>
@@ -1785,7 +1654,7 @@
     </p:spTree>
     <p:extLst>
       <p:ext uri="{BB962C8B-B14F-4D97-AF65-F5344CB8AC3E}">
-        <p14:creationId xmlns:p14="http://schemas.microsoft.com/office/powerpoint/2010/main" val="520781091"/>
+        <p14:creationId xmlns:p14="http://schemas.microsoft.com/office/powerpoint/2010/main" val="3857771064"/>
       </p:ext>
     </p:extLst>
   </p:cSld>
@@ -1841,23 +1710,7 @@
           <a:p>
             <a:r>
               <a:rPr lang="en-NZ" dirty="0"/>
-              <a:t>Give two layout options for the index page – </a:t>
-            </a:r>
-            <a:r>
-              <a:rPr lang="en-NZ" dirty="0" err="1"/>
-              <a:t>eg</a:t>
-            </a:r>
-            <a:r>
-              <a:rPr lang="en-NZ" dirty="0"/>
-              <a:t> placement of </a:t>
-            </a:r>
-            <a:r>
-              <a:rPr lang="en-NZ" dirty="0" err="1"/>
-              <a:t>cotent</a:t>
-            </a:r>
-            <a:r>
-              <a:rPr lang="en-NZ" dirty="0"/>
-              <a:t> . Get feedback from client</a:t>
+              <a:t>Use either </a:t>
             </a:r>
           </a:p>
         </p:txBody>
@@ -1888,7 +1741,7 @@
     </p:spTree>
     <p:extLst>
       <p:ext uri="{BB962C8B-B14F-4D97-AF65-F5344CB8AC3E}">
-        <p14:creationId xmlns:p14="http://schemas.microsoft.com/office/powerpoint/2010/main" val="3857771064"/>
+        <p14:creationId xmlns:p14="http://schemas.microsoft.com/office/powerpoint/2010/main" val="520781091"/>
       </p:ext>
     </p:extLst>
   </p:cSld>
@@ -1942,26 +1795,69 @@
           <a:bodyPr/>
           <a:lstStyle/>
           <a:p>
+            <a:pPr marL="0" marR="0" lvl="0" indent="0" algn="l" defTabSz="914400" rtl="0" eaLnBrk="1" fontAlgn="auto" latinLnBrk="0" hangingPunct="1">
+              <a:lnSpc>
+                <a:spcPct val="100000"/>
+              </a:lnSpc>
+              <a:spcBef>
+                <a:spcPts val="0"/>
+              </a:spcBef>
+              <a:spcAft>
+                <a:spcPts val="0"/>
+              </a:spcAft>
+              <a:buClrTx/>
+              <a:buSzTx/>
+              <a:buFontTx/>
+              <a:buNone/>
+              <a:tabLst/>
+              <a:defRPr/>
+            </a:pPr>
             <a:r>
-              <a:rPr lang="en-NZ" dirty="0"/>
-              <a:t>Give two layout options for the index page – </a:t>
+              <a:rPr lang="en-NZ" sz="1200" kern="1200" dirty="0">
+                <a:solidFill>
+                  <a:schemeClr val="tx1"/>
+                </a:solidFill>
+                <a:effectLst/>
+                <a:latin typeface="+mn-lt"/>
+                <a:ea typeface="+mn-ea"/>
+                <a:cs typeface="+mn-cs"/>
+              </a:rPr>
+              <a:t>Get written feedback, then add your own reflections:</a:t>
             </a:r>
+          </a:p>
+          <a:p>
+            <a:pPr marL="0" marR="0" lvl="0" indent="0" algn="l" defTabSz="914400" rtl="0" eaLnBrk="1" fontAlgn="auto" latinLnBrk="0" hangingPunct="1">
+              <a:lnSpc>
+                <a:spcPct val="100000"/>
+              </a:lnSpc>
+              <a:spcBef>
+                <a:spcPts val="0"/>
+              </a:spcBef>
+              <a:spcAft>
+                <a:spcPts val="0"/>
+              </a:spcAft>
+              <a:buClrTx/>
+              <a:buSzTx/>
+              <a:buFontTx/>
+              <a:buNone/>
+              <a:tabLst/>
+              <a:defRPr/>
+            </a:pPr>
             <a:r>
-              <a:rPr lang="en-NZ" dirty="0" err="1"/>
-              <a:t>eg</a:t>
+              <a:rPr lang="en-NZ" sz="1200" kern="1200" dirty="0">
+                <a:solidFill>
+                  <a:schemeClr val="tx1"/>
+                </a:solidFill>
+                <a:effectLst/>
+                <a:latin typeface="+mn-lt"/>
+                <a:ea typeface="+mn-ea"/>
+                <a:cs typeface="+mn-cs"/>
+              </a:rPr>
+              <a:t>What changes do you need to make and why? Do you need to carry out further research or give more colour/font options etc/</a:t>
             </a:r>
-            <a:r>
-              <a:rPr lang="en-NZ" dirty="0"/>
-              <a:t> placement of </a:t>
-            </a:r>
-            <a:r>
-              <a:rPr lang="en-NZ" dirty="0" err="1"/>
-              <a:t>cotent</a:t>
-            </a:r>
-            <a:r>
-              <a:rPr lang="en-NZ" dirty="0"/>
-              <a:t> . Get feedback from client</a:t>
-            </a:r>
+          </a:p>
+          <a:p>
+            <a:endParaRPr lang="en-NZ" dirty="0"/>
           </a:p>
         </p:txBody>
       </p:sp>
@@ -1991,7 +1887,7 @@
     </p:spTree>
     <p:extLst>
       <p:ext uri="{BB962C8B-B14F-4D97-AF65-F5344CB8AC3E}">
-        <p14:creationId xmlns:p14="http://schemas.microsoft.com/office/powerpoint/2010/main" val="3805720401"/>
+        <p14:creationId xmlns:p14="http://schemas.microsoft.com/office/powerpoint/2010/main" val="719846941"/>
       </p:ext>
     </p:extLst>
   </p:cSld>
@@ -8156,7 +8052,7 @@
           <a:p>
             <a:fld id="{9FB06DCC-D8C5-4C31-9799-F290D7CE4553}" type="datetimeFigureOut">
               <a:rPr lang="en-NZ" smtClean="0"/>
-              <a:t>31/08/2020</a:t>
+              <a:t>1/09/2020</a:t>
             </a:fld>
             <a:endParaRPr lang="en-NZ"/>
           </a:p>
@@ -8326,7 +8222,7 @@
           <a:p>
             <a:fld id="{9FB06DCC-D8C5-4C31-9799-F290D7CE4553}" type="datetimeFigureOut">
               <a:rPr lang="en-NZ" smtClean="0"/>
-              <a:t>31/08/2020</a:t>
+              <a:t>1/09/2020</a:t>
             </a:fld>
             <a:endParaRPr lang="en-NZ"/>
           </a:p>
@@ -24779,12 +24675,6 @@
                 <a:effectLst/>
               </a:rPr>
             </a:br>
-            <a:r>
-              <a:rPr lang="en-NZ" sz="3200" b="1" i="0" dirty="0">
-                <a:effectLst/>
-              </a:rPr>
-              <a:t/>
-            </a:r>
             <a:br>
               <a:rPr lang="en-NZ" sz="3200" b="1" i="0" dirty="0">
                 <a:effectLst/>
@@ -25466,10 +25356,6 @@
             <a:br>
               <a:rPr lang="en-NZ" sz="2000" b="1"/>
             </a:br>
-            <a:r>
-              <a:rPr lang="en-NZ" sz="2000" b="1"/>
-              <a:t/>
-            </a:r>
             <a:br>
               <a:rPr lang="en-NZ" sz="2000" b="1"/>
             </a:br>
@@ -25510,10 +25396,9 @@
           <a:lstStyle/>
           <a:p>
             <a:r>
-              <a:rPr lang="en-US" dirty="0" smtClean="0"/>
+              <a:rPr lang="en-US" dirty="0"/>
               <a:t>Original</a:t>
             </a:r>
-            <a:endParaRPr lang="en-US" dirty="0"/>
           </a:p>
         </p:txBody>
       </p:sp>
@@ -25829,7 +25714,7 @@
           </a:lstStyle>
           <a:p>
             <a:r>
-              <a:rPr lang="en-US" dirty="0" smtClean="0"/>
+              <a:rPr lang="en-US" dirty="0"/>
               <a:t>Edited</a:t>
             </a:r>
           </a:p>
@@ -25837,20 +25722,19 @@
             <a:endParaRPr lang="en-US" dirty="0"/>
           </a:p>
           <a:p>
-            <a:endParaRPr lang="en-US" dirty="0" smtClean="0"/>
+            <a:endParaRPr lang="en-US" dirty="0"/>
           </a:p>
           <a:p>
             <a:endParaRPr lang="en-US" dirty="0"/>
           </a:p>
           <a:p>
-            <a:endParaRPr lang="en-US" dirty="0" smtClean="0"/>
+            <a:endParaRPr lang="en-US" dirty="0"/>
           </a:p>
           <a:p>
             <a:r>
-              <a:rPr lang="en-US" dirty="0" smtClean="0"/>
+              <a:rPr lang="en-US" dirty="0"/>
               <a:t>Added transparency and compressed file</a:t>
             </a:r>
-            <a:endParaRPr lang="en-US" dirty="0"/>
           </a:p>
         </p:txBody>
       </p:sp>
@@ -26142,15 +26026,9 @@
               <a:rPr lang="en-GB" sz="2000" dirty="0">
                 <a:hlinkClick r:id="rId3"/>
               </a:rPr>
-              <a:t>https://</a:t>
+              <a:t>https://fonts.google.com/specimen/Raleway</a:t>
             </a:r>
-            <a:r>
-              <a:rPr lang="en-GB" sz="2000" dirty="0" smtClean="0">
-                <a:hlinkClick r:id="rId3"/>
-              </a:rPr>
-              <a:t>fonts.google.com/specimen/Raleway</a:t>
-            </a:r>
-            <a:endParaRPr lang="en-GB" sz="2000" dirty="0" smtClean="0"/>
+            <a:endParaRPr lang="en-GB" sz="2000" dirty="0"/>
           </a:p>
           <a:p>
             <a:endParaRPr lang="en-GB" sz="2000" dirty="0"/>
@@ -26244,15 +26122,9 @@
               <a:rPr lang="en-GB" sz="2000" dirty="0">
                 <a:hlinkClick r:id="rId7"/>
               </a:rPr>
-              <a:t>https://</a:t>
+              <a:t>https://fonts.google.com/specimen/Lora</a:t>
             </a:r>
-            <a:r>
-              <a:rPr lang="en-GB" sz="2000" dirty="0" smtClean="0">
-                <a:hlinkClick r:id="rId7"/>
-              </a:rPr>
-              <a:t>fonts.google.com/specimen/Lora</a:t>
-            </a:r>
-            <a:endParaRPr lang="en-GB" sz="2000" dirty="0" smtClean="0"/>
+            <a:endParaRPr lang="en-GB" sz="2000" dirty="0"/>
           </a:p>
           <a:p>
             <a:endParaRPr lang="en-GB" sz="2000" dirty="0"/>
@@ -26316,6 +26188,180 @@
           </a:prstGeom>
         </p:spPr>
       </p:pic>
+      <p:sp>
+        <p:nvSpPr>
+          <p:cNvPr id="7" name="TextBox 6">
+            <a:extLst>
+              <a:ext uri="{FF2B5EF4-FFF2-40B4-BE49-F238E27FC236}">
+                <a16:creationId xmlns:a16="http://schemas.microsoft.com/office/drawing/2014/main" id="{615A75D1-CA55-4F83-BD1E-D42F755B7DF3}"/>
+              </a:ext>
+            </a:extLst>
+          </p:cNvPr>
+          <p:cNvSpPr txBox="1"/>
+          <p:nvPr/>
+        </p:nvSpPr>
+        <p:spPr>
+          <a:xfrm>
+            <a:off x="1859107" y="5259500"/>
+            <a:ext cx="4236893" cy="307777"/>
+          </a:xfrm>
+          <a:prstGeom prst="rect">
+            <a:avLst/>
+          </a:prstGeom>
+          <a:noFill/>
+        </p:spPr>
+        <p:txBody>
+          <a:bodyPr wrap="square" rtlCol="0">
+            <a:spAutoFit/>
+          </a:bodyPr>
+          <a:lstStyle/>
+          <a:p>
+            <a:r>
+              <a:rPr lang="en-NZ" dirty="0"/>
+              <a:t>Feedback:</a:t>
+            </a:r>
+          </a:p>
+        </p:txBody>
+      </p:sp>
+      <p:sp>
+        <p:nvSpPr>
+          <p:cNvPr id="10" name="TextBox 9">
+            <a:extLst>
+              <a:ext uri="{FF2B5EF4-FFF2-40B4-BE49-F238E27FC236}">
+                <a16:creationId xmlns:a16="http://schemas.microsoft.com/office/drawing/2014/main" id="{50709729-E30C-4406-8D4B-5C3E63620BB8}"/>
+              </a:ext>
+            </a:extLst>
+          </p:cNvPr>
+          <p:cNvSpPr txBox="1"/>
+          <p:nvPr/>
+        </p:nvSpPr>
+        <p:spPr>
+          <a:xfrm>
+            <a:off x="6744280" y="5259499"/>
+            <a:ext cx="4236893" cy="307777"/>
+          </a:xfrm>
+          <a:prstGeom prst="rect">
+            <a:avLst/>
+          </a:prstGeom>
+          <a:noFill/>
+        </p:spPr>
+        <p:txBody>
+          <a:bodyPr wrap="square" rtlCol="0">
+            <a:spAutoFit/>
+          </a:bodyPr>
+          <a:lstStyle/>
+          <a:p>
+            <a:r>
+              <a:rPr lang="en-NZ" dirty="0"/>
+              <a:t>Feedback:</a:t>
+            </a:r>
+          </a:p>
+        </p:txBody>
+      </p:sp>
+      <p:sp>
+        <p:nvSpPr>
+          <p:cNvPr id="9" name="Rectangle 8">
+            <a:extLst>
+              <a:ext uri="{FF2B5EF4-FFF2-40B4-BE49-F238E27FC236}">
+                <a16:creationId xmlns:a16="http://schemas.microsoft.com/office/drawing/2014/main" id="{EBF3BB40-8E14-4B8A-AEAC-A8A7A48520DB}"/>
+              </a:ext>
+            </a:extLst>
+          </p:cNvPr>
+          <p:cNvSpPr/>
+          <p:nvPr/>
+        </p:nvSpPr>
+        <p:spPr>
+          <a:xfrm>
+            <a:off x="1477108" y="2039815"/>
+            <a:ext cx="4972148" cy="4692581"/>
+          </a:xfrm>
+          <a:prstGeom prst="rect">
+            <a:avLst/>
+          </a:prstGeom>
+          <a:noFill/>
+          <a:ln>
+            <a:solidFill>
+              <a:schemeClr val="tx1"/>
+            </a:solidFill>
+          </a:ln>
+        </p:spPr>
+        <p:style>
+          <a:lnRef idx="2">
+            <a:schemeClr val="accent1">
+              <a:shade val="50000"/>
+            </a:schemeClr>
+          </a:lnRef>
+          <a:fillRef idx="1">
+            <a:schemeClr val="accent1"/>
+          </a:fillRef>
+          <a:effectRef idx="0">
+            <a:schemeClr val="accent1"/>
+          </a:effectRef>
+          <a:fontRef idx="minor">
+            <a:schemeClr val="lt1"/>
+          </a:fontRef>
+        </p:style>
+        <p:txBody>
+          <a:bodyPr rtlCol="0" anchor="ctr"/>
+          <a:lstStyle/>
+          <a:p>
+            <a:pPr algn="ctr"/>
+            <a:endParaRPr lang="en-NZ"/>
+          </a:p>
+        </p:txBody>
+      </p:sp>
+      <p:sp>
+        <p:nvSpPr>
+          <p:cNvPr id="12" name="Rectangle 11">
+            <a:extLst>
+              <a:ext uri="{FF2B5EF4-FFF2-40B4-BE49-F238E27FC236}">
+                <a16:creationId xmlns:a16="http://schemas.microsoft.com/office/drawing/2014/main" id="{1F7E1B82-4890-48FD-9233-D6FC74F43A51}"/>
+              </a:ext>
+            </a:extLst>
+          </p:cNvPr>
+          <p:cNvSpPr/>
+          <p:nvPr/>
+        </p:nvSpPr>
+        <p:spPr>
+          <a:xfrm>
+            <a:off x="6637715" y="2039814"/>
+            <a:ext cx="5285860" cy="4692581"/>
+          </a:xfrm>
+          <a:prstGeom prst="rect">
+            <a:avLst/>
+          </a:prstGeom>
+          <a:noFill/>
+          <a:ln>
+            <a:solidFill>
+              <a:schemeClr val="tx1"/>
+            </a:solidFill>
+          </a:ln>
+        </p:spPr>
+        <p:style>
+          <a:lnRef idx="2">
+            <a:schemeClr val="accent1">
+              <a:shade val="50000"/>
+            </a:schemeClr>
+          </a:lnRef>
+          <a:fillRef idx="1">
+            <a:schemeClr val="accent1"/>
+          </a:fillRef>
+          <a:effectRef idx="0">
+            <a:schemeClr val="accent1"/>
+          </a:effectRef>
+          <a:fontRef idx="minor">
+            <a:schemeClr val="lt1"/>
+          </a:fontRef>
+        </p:style>
+        <p:txBody>
+          <a:bodyPr rtlCol="0" anchor="ctr"/>
+          <a:lstStyle/>
+          <a:p>
+            <a:pPr algn="ctr"/>
+            <a:endParaRPr lang="en-NZ"/>
+          </a:p>
+        </p:txBody>
+      </p:sp>
     </p:spTree>
     <p:extLst>
       <p:ext uri="{BB962C8B-B14F-4D97-AF65-F5344CB8AC3E}">
@@ -26330,161 +26376,6 @@
 </file>
 
 <file path=ppt/slides/slide17.xml><?xml version="1.0" encoding="utf-8"?>
-<p:sld xmlns:a="http://schemas.openxmlformats.org/drawingml/2006/main" xmlns:r="http://schemas.openxmlformats.org/officeDocument/2006/relationships" xmlns:p="http://schemas.openxmlformats.org/presentationml/2006/main">
-  <p:cSld>
-    <p:spTree>
-      <p:nvGrpSpPr>
-        <p:cNvPr id="1" name=""/>
-        <p:cNvGrpSpPr/>
-        <p:nvPr/>
-      </p:nvGrpSpPr>
-      <p:grpSpPr>
-        <a:xfrm>
-          <a:off x="0" y="0"/>
-          <a:ext cx="0" cy="0"/>
-          <a:chOff x="0" y="0"/>
-          <a:chExt cx="0" cy="0"/>
-        </a:xfrm>
-      </p:grpSpPr>
-      <p:sp>
-        <p:nvSpPr>
-          <p:cNvPr id="2" name="Title 1">
-            <a:extLst>
-              <a:ext uri="{FF2B5EF4-FFF2-40B4-BE49-F238E27FC236}">
-                <a16:creationId xmlns:a16="http://schemas.microsoft.com/office/drawing/2014/main" id="{CCC7DEDA-8DAD-4EF0-9489-DDCA8DE94CDE}"/>
-              </a:ext>
-            </a:extLst>
-          </p:cNvPr>
-          <p:cNvSpPr>
-            <a:spLocks noGrp="1"/>
-          </p:cNvSpPr>
-          <p:nvPr>
-            <p:ph type="title"/>
-          </p:nvPr>
-        </p:nvSpPr>
-        <p:spPr>
-          <a:xfrm>
-            <a:off x="881467" y="885733"/>
-            <a:ext cx="10457600" cy="871600"/>
-          </a:xfrm>
-        </p:spPr>
-        <p:txBody>
-          <a:bodyPr wrap="square" anchor="ctr">
-            <a:normAutofit/>
-          </a:bodyPr>
-          <a:lstStyle/>
-          <a:p>
-            <a:r>
-              <a:rPr lang="en-NZ" dirty="0"/>
-              <a:t>Low fidelity wireframes</a:t>
-            </a:r>
-          </a:p>
-        </p:txBody>
-      </p:sp>
-      <p:sp>
-        <p:nvSpPr>
-          <p:cNvPr id="8" name="Text Placeholder 2">
-            <a:extLst>
-              <a:ext uri="{FF2B5EF4-FFF2-40B4-BE49-F238E27FC236}">
-                <a16:creationId xmlns:a16="http://schemas.microsoft.com/office/drawing/2014/main" id="{AFCFD697-AD76-4993-A8CA-C0EBFCAF0C87}"/>
-              </a:ext>
-            </a:extLst>
-          </p:cNvPr>
-          <p:cNvSpPr>
-            <a:spLocks noGrp="1"/>
-          </p:cNvSpPr>
-          <p:nvPr>
-            <p:ph type="body" idx="1"/>
-          </p:nvPr>
-        </p:nvSpPr>
-        <p:spPr>
-          <a:xfrm>
-            <a:off x="1554500" y="2132933"/>
-            <a:ext cx="3009600" cy="3853600"/>
-          </a:xfrm>
-        </p:spPr>
-        <p:txBody>
-          <a:bodyPr/>
-          <a:lstStyle/>
-          <a:p>
-            <a:endParaRPr lang="en-US"/>
-          </a:p>
-        </p:txBody>
-      </p:sp>
-      <p:sp>
-        <p:nvSpPr>
-          <p:cNvPr id="10" name="Text Placeholder 3">
-            <a:extLst>
-              <a:ext uri="{FF2B5EF4-FFF2-40B4-BE49-F238E27FC236}">
-                <a16:creationId xmlns:a16="http://schemas.microsoft.com/office/drawing/2014/main" id="{BE119795-F569-4EC5-BF5C-A6F6B7020C2D}"/>
-              </a:ext>
-            </a:extLst>
-          </p:cNvPr>
-          <p:cNvSpPr>
-            <a:spLocks noGrp="1"/>
-          </p:cNvSpPr>
-          <p:nvPr>
-            <p:ph type="body" idx="2"/>
-          </p:nvPr>
-        </p:nvSpPr>
-        <p:spPr>
-          <a:xfrm>
-            <a:off x="4941917" y="2132933"/>
-            <a:ext cx="3009600" cy="3853600"/>
-          </a:xfrm>
-        </p:spPr>
-        <p:txBody>
-          <a:bodyPr/>
-          <a:lstStyle/>
-          <a:p>
-            <a:endParaRPr lang="en-US"/>
-          </a:p>
-        </p:txBody>
-      </p:sp>
-      <p:sp>
-        <p:nvSpPr>
-          <p:cNvPr id="12" name="Text Placeholder 4">
-            <a:extLst>
-              <a:ext uri="{FF2B5EF4-FFF2-40B4-BE49-F238E27FC236}">
-                <a16:creationId xmlns:a16="http://schemas.microsoft.com/office/drawing/2014/main" id="{5E9A8D86-7523-4B6C-A7AB-E67ACC69046E}"/>
-              </a:ext>
-            </a:extLst>
-          </p:cNvPr>
-          <p:cNvSpPr>
-            <a:spLocks noGrp="1"/>
-          </p:cNvSpPr>
-          <p:nvPr>
-            <p:ph type="body" idx="3"/>
-          </p:nvPr>
-        </p:nvSpPr>
-        <p:spPr>
-          <a:xfrm>
-            <a:off x="8329335" y="2132933"/>
-            <a:ext cx="3009600" cy="3853600"/>
-          </a:xfrm>
-        </p:spPr>
-        <p:txBody>
-          <a:bodyPr/>
-          <a:lstStyle/>
-          <a:p>
-            <a:endParaRPr lang="en-US"/>
-          </a:p>
-        </p:txBody>
-      </p:sp>
-    </p:spTree>
-    <p:extLst>
-      <p:ext uri="{BB962C8B-B14F-4D97-AF65-F5344CB8AC3E}">
-        <p14:creationId xmlns:p14="http://schemas.microsoft.com/office/powerpoint/2010/main" val="2075047662"/>
-      </p:ext>
-    </p:extLst>
-  </p:cSld>
-  <p:clrMapOvr>
-    <a:masterClrMapping/>
-  </p:clrMapOvr>
-</p:sld>
-</file>
-
-<file path=ppt/slides/slide18.xml><?xml version="1.0" encoding="utf-8"?>
 <p:sld xmlns:a="http://schemas.openxmlformats.org/drawingml/2006/main" xmlns:r="http://schemas.openxmlformats.org/officeDocument/2006/relationships" xmlns:p="http://schemas.openxmlformats.org/presentationml/2006/main">
   <p:cSld>
     <p:spTree>
@@ -26586,7 +26477,13 @@
           <a:bodyPr/>
           <a:lstStyle/>
           <a:p>
-            <a:endParaRPr lang="en-US" dirty="0"/>
+            <a:pPr marL="135464" indent="0">
+              <a:buNone/>
+            </a:pPr>
+            <a:r>
+              <a:rPr lang="en-US" dirty="0"/>
+              <a:t>Feedback:</a:t>
+            </a:r>
           </a:p>
         </p:txBody>
       </p:sp>
@@ -26608,7 +26505,7 @@
         </p:nvSpPr>
         <p:spPr>
           <a:xfrm>
-            <a:off x="6742517" y="3311235"/>
+            <a:off x="6973630" y="3405877"/>
             <a:ext cx="4596400" cy="2675298"/>
           </a:xfrm>
         </p:spPr>
@@ -26616,7 +26513,13 @@
           <a:bodyPr/>
           <a:lstStyle/>
           <a:p>
-            <a:endParaRPr lang="en-US" dirty="0"/>
+            <a:pPr marL="135464" indent="0">
+              <a:buNone/>
+            </a:pPr>
+            <a:r>
+              <a:rPr lang="en-US" dirty="0"/>
+              <a:t>Feedback:</a:t>
+            </a:r>
           </a:p>
         </p:txBody>
       </p:sp>
@@ -26636,14 +26539,118 @@
         </p:blipFill>
         <p:spPr>
           <a:xfrm>
-            <a:off x="7765473" y="1837277"/>
-            <a:ext cx="1960418" cy="1366062"/>
+            <a:off x="6973630" y="1851253"/>
+            <a:ext cx="3989122" cy="1366062"/>
           </a:xfrm>
           <a:prstGeom prst="rect">
             <a:avLst/>
           </a:prstGeom>
         </p:spPr>
       </p:pic>
+      <p:sp>
+        <p:nvSpPr>
+          <p:cNvPr id="7" name="Rectangle 6">
+            <a:extLst>
+              <a:ext uri="{FF2B5EF4-FFF2-40B4-BE49-F238E27FC236}">
+                <a16:creationId xmlns:a16="http://schemas.microsoft.com/office/drawing/2014/main" id="{37947823-4892-4824-8426-700957F9C7E0}"/>
+              </a:ext>
+            </a:extLst>
+          </p:cNvPr>
+          <p:cNvSpPr/>
+          <p:nvPr/>
+        </p:nvSpPr>
+        <p:spPr>
+          <a:xfrm>
+            <a:off x="1477108" y="2039815"/>
+            <a:ext cx="4972148" cy="4692581"/>
+          </a:xfrm>
+          <a:prstGeom prst="rect">
+            <a:avLst/>
+          </a:prstGeom>
+          <a:noFill/>
+          <a:ln>
+            <a:solidFill>
+              <a:schemeClr val="tx1"/>
+            </a:solidFill>
+          </a:ln>
+        </p:spPr>
+        <p:style>
+          <a:lnRef idx="2">
+            <a:schemeClr val="accent1">
+              <a:shade val="50000"/>
+            </a:schemeClr>
+          </a:lnRef>
+          <a:fillRef idx="1">
+            <a:schemeClr val="accent1"/>
+          </a:fillRef>
+          <a:effectRef idx="0">
+            <a:schemeClr val="accent1"/>
+          </a:effectRef>
+          <a:fontRef idx="minor">
+            <a:schemeClr val="lt1"/>
+          </a:fontRef>
+        </p:style>
+        <p:txBody>
+          <a:bodyPr rtlCol="0" anchor="ctr"/>
+          <a:lstStyle/>
+          <a:p>
+            <a:pPr algn="ctr"/>
+            <a:endParaRPr lang="en-NZ"/>
+          </a:p>
+        </p:txBody>
+      </p:sp>
+      <p:sp>
+        <p:nvSpPr>
+          <p:cNvPr id="9" name="Rectangle 8">
+            <a:extLst>
+              <a:ext uri="{FF2B5EF4-FFF2-40B4-BE49-F238E27FC236}">
+                <a16:creationId xmlns:a16="http://schemas.microsoft.com/office/drawing/2014/main" id="{CD29C905-5CEE-4D67-AC72-3572B11801AF}"/>
+              </a:ext>
+            </a:extLst>
+          </p:cNvPr>
+          <p:cNvSpPr/>
+          <p:nvPr/>
+        </p:nvSpPr>
+        <p:spPr>
+          <a:xfrm>
+            <a:off x="6874748" y="2039815"/>
+            <a:ext cx="4972148" cy="4692581"/>
+          </a:xfrm>
+          <a:prstGeom prst="rect">
+            <a:avLst/>
+          </a:prstGeom>
+          <a:noFill/>
+          <a:ln>
+            <a:solidFill>
+              <a:schemeClr val="tx1"/>
+            </a:solidFill>
+          </a:ln>
+        </p:spPr>
+        <p:style>
+          <a:lnRef idx="2">
+            <a:schemeClr val="accent1">
+              <a:shade val="50000"/>
+            </a:schemeClr>
+          </a:lnRef>
+          <a:fillRef idx="1">
+            <a:schemeClr val="accent1"/>
+          </a:fillRef>
+          <a:effectRef idx="0">
+            <a:schemeClr val="accent1"/>
+          </a:effectRef>
+          <a:fontRef idx="minor">
+            <a:schemeClr val="lt1"/>
+          </a:fontRef>
+        </p:style>
+        <p:txBody>
+          <a:bodyPr rtlCol="0" anchor="ctr"/>
+          <a:lstStyle/>
+          <a:p>
+            <a:pPr algn="ctr"/>
+            <a:endParaRPr lang="en-NZ"/>
+          </a:p>
+        </p:txBody>
+      </p:sp>
     </p:spTree>
     <p:extLst>
       <p:ext uri="{BB962C8B-B14F-4D97-AF65-F5344CB8AC3E}">
@@ -26657,7 +26664,7 @@
 </p:sld>
 </file>
 
-<file path=ppt/slides/slide19.xml><?xml version="1.0" encoding="utf-8"?>
+<file path=ppt/slides/slide18.xml><?xml version="1.0" encoding="utf-8"?>
 <p:sld xmlns:a="http://schemas.openxmlformats.org/drawingml/2006/main" xmlns:r="http://schemas.openxmlformats.org/officeDocument/2006/relationships" xmlns:p="http://schemas.openxmlformats.org/presentationml/2006/main">
   <p:cSld>
     <p:spTree>
@@ -26679,7 +26686,7 @@
           <p:cNvPr id="2" name="Title 1">
             <a:extLst>
               <a:ext uri="{FF2B5EF4-FFF2-40B4-BE49-F238E27FC236}">
-                <a16:creationId xmlns:a16="http://schemas.microsoft.com/office/drawing/2014/main" id="{F8F3EA23-D41D-4CCC-84C1-7ED7A36A57B4}"/>
+                <a16:creationId xmlns:a16="http://schemas.microsoft.com/office/drawing/2014/main" id="{CCC7DEDA-8DAD-4EF0-9489-DDCA8DE94CDE}"/>
               </a:ext>
             </a:extLst>
           </p:cNvPr>
@@ -26703,76 +26710,136 @@
           <a:lstStyle/>
           <a:p>
             <a:r>
-              <a:rPr lang="en-NZ" b="1" dirty="0"/>
-              <a:t>A vs B testing - fonts</a:t>
+              <a:rPr lang="en-NZ" dirty="0"/>
+              <a:t>Low fidelity wireframes</a:t>
             </a:r>
           </a:p>
         </p:txBody>
       </p:sp>
-      <p:sp>
-        <p:nvSpPr>
-          <p:cNvPr id="8" name="Text Placeholder 2">
+      <p:pic>
+        <p:nvPicPr>
+          <p:cNvPr id="3" name="Picture 2">
             <a:extLst>
               <a:ext uri="{FF2B5EF4-FFF2-40B4-BE49-F238E27FC236}">
-                <a16:creationId xmlns:a16="http://schemas.microsoft.com/office/drawing/2014/main" id="{E5A5F391-FF5C-42D7-A473-CD23F51E8DCE}"/>
+                <a16:creationId xmlns:a16="http://schemas.microsoft.com/office/drawing/2014/main" id="{E18E4EF2-EF47-44AF-80F7-D2751D1740BC}"/>
               </a:ext>
             </a:extLst>
           </p:cNvPr>
-          <p:cNvSpPr>
-            <a:spLocks noGrp="1"/>
-          </p:cNvSpPr>
-          <p:nvPr>
-            <p:ph type="body" idx="1"/>
-          </p:nvPr>
-        </p:nvSpPr>
+          <p:cNvPicPr>
+            <a:picLocks noChangeAspect="1"/>
+          </p:cNvPicPr>
+          <p:nvPr/>
+        </p:nvPicPr>
+        <p:blipFill>
+          <a:blip r:embed="rId3"/>
+          <a:stretch>
+            <a:fillRect/>
+          </a:stretch>
+        </p:blipFill>
         <p:spPr>
           <a:xfrm>
-            <a:off x="1563533" y="2132933"/>
-            <a:ext cx="4596400" cy="3853600"/>
+            <a:off x="1825806" y="2132933"/>
+            <a:ext cx="1642740" cy="3994220"/>
           </a:xfrm>
+          <a:prstGeom prst="rect">
+            <a:avLst/>
+          </a:prstGeom>
         </p:spPr>
-        <p:txBody>
-          <a:bodyPr/>
-          <a:lstStyle/>
-          <a:p>
-            <a:endParaRPr lang="en-US"/>
-          </a:p>
-        </p:txBody>
-      </p:sp>
-      <p:sp>
-        <p:nvSpPr>
-          <p:cNvPr id="10" name="Text Placeholder 3">
+      </p:pic>
+      <p:pic>
+        <p:nvPicPr>
+          <p:cNvPr id="4" name="Picture 3">
             <a:extLst>
               <a:ext uri="{FF2B5EF4-FFF2-40B4-BE49-F238E27FC236}">
-                <a16:creationId xmlns:a16="http://schemas.microsoft.com/office/drawing/2014/main" id="{A2C7A7B2-CC1B-4934-8796-D57EA7655840}"/>
+                <a16:creationId xmlns:a16="http://schemas.microsoft.com/office/drawing/2014/main" id="{B6E4724C-B42B-4C0A-8A6B-34EE366BF9FF}"/>
               </a:ext>
             </a:extLst>
           </p:cNvPr>
-          <p:cNvSpPr>
-            <a:spLocks noGrp="1"/>
-          </p:cNvSpPr>
-          <p:nvPr>
-            <p:ph type="body" idx="2"/>
-          </p:nvPr>
-        </p:nvSpPr>
+          <p:cNvPicPr>
+            <a:picLocks noChangeAspect="1"/>
+          </p:cNvPicPr>
+          <p:nvPr/>
+        </p:nvPicPr>
+        <p:blipFill>
+          <a:blip r:embed="rId4"/>
+          <a:stretch>
+            <a:fillRect/>
+          </a:stretch>
+        </p:blipFill>
         <p:spPr>
           <a:xfrm>
-            <a:off x="6742517" y="2132933"/>
-            <a:ext cx="4596400" cy="3853600"/>
+            <a:off x="4229736" y="2132933"/>
+            <a:ext cx="1676387" cy="3994220"/>
           </a:xfrm>
+          <a:prstGeom prst="rect">
+            <a:avLst/>
+          </a:prstGeom>
         </p:spPr>
-        <p:txBody>
-          <a:bodyPr/>
-          <a:lstStyle/>
-          <a:p>
-            <a:endParaRPr lang="en-US"/>
-          </a:p>
-        </p:txBody>
-      </p:sp>
+      </p:pic>
+      <p:pic>
+        <p:nvPicPr>
+          <p:cNvPr id="5" name="Picture 4">
+            <a:extLst>
+              <a:ext uri="{FF2B5EF4-FFF2-40B4-BE49-F238E27FC236}">
+                <a16:creationId xmlns:a16="http://schemas.microsoft.com/office/drawing/2014/main" id="{B167290E-3354-46AA-95D2-FCB57C08FC4D}"/>
+              </a:ext>
+            </a:extLst>
+          </p:cNvPr>
+          <p:cNvPicPr>
+            <a:picLocks noChangeAspect="1"/>
+          </p:cNvPicPr>
+          <p:nvPr/>
+        </p:nvPicPr>
+        <p:blipFill>
+          <a:blip r:embed="rId5"/>
+          <a:stretch>
+            <a:fillRect/>
+          </a:stretch>
+        </p:blipFill>
+        <p:spPr>
+          <a:xfrm>
+            <a:off x="6667314" y="2132933"/>
+            <a:ext cx="1673769" cy="3994221"/>
+          </a:xfrm>
+          <a:prstGeom prst="rect">
+            <a:avLst/>
+          </a:prstGeom>
+        </p:spPr>
+      </p:pic>
+      <p:pic>
+        <p:nvPicPr>
+          <p:cNvPr id="6" name="Picture 5">
+            <a:extLst>
+              <a:ext uri="{FF2B5EF4-FFF2-40B4-BE49-F238E27FC236}">
+                <a16:creationId xmlns:a16="http://schemas.microsoft.com/office/drawing/2014/main" id="{351B5435-DDF0-4FC6-8D90-DB7F830C5897}"/>
+              </a:ext>
+            </a:extLst>
+          </p:cNvPr>
+          <p:cNvPicPr>
+            <a:picLocks noChangeAspect="1"/>
+          </p:cNvPicPr>
+          <p:nvPr/>
+        </p:nvPicPr>
+        <p:blipFill>
+          <a:blip r:embed="rId6"/>
+          <a:stretch>
+            <a:fillRect/>
+          </a:stretch>
+        </p:blipFill>
+        <p:spPr>
+          <a:xfrm>
+            <a:off x="9102274" y="2132933"/>
+            <a:ext cx="1642740" cy="3989512"/>
+          </a:xfrm>
+          <a:prstGeom prst="rect">
+            <a:avLst/>
+          </a:prstGeom>
+        </p:spPr>
+      </p:pic>
     </p:spTree>
     <p:extLst>
       <p:ext uri="{BB962C8B-B14F-4D97-AF65-F5344CB8AC3E}">
-        <p14:creationId xmlns:p14="http://schemas.microsoft.com/office/powerpoint/2010/main" val="2800400229"/>
+        <p14:creationId xmlns:p14="http://schemas.microsoft.com/office/powerpoint/2010/main" val="2075047662"/>
       </p:ext>
     </p:extLst>
   </p:cSld>
@@ -26782,113 +26849,7 @@
 </p:sld>
 </file>
 
-<file path=ppt/slides/slide2.xml><?xml version="1.0" encoding="utf-8"?>
-<p:sld xmlns:a="http://schemas.openxmlformats.org/drawingml/2006/main" xmlns:r="http://schemas.openxmlformats.org/officeDocument/2006/relationships" xmlns:p="http://schemas.openxmlformats.org/presentationml/2006/main">
-  <p:cSld>
-    <p:spTree>
-      <p:nvGrpSpPr>
-        <p:cNvPr id="1" name=""/>
-        <p:cNvGrpSpPr/>
-        <p:nvPr/>
-      </p:nvGrpSpPr>
-      <p:grpSpPr>
-        <a:xfrm>
-          <a:off x="0" y="0"/>
-          <a:ext cx="0" cy="0"/>
-          <a:chOff x="0" y="0"/>
-          <a:chExt cx="0" cy="0"/>
-        </a:xfrm>
-      </p:grpSpPr>
-      <p:sp>
-        <p:nvSpPr>
-          <p:cNvPr id="3" name="Content Placeholder 2">
-            <a:extLst>
-              <a:ext uri="{FF2B5EF4-FFF2-40B4-BE49-F238E27FC236}">
-                <a16:creationId xmlns:a16="http://schemas.microsoft.com/office/drawing/2014/main" id="{6EB18054-8B7B-4DC6-9E15-06F626E24688}"/>
-              </a:ext>
-            </a:extLst>
-          </p:cNvPr>
-          <p:cNvSpPr>
-            <a:spLocks noGrp="1"/>
-          </p:cNvSpPr>
-          <p:nvPr>
-            <p:ph type="title"/>
-          </p:nvPr>
-        </p:nvSpPr>
-        <p:spPr>
-          <a:xfrm>
-            <a:off x="881467" y="885733"/>
-            <a:ext cx="10457600" cy="871600"/>
-          </a:xfrm>
-        </p:spPr>
-        <p:txBody>
-          <a:bodyPr wrap="square" anchor="ctr">
-            <a:normAutofit/>
-          </a:bodyPr>
-          <a:lstStyle/>
-          <a:p>
-            <a:pPr marL="0" indent="0">
-              <a:buNone/>
-            </a:pPr>
-            <a:r>
-              <a:rPr lang="en-NZ"/>
-              <a:t>Step 1 : Empathize</a:t>
-            </a:r>
-          </a:p>
-        </p:txBody>
-      </p:sp>
-      <p:sp>
-        <p:nvSpPr>
-          <p:cNvPr id="2" name="TextBox 1"/>
-          <p:cNvSpPr txBox="1"/>
-          <p:nvPr/>
-        </p:nvSpPr>
-        <p:spPr>
-          <a:xfrm>
-            <a:off x="881467" y="2171700"/>
-            <a:ext cx="10291358" cy="1477328"/>
-          </a:xfrm>
-          <a:prstGeom prst="rect">
-            <a:avLst/>
-          </a:prstGeom>
-          <a:noFill/>
-        </p:spPr>
-        <p:txBody>
-          <a:bodyPr wrap="square" rtlCol="0">
-            <a:spAutoFit/>
-          </a:bodyPr>
-          <a:lstStyle/>
-          <a:p>
-            <a:endParaRPr lang="en-GB" sz="1800" dirty="0"/>
-          </a:p>
-          <a:p>
-            <a:r>
-              <a:rPr lang="en-GB" sz="1800" dirty="0" smtClean="0"/>
-              <a:t>The implications I will be focusing on are copyright, accessibility and aesthetics as I believe these are the most important parts of making an appealing website.</a:t>
-            </a:r>
-          </a:p>
-          <a:p>
-            <a:endParaRPr lang="en-GB" sz="1800" dirty="0"/>
-          </a:p>
-          <a:p>
-            <a:endParaRPr lang="en-GB" sz="1800" dirty="0"/>
-          </a:p>
-        </p:txBody>
-      </p:sp>
-    </p:spTree>
-    <p:extLst>
-      <p:ext uri="{BB962C8B-B14F-4D97-AF65-F5344CB8AC3E}">
-        <p14:creationId xmlns:p14="http://schemas.microsoft.com/office/powerpoint/2010/main" val="300542802"/>
-      </p:ext>
-    </p:extLst>
-  </p:cSld>
-  <p:clrMapOvr>
-    <a:masterClrMapping/>
-  </p:clrMapOvr>
-</p:sld>
-</file>
-
-<file path=ppt/slides/slide20.xml><?xml version="1.0" encoding="utf-8"?>
+<file path=ppt/slides/slide19.xml><?xml version="1.0" encoding="utf-8"?>
 <p:sld xmlns:a="http://schemas.openxmlformats.org/drawingml/2006/main" xmlns:r="http://schemas.openxmlformats.org/officeDocument/2006/relationships" xmlns:p="http://schemas.openxmlformats.org/presentationml/2006/main">
   <p:cSld>
     <p:spTree>
@@ -26983,7 +26944,113 @@
 </p:sld>
 </file>
 
-<file path=ppt/slides/slide21.xml><?xml version="1.0" encoding="utf-8"?>
+<file path=ppt/slides/slide2.xml><?xml version="1.0" encoding="utf-8"?>
+<p:sld xmlns:a="http://schemas.openxmlformats.org/drawingml/2006/main" xmlns:r="http://schemas.openxmlformats.org/officeDocument/2006/relationships" xmlns:p="http://schemas.openxmlformats.org/presentationml/2006/main">
+  <p:cSld>
+    <p:spTree>
+      <p:nvGrpSpPr>
+        <p:cNvPr id="1" name=""/>
+        <p:cNvGrpSpPr/>
+        <p:nvPr/>
+      </p:nvGrpSpPr>
+      <p:grpSpPr>
+        <a:xfrm>
+          <a:off x="0" y="0"/>
+          <a:ext cx="0" cy="0"/>
+          <a:chOff x="0" y="0"/>
+          <a:chExt cx="0" cy="0"/>
+        </a:xfrm>
+      </p:grpSpPr>
+      <p:sp>
+        <p:nvSpPr>
+          <p:cNvPr id="3" name="Content Placeholder 2">
+            <a:extLst>
+              <a:ext uri="{FF2B5EF4-FFF2-40B4-BE49-F238E27FC236}">
+                <a16:creationId xmlns:a16="http://schemas.microsoft.com/office/drawing/2014/main" id="{6EB18054-8B7B-4DC6-9E15-06F626E24688}"/>
+              </a:ext>
+            </a:extLst>
+          </p:cNvPr>
+          <p:cNvSpPr>
+            <a:spLocks noGrp="1"/>
+          </p:cNvSpPr>
+          <p:nvPr>
+            <p:ph type="title"/>
+          </p:nvPr>
+        </p:nvSpPr>
+        <p:spPr>
+          <a:xfrm>
+            <a:off x="881467" y="885733"/>
+            <a:ext cx="10457600" cy="871600"/>
+          </a:xfrm>
+        </p:spPr>
+        <p:txBody>
+          <a:bodyPr wrap="square" anchor="ctr">
+            <a:normAutofit/>
+          </a:bodyPr>
+          <a:lstStyle/>
+          <a:p>
+            <a:pPr marL="0" indent="0">
+              <a:buNone/>
+            </a:pPr>
+            <a:r>
+              <a:rPr lang="en-NZ"/>
+              <a:t>Step 1 : Empathize</a:t>
+            </a:r>
+          </a:p>
+        </p:txBody>
+      </p:sp>
+      <p:sp>
+        <p:nvSpPr>
+          <p:cNvPr id="2" name="TextBox 1"/>
+          <p:cNvSpPr txBox="1"/>
+          <p:nvPr/>
+        </p:nvSpPr>
+        <p:spPr>
+          <a:xfrm>
+            <a:off x="881467" y="2171700"/>
+            <a:ext cx="10291358" cy="1477328"/>
+          </a:xfrm>
+          <a:prstGeom prst="rect">
+            <a:avLst/>
+          </a:prstGeom>
+          <a:noFill/>
+        </p:spPr>
+        <p:txBody>
+          <a:bodyPr wrap="square" rtlCol="0">
+            <a:spAutoFit/>
+          </a:bodyPr>
+          <a:lstStyle/>
+          <a:p>
+            <a:endParaRPr lang="en-GB" sz="1800" dirty="0"/>
+          </a:p>
+          <a:p>
+            <a:r>
+              <a:rPr lang="en-GB" sz="1800" dirty="0"/>
+              <a:t>The implications I will be focusing on are copyright, accessibility and aesthetics as I believe these are the most important parts of making an appealing website.</a:t>
+            </a:r>
+          </a:p>
+          <a:p>
+            <a:endParaRPr lang="en-GB" sz="1800" dirty="0"/>
+          </a:p>
+          <a:p>
+            <a:endParaRPr lang="en-GB" sz="1800" dirty="0"/>
+          </a:p>
+        </p:txBody>
+      </p:sp>
+    </p:spTree>
+    <p:extLst>
+      <p:ext uri="{BB962C8B-B14F-4D97-AF65-F5344CB8AC3E}">
+        <p14:creationId xmlns:p14="http://schemas.microsoft.com/office/powerpoint/2010/main" val="300542802"/>
+      </p:ext>
+    </p:extLst>
+  </p:cSld>
+  <p:clrMapOvr>
+    <a:masterClrMapping/>
+  </p:clrMapOvr>
+</p:sld>
+</file>
+
+<file path=ppt/slides/slide20.xml><?xml version="1.0" encoding="utf-8"?>
 <p:sld xmlns:a="http://schemas.openxmlformats.org/drawingml/2006/main" xmlns:r="http://schemas.openxmlformats.org/officeDocument/2006/relationships" xmlns:p="http://schemas.openxmlformats.org/presentationml/2006/main">
   <p:cSld>
     <p:spTree>
@@ -27051,7 +27118,7 @@
 </p:sld>
 </file>
 
-<file path=ppt/slides/slide22.xml><?xml version="1.0" encoding="utf-8"?>
+<file path=ppt/slides/slide21.xml><?xml version="1.0" encoding="utf-8"?>
 <p:sld xmlns:a="http://schemas.openxmlformats.org/drawingml/2006/main" xmlns:r="http://schemas.openxmlformats.org/officeDocument/2006/relationships" xmlns:p="http://schemas.openxmlformats.org/presentationml/2006/main">
   <p:cSld>
     <p:spTree>
@@ -27146,7 +27213,7 @@
 </p:sld>
 </file>
 
-<file path=ppt/slides/slide23.xml><?xml version="1.0" encoding="utf-8"?>
+<file path=ppt/slides/slide22.xml><?xml version="1.0" encoding="utf-8"?>
 <p:sld xmlns:a="http://schemas.openxmlformats.org/drawingml/2006/main" xmlns:r="http://schemas.openxmlformats.org/officeDocument/2006/relationships" xmlns:p="http://schemas.openxmlformats.org/presentationml/2006/main">
   <p:cSld>
     <p:spTree>
@@ -27214,7 +27281,7 @@
 </p:sld>
 </file>
 
-<file path=ppt/slides/slide24.xml><?xml version="1.0" encoding="utf-8"?>
+<file path=ppt/slides/slide23.xml><?xml version="1.0" encoding="utf-8"?>
 <p:sld xmlns:a="http://schemas.openxmlformats.org/drawingml/2006/main" xmlns:r="http://schemas.openxmlformats.org/officeDocument/2006/relationships" xmlns:p="http://schemas.openxmlformats.org/presentationml/2006/main">
   <p:cSld>
     <p:spTree>
@@ -27266,10 +27333,6 @@
             <a:br>
               <a:rPr lang="en-NZ" sz="2000" b="1" dirty="0"/>
             </a:br>
-            <a:r>
-              <a:rPr lang="en-NZ" sz="2000" b="1" dirty="0"/>
-              <a:t/>
-            </a:r>
             <a:br>
               <a:rPr lang="en-NZ" sz="2000" b="1" dirty="0"/>
             </a:br>
@@ -27384,7 +27447,7 @@
 </p:sld>
 </file>
 
-<file path=ppt/slides/slide25.xml><?xml version="1.0" encoding="utf-8"?>
+<file path=ppt/slides/slide24.xml><?xml version="1.0" encoding="utf-8"?>
 <p:sld xmlns:a="http://schemas.openxmlformats.org/drawingml/2006/main" xmlns:r="http://schemas.openxmlformats.org/officeDocument/2006/relationships" xmlns:p="http://schemas.openxmlformats.org/presentationml/2006/main">
   <p:cSld>
     <p:spTree>
@@ -27436,10 +27499,6 @@
             <a:br>
               <a:rPr lang="en-NZ" sz="2000" b="1"/>
             </a:br>
-            <a:r>
-              <a:rPr lang="en-NZ" sz="2000" b="1"/>
-              <a:t/>
-            </a:r>
             <a:br>
               <a:rPr lang="en-NZ" sz="2000" b="1"/>
             </a:br>
@@ -27494,7 +27553,7 @@
 </p:sld>
 </file>
 
-<file path=ppt/slides/slide26.xml><?xml version="1.0" encoding="utf-8"?>
+<file path=ppt/slides/slide25.xml><?xml version="1.0" encoding="utf-8"?>
 <p:sld xmlns:a="http://schemas.openxmlformats.org/drawingml/2006/main" xmlns:r="http://schemas.openxmlformats.org/officeDocument/2006/relationships" xmlns:p="http://schemas.openxmlformats.org/presentationml/2006/main">
   <p:cSld>
     <p:spTree>
@@ -27597,7 +27656,7 @@
 </p:sld>
 </file>
 
-<file path=ppt/slides/slide27.xml><?xml version="1.0" encoding="utf-8"?>
+<file path=ppt/slides/slide26.xml><?xml version="1.0" encoding="utf-8"?>
 <p:sld xmlns:a="http://schemas.openxmlformats.org/drawingml/2006/main" xmlns:r="http://schemas.openxmlformats.org/officeDocument/2006/relationships" xmlns:p="http://schemas.openxmlformats.org/presentationml/2006/main">
   <p:cSld>
     <p:spTree>
@@ -27699,7 +27758,7 @@
 </p:sld>
 </file>
 
-<file path=ppt/slides/slide28.xml><?xml version="1.0" encoding="utf-8"?>
+<file path=ppt/slides/slide27.xml><?xml version="1.0" encoding="utf-8"?>
 <p:sld xmlns:a="http://schemas.openxmlformats.org/drawingml/2006/main" xmlns:r="http://schemas.openxmlformats.org/officeDocument/2006/relationships" xmlns:p="http://schemas.openxmlformats.org/presentationml/2006/main">
   <p:cSld>
     <p:spTree>
@@ -27794,7 +27853,7 @@
 </p:sld>
 </file>
 
-<file path=ppt/slides/slide29.xml><?xml version="1.0" encoding="utf-8"?>
+<file path=ppt/slides/slide28.xml><?xml version="1.0" encoding="utf-8"?>
 <p:sld xmlns:a="http://schemas.openxmlformats.org/drawingml/2006/main" xmlns:r="http://schemas.openxmlformats.org/officeDocument/2006/relationships" xmlns:p="http://schemas.openxmlformats.org/presentationml/2006/main">
   <p:cSld>
     <p:spTree>
@@ -27889,151 +27948,7 @@
 </p:sld>
 </file>
 
-<file path=ppt/slides/slide3.xml><?xml version="1.0" encoding="utf-8"?>
-<p:sld xmlns:a="http://schemas.openxmlformats.org/drawingml/2006/main" xmlns:r="http://schemas.openxmlformats.org/officeDocument/2006/relationships" xmlns:p="http://schemas.openxmlformats.org/presentationml/2006/main">
-  <p:cSld>
-    <p:spTree>
-      <p:nvGrpSpPr>
-        <p:cNvPr id="1" name=""/>
-        <p:cNvGrpSpPr/>
-        <p:nvPr/>
-      </p:nvGrpSpPr>
-      <p:grpSpPr>
-        <a:xfrm>
-          <a:off x="0" y="0"/>
-          <a:ext cx="0" cy="0"/>
-          <a:chOff x="0" y="0"/>
-          <a:chExt cx="0" cy="0"/>
-        </a:xfrm>
-      </p:grpSpPr>
-      <p:sp>
-        <p:nvSpPr>
-          <p:cNvPr id="2" name="Title 1">
-            <a:extLst>
-              <a:ext uri="{FF2B5EF4-FFF2-40B4-BE49-F238E27FC236}">
-                <a16:creationId xmlns:a16="http://schemas.microsoft.com/office/drawing/2014/main" id="{1B55385C-589C-406F-8142-55598FFEDAA9}"/>
-              </a:ext>
-            </a:extLst>
-          </p:cNvPr>
-          <p:cNvSpPr>
-            <a:spLocks noGrp="1"/>
-          </p:cNvSpPr>
-          <p:nvPr>
-            <p:ph type="title"/>
-          </p:nvPr>
-        </p:nvSpPr>
-        <p:spPr>
-          <a:xfrm>
-            <a:off x="881467" y="885733"/>
-            <a:ext cx="10457600" cy="871600"/>
-          </a:xfrm>
-        </p:spPr>
-        <p:txBody>
-          <a:bodyPr wrap="square" anchor="ctr">
-            <a:normAutofit/>
-          </a:bodyPr>
-          <a:lstStyle/>
-          <a:p>
-            <a:r>
-              <a:rPr lang="en-NZ" sz="2000" b="1"/>
-              <a:t>Task 1 :</a:t>
-            </a:r>
-            <a:br>
-              <a:rPr lang="en-NZ" sz="2000" b="1"/>
-            </a:br>
-            <a:r>
-              <a:rPr lang="en-NZ" sz="2000" b="1"/>
-              <a:t/>
-            </a:r>
-            <a:br>
-              <a:rPr lang="en-NZ" sz="2000" b="1"/>
-            </a:br>
-            <a:r>
-              <a:rPr lang="en-NZ" sz="2000" b="1"/>
-              <a:t>Identify your client and the purpose of your website, who is your target audience?</a:t>
-            </a:r>
-          </a:p>
-        </p:txBody>
-      </p:sp>
-      <p:sp>
-        <p:nvSpPr>
-          <p:cNvPr id="8" name="Text Placeholder 2">
-            <a:extLst>
-              <a:ext uri="{FF2B5EF4-FFF2-40B4-BE49-F238E27FC236}">
-                <a16:creationId xmlns:a16="http://schemas.microsoft.com/office/drawing/2014/main" id="{489ED000-E1FD-4E14-9593-1CCDA29DD40F}"/>
-              </a:ext>
-            </a:extLst>
-          </p:cNvPr>
-          <p:cNvSpPr>
-            <a:spLocks noGrp="1"/>
-          </p:cNvSpPr>
-          <p:nvPr>
-            <p:ph type="body" idx="1"/>
-          </p:nvPr>
-        </p:nvSpPr>
-        <p:spPr>
-          <a:xfrm>
-            <a:off x="1599700" y="2132933"/>
-            <a:ext cx="8867600" cy="3848000"/>
-          </a:xfrm>
-        </p:spPr>
-        <p:txBody>
-          <a:bodyPr/>
-          <a:lstStyle/>
-          <a:p>
-            <a:r>
-              <a:rPr lang="en-GB" dirty="0"/>
-              <a:t>My client is the current OBHS Basketball coach Brent </a:t>
-            </a:r>
-            <a:r>
-              <a:rPr lang="en-GB" dirty="0" err="1" smtClean="0"/>
-              <a:t>Matehaere</a:t>
-            </a:r>
-            <a:r>
-              <a:rPr lang="en-GB" dirty="0" smtClean="0"/>
-              <a:t>. </a:t>
-            </a:r>
-          </a:p>
-          <a:p>
-            <a:r>
-              <a:rPr lang="en-GB" dirty="0" smtClean="0"/>
-              <a:t>The </a:t>
-            </a:r>
-            <a:r>
-              <a:rPr lang="en-GB" dirty="0"/>
-              <a:t>target audience will be anyone interested in the basketball team, either players or school pupils</a:t>
-            </a:r>
-            <a:r>
-              <a:rPr lang="en-GB" dirty="0" smtClean="0"/>
-              <a:t>.</a:t>
-            </a:r>
-          </a:p>
-          <a:p>
-            <a:r>
-              <a:rPr lang="en-GB" dirty="0" smtClean="0"/>
-              <a:t>This means the target audience demographic will likely be teenagers who are at school.</a:t>
-            </a:r>
-            <a:endParaRPr lang="en-GB" dirty="0"/>
-          </a:p>
-          <a:p>
-            <a:endParaRPr lang="en-US" dirty="0"/>
-          </a:p>
-        </p:txBody>
-      </p:sp>
-    </p:spTree>
-    <p:extLst>
-      <p:ext uri="{BB962C8B-B14F-4D97-AF65-F5344CB8AC3E}">
-        <p14:creationId xmlns:p14="http://schemas.microsoft.com/office/powerpoint/2010/main" val="2087781197"/>
-      </p:ext>
-    </p:extLst>
-  </p:cSld>
-  <p:clrMapOvr>
-    <a:masterClrMapping/>
-  </p:clrMapOvr>
-</p:sld>
-</file>
-
-<file path=ppt/slides/slide30.xml><?xml version="1.0" encoding="utf-8"?>
+<file path=ppt/slides/slide29.xml><?xml version="1.0" encoding="utf-8"?>
 <p:sld xmlns:a="http://schemas.openxmlformats.org/drawingml/2006/main" xmlns:r="http://schemas.openxmlformats.org/officeDocument/2006/relationships" xmlns:p="http://schemas.openxmlformats.org/presentationml/2006/main">
   <p:cSld>
     <p:spTree>
@@ -28128,7 +28043,138 @@
 </p:sld>
 </file>
 
-<file path=ppt/slides/slide31.xml><?xml version="1.0" encoding="utf-8"?>
+<file path=ppt/slides/slide3.xml><?xml version="1.0" encoding="utf-8"?>
+<p:sld xmlns:a="http://schemas.openxmlformats.org/drawingml/2006/main" xmlns:r="http://schemas.openxmlformats.org/officeDocument/2006/relationships" xmlns:p="http://schemas.openxmlformats.org/presentationml/2006/main">
+  <p:cSld>
+    <p:spTree>
+      <p:nvGrpSpPr>
+        <p:cNvPr id="1" name=""/>
+        <p:cNvGrpSpPr/>
+        <p:nvPr/>
+      </p:nvGrpSpPr>
+      <p:grpSpPr>
+        <a:xfrm>
+          <a:off x="0" y="0"/>
+          <a:ext cx="0" cy="0"/>
+          <a:chOff x="0" y="0"/>
+          <a:chExt cx="0" cy="0"/>
+        </a:xfrm>
+      </p:grpSpPr>
+      <p:sp>
+        <p:nvSpPr>
+          <p:cNvPr id="2" name="Title 1">
+            <a:extLst>
+              <a:ext uri="{FF2B5EF4-FFF2-40B4-BE49-F238E27FC236}">
+                <a16:creationId xmlns:a16="http://schemas.microsoft.com/office/drawing/2014/main" id="{1B55385C-589C-406F-8142-55598FFEDAA9}"/>
+              </a:ext>
+            </a:extLst>
+          </p:cNvPr>
+          <p:cNvSpPr>
+            <a:spLocks noGrp="1"/>
+          </p:cNvSpPr>
+          <p:nvPr>
+            <p:ph type="title"/>
+          </p:nvPr>
+        </p:nvSpPr>
+        <p:spPr>
+          <a:xfrm>
+            <a:off x="881467" y="885733"/>
+            <a:ext cx="10457600" cy="871600"/>
+          </a:xfrm>
+        </p:spPr>
+        <p:txBody>
+          <a:bodyPr wrap="square" anchor="ctr">
+            <a:normAutofit/>
+          </a:bodyPr>
+          <a:lstStyle/>
+          <a:p>
+            <a:r>
+              <a:rPr lang="en-NZ" sz="2000" b="1"/>
+              <a:t>Task 1 :</a:t>
+            </a:r>
+            <a:br>
+              <a:rPr lang="en-NZ" sz="2000" b="1"/>
+            </a:br>
+            <a:br>
+              <a:rPr lang="en-NZ" sz="2000" b="1"/>
+            </a:br>
+            <a:r>
+              <a:rPr lang="en-NZ" sz="2000" b="1"/>
+              <a:t>Identify your client and the purpose of your website, who is your target audience?</a:t>
+            </a:r>
+          </a:p>
+        </p:txBody>
+      </p:sp>
+      <p:sp>
+        <p:nvSpPr>
+          <p:cNvPr id="8" name="Text Placeholder 2">
+            <a:extLst>
+              <a:ext uri="{FF2B5EF4-FFF2-40B4-BE49-F238E27FC236}">
+                <a16:creationId xmlns:a16="http://schemas.microsoft.com/office/drawing/2014/main" id="{489ED000-E1FD-4E14-9593-1CCDA29DD40F}"/>
+              </a:ext>
+            </a:extLst>
+          </p:cNvPr>
+          <p:cNvSpPr>
+            <a:spLocks noGrp="1"/>
+          </p:cNvSpPr>
+          <p:nvPr>
+            <p:ph type="body" idx="1"/>
+          </p:nvPr>
+        </p:nvSpPr>
+        <p:spPr>
+          <a:xfrm>
+            <a:off x="1599700" y="2132933"/>
+            <a:ext cx="8867600" cy="3848000"/>
+          </a:xfrm>
+        </p:spPr>
+        <p:txBody>
+          <a:bodyPr/>
+          <a:lstStyle/>
+          <a:p>
+            <a:r>
+              <a:rPr lang="en-GB" dirty="0"/>
+              <a:t>My client is the current OBHS Basketball coach Brent </a:t>
+            </a:r>
+            <a:r>
+              <a:rPr lang="en-GB" dirty="0" err="1"/>
+              <a:t>Matehaere</a:t>
+            </a:r>
+            <a:r>
+              <a:rPr lang="en-GB" dirty="0"/>
+              <a:t>. </a:t>
+            </a:r>
+          </a:p>
+          <a:p>
+            <a:r>
+              <a:rPr lang="en-GB" dirty="0"/>
+              <a:t>The target audience will be anyone interested in the basketball team, either players or school pupils.</a:t>
+            </a:r>
+          </a:p>
+          <a:p>
+            <a:r>
+              <a:rPr lang="en-GB" dirty="0"/>
+              <a:t>This means the target audience demographic will likely be teenagers who are at school.</a:t>
+            </a:r>
+          </a:p>
+          <a:p>
+            <a:endParaRPr lang="en-US" dirty="0"/>
+          </a:p>
+        </p:txBody>
+      </p:sp>
+    </p:spTree>
+    <p:extLst>
+      <p:ext uri="{BB962C8B-B14F-4D97-AF65-F5344CB8AC3E}">
+        <p14:creationId xmlns:p14="http://schemas.microsoft.com/office/powerpoint/2010/main" val="2087781197"/>
+      </p:ext>
+    </p:extLst>
+  </p:cSld>
+  <p:clrMapOvr>
+    <a:masterClrMapping/>
+  </p:clrMapOvr>
+</p:sld>
+</file>
+
+<file path=ppt/slides/slide30.xml><?xml version="1.0" encoding="utf-8"?>
 <p:sld xmlns:a="http://schemas.openxmlformats.org/drawingml/2006/main" xmlns:r="http://schemas.openxmlformats.org/officeDocument/2006/relationships" xmlns:p="http://schemas.openxmlformats.org/presentationml/2006/main">
   <p:cSld>
     <p:spTree>
@@ -28270,13 +28316,8 @@
           <a:p>
             <a:r>
               <a:rPr lang="en-NZ" dirty="0"/>
-              <a:t>Relevant Implication #</a:t>
+              <a:t>Relevant Implication #1 – Copyright</a:t>
             </a:r>
-            <a:r>
-              <a:rPr lang="en-NZ" dirty="0" smtClean="0"/>
-              <a:t>1 – Copyright</a:t>
-            </a:r>
-            <a:endParaRPr lang="en-NZ" dirty="0"/>
           </a:p>
         </p:txBody>
       </p:sp>
@@ -28307,13 +28348,13 @@
           <a:lstStyle/>
           <a:p>
             <a:r>
-              <a:rPr lang="en-US" dirty="0" smtClean="0"/>
+              <a:rPr lang="en-US" dirty="0"/>
               <a:t>Copyright is an important implication as all images and logos used on the site must be used with proper permissions to ensure that the site isn’t breaking any laws.</a:t>
             </a:r>
           </a:p>
           <a:p>
             <a:r>
-              <a:rPr lang="en-US" dirty="0" smtClean="0"/>
+              <a:rPr lang="en-US" dirty="0"/>
               <a:t>All images uses will be used with permission from their creators and won’t be modified unless permission to do so is given.</a:t>
             </a:r>
           </a:p>
@@ -28385,13 +28426,8 @@
           <a:p>
             <a:r>
               <a:rPr lang="en-NZ" dirty="0"/>
-              <a:t>Relevant Implication #</a:t>
+              <a:t>Relevant Implication #2 -  Accessibility</a:t>
             </a:r>
-            <a:r>
-              <a:rPr lang="en-NZ" dirty="0" smtClean="0"/>
-              <a:t>2 -  Accessibility</a:t>
-            </a:r>
-            <a:endParaRPr lang="en-NZ" dirty="0"/>
           </a:p>
         </p:txBody>
       </p:sp>
@@ -28422,16 +28458,15 @@
           <a:lstStyle/>
           <a:p>
             <a:r>
-              <a:rPr lang="en-US" dirty="0" smtClean="0"/>
+              <a:rPr lang="en-US" dirty="0"/>
               <a:t>The site should be easily accessed by any device and any user at any time. </a:t>
             </a:r>
           </a:p>
           <a:p>
             <a:r>
-              <a:rPr lang="en-US" dirty="0" smtClean="0"/>
+              <a:rPr lang="en-US" dirty="0"/>
               <a:t>This is important to ensure that no matter what device is used to view the site it should still look appealing and function correctly. Furthermore, all browsers should be supported so that the site looks the same across each device.</a:t>
             </a:r>
-            <a:endParaRPr lang="en-US" dirty="0"/>
           </a:p>
         </p:txBody>
       </p:sp>
@@ -28495,13 +28530,8 @@
           <a:p>
             <a:r>
               <a:rPr lang="en-NZ" dirty="0"/>
-              <a:t>Relevant Implication #</a:t>
+              <a:t>Relevant Implication #3 - Aesthetic</a:t>
             </a:r>
-            <a:r>
-              <a:rPr lang="en-NZ" dirty="0" smtClean="0"/>
-              <a:t>3 - Aesthetic</a:t>
-            </a:r>
-            <a:endParaRPr lang="en-NZ" dirty="0"/>
           </a:p>
         </p:txBody>
       </p:sp>
@@ -28532,22 +28562,21 @@
           <a:lstStyle/>
           <a:p>
             <a:r>
-              <a:rPr lang="en-US" dirty="0" smtClean="0"/>
+              <a:rPr lang="en-US" dirty="0"/>
               <a:t>The website should look visually appealing with consistently styled elements and a theme that matches the clients logos.</a:t>
             </a:r>
           </a:p>
           <a:p>
             <a:r>
-              <a:rPr lang="en-US" dirty="0" smtClean="0"/>
+              <a:rPr lang="en-US" dirty="0"/>
               <a:t>The website should have a modern and appealing GUI with a vibrant color pallet that reflects the websites intentions.</a:t>
             </a:r>
           </a:p>
           <a:p>
             <a:r>
-              <a:rPr lang="en-US" dirty="0" smtClean="0"/>
+              <a:rPr lang="en-US" dirty="0"/>
               <a:t>The site should have a simple design and should not be difficult for users to look at or understand.</a:t>
             </a:r>
-            <a:endParaRPr lang="en-US" dirty="0"/>
           </a:p>
         </p:txBody>
       </p:sp>
@@ -28643,22 +28672,21 @@
           <a:lstStyle/>
           <a:p>
             <a:r>
-              <a:rPr lang="en-US" dirty="0" smtClean="0"/>
+              <a:rPr lang="en-US" dirty="0"/>
               <a:t>The site should contain information about the team and what they do.</a:t>
             </a:r>
           </a:p>
           <a:p>
             <a:r>
-              <a:rPr lang="en-US" dirty="0" smtClean="0"/>
+              <a:rPr lang="en-US" dirty="0"/>
               <a:t>The site should show the current team and their members </a:t>
             </a:r>
           </a:p>
           <a:p>
             <a:r>
-              <a:rPr lang="en-US" dirty="0" smtClean="0"/>
+              <a:rPr lang="en-US" dirty="0"/>
               <a:t>The website should show the teams schedule and current results for the season.</a:t>
             </a:r>
-            <a:endParaRPr lang="en-US" dirty="0"/>
           </a:p>
         </p:txBody>
       </p:sp>
@@ -28708,10 +28736,9 @@
           <a:lstStyle/>
           <a:p>
             <a:r>
-              <a:rPr lang="en-GB" dirty="0" smtClean="0"/>
+              <a:rPr lang="en-GB" dirty="0"/>
               <a:t>Client Specifications</a:t>
             </a:r>
-            <a:endParaRPr lang="en-GB" dirty="0"/>
           </a:p>
         </p:txBody>
       </p:sp>
@@ -28731,42 +28758,26 @@
           <a:lstStyle/>
           <a:p>
             <a:r>
-              <a:rPr lang="en-GB" sz="2000" dirty="0" smtClean="0"/>
-              <a:t>sophisticated </a:t>
-            </a:r>
-            <a:r>
               <a:rPr lang="en-GB" sz="2000" dirty="0"/>
-              <a:t>digital effects (CSS3)</a:t>
+              <a:t>sophisticated digital effects (CSS3)</a:t>
             </a:r>
           </a:p>
           <a:p>
             <a:r>
-              <a:rPr lang="en-GB" sz="2000" dirty="0" smtClean="0"/>
-              <a:t>responsive </a:t>
-            </a:r>
-            <a:r>
               <a:rPr lang="en-GB" sz="2000" dirty="0"/>
-              <a:t>design (mobile vs tablet vs desktop)</a:t>
+              <a:t>responsive design (mobile vs tablet vs desktop)</a:t>
             </a:r>
           </a:p>
           <a:p>
             <a:r>
-              <a:rPr lang="en-GB" sz="2000" dirty="0" smtClean="0"/>
-              <a:t>industry </a:t>
-            </a:r>
-            <a:r>
               <a:rPr lang="en-GB" sz="2000" dirty="0"/>
-              <a:t>standards or guidelines for layout/design</a:t>
+              <a:t>industry standards or guidelines for layout/design</a:t>
             </a:r>
           </a:p>
           <a:p>
             <a:r>
-              <a:rPr lang="en-GB" sz="2000" dirty="0" smtClean="0"/>
-              <a:t>integration </a:t>
-            </a:r>
-            <a:r>
               <a:rPr lang="en-GB" sz="2000" dirty="0"/>
-              <a:t>of original media types (your own photographs/ videos </a:t>
+              <a:t>integration of original media types (your own photographs/ videos </a:t>
             </a:r>
             <a:r>
               <a:rPr lang="en-GB" sz="2000" dirty="0" err="1"/>
@@ -28779,22 +28790,14 @@
           </a:p>
           <a:p>
             <a:r>
-              <a:rPr lang="en-GB" sz="2000" dirty="0" smtClean="0"/>
-              <a:t>coded </a:t>
-            </a:r>
-            <a:r>
               <a:rPr lang="en-GB" sz="2000" dirty="0"/>
-              <a:t>using HTML5/CSS3 language</a:t>
+              <a:t>coded using HTML5/CSS3 language</a:t>
             </a:r>
           </a:p>
           <a:p>
             <a:r>
-              <a:rPr lang="en-GB" sz="2000" dirty="0" smtClean="0"/>
-              <a:t>4 </a:t>
-            </a:r>
-            <a:r>
               <a:rPr lang="en-GB" sz="2000" dirty="0"/>
-              <a:t>html pages and with an externally linked style sheet / </a:t>
+              <a:t>4 html pages and with an externally linked style sheet / </a:t>
             </a:r>
             <a:r>
               <a:rPr lang="en-GB" sz="2000" dirty="0" err="1"/>
@@ -28859,10 +28862,9 @@
           <a:lstStyle/>
           <a:p>
             <a:r>
-              <a:rPr lang="en-GB" dirty="0" smtClean="0"/>
+              <a:rPr lang="en-GB" dirty="0"/>
               <a:t>Current Browsing trends</a:t>
             </a:r>
-            <a:endParaRPr lang="en-GB" dirty="0"/>
           </a:p>
         </p:txBody>
       </p:sp>

--- a/3.4 Assessment Resources/3.4 portfolio - Callum Cooper.pptx
+++ b/3.4 Assessment Resources/3.4 portfolio - Callum Cooper.pptx
@@ -360,7 +360,7 @@
           <a:p>
             <a:fld id="{64C79704-BB08-4EAE-94F0-F2BDD7FD57CF}" type="datetimeFigureOut">
               <a:rPr lang="en-NZ" smtClean="0"/>
-              <a:t>1/09/2020</a:t>
+              <a:t>2/09/2020</a:t>
             </a:fld>
             <a:endParaRPr lang="en-NZ"/>
           </a:p>
@@ -8052,7 +8052,7 @@
           <a:p>
             <a:fld id="{9FB06DCC-D8C5-4C31-9799-F290D7CE4553}" type="datetimeFigureOut">
               <a:rPr lang="en-NZ" smtClean="0"/>
-              <a:t>1/09/2020</a:t>
+              <a:t>2/09/2020</a:t>
             </a:fld>
             <a:endParaRPr lang="en-NZ"/>
           </a:p>
@@ -8222,7 +8222,7 @@
           <a:p>
             <a:fld id="{9FB06DCC-D8C5-4C31-9799-F290D7CE4553}" type="datetimeFigureOut">
               <a:rPr lang="en-NZ" smtClean="0"/>
-              <a:t>1/09/2020</a:t>
+              <a:t>2/09/2020</a:t>
             </a:fld>
             <a:endParaRPr lang="en-NZ"/>
           </a:p>
@@ -26202,7 +26202,7 @@
         </p:nvSpPr>
         <p:spPr>
           <a:xfrm>
-            <a:off x="1859107" y="5259500"/>
+            <a:off x="1956089" y="5986533"/>
             <a:ext cx="4236893" cy="307777"/>
           </a:xfrm>
           <a:prstGeom prst="rect">
@@ -26218,7 +26218,7 @@
           <a:p>
             <a:r>
               <a:rPr lang="en-NZ" dirty="0"/>
-              <a:t>Feedback:</a:t>
+              <a:t>Feedback: 11111</a:t>
             </a:r>
           </a:p>
         </p:txBody>
@@ -26237,7 +26237,7 @@
         </p:nvSpPr>
         <p:spPr>
           <a:xfrm>
-            <a:off x="6744280" y="5259499"/>
+            <a:off x="6928237" y="5942739"/>
             <a:ext cx="4236893" cy="307777"/>
           </a:xfrm>
           <a:prstGeom prst="rect">
@@ -26253,7 +26253,7 @@
           <a:p>
             <a:r>
               <a:rPr lang="en-NZ" dirty="0"/>
-              <a:t>Feedback:</a:t>
+              <a:t>Feedback: 1111</a:t>
             </a:r>
           </a:p>
         </p:txBody>
@@ -26482,7 +26482,7 @@
             </a:pPr>
             <a:r>
               <a:rPr lang="en-US" dirty="0"/>
-              <a:t>Feedback:</a:t>
+              <a:t>Feedback:111</a:t>
             </a:r>
           </a:p>
         </p:txBody>
@@ -26518,7 +26518,7 @@
             </a:pPr>
             <a:r>
               <a:rPr lang="en-US" dirty="0"/>
-              <a:t>Feedback:</a:t>
+              <a:t>Feedback: 111111</a:t>
             </a:r>
           </a:p>
         </p:txBody>

--- a/3.4 Assessment Resources/3.4 portfolio - Callum Cooper.pptx
+++ b/3.4 Assessment Resources/3.4 portfolio - Callum Cooper.pptx
@@ -5,7 +5,7 @@
     <p:sldMasterId id="2147483672" r:id="rId1"/>
   </p:sldMasterIdLst>
   <p:notesMasterIdLst>
-    <p:notesMasterId r:id="rId32"/>
+    <p:notesMasterId r:id="rId33"/>
   </p:notesMasterIdLst>
   <p:sldIdLst>
     <p:sldId id="256" r:id="rId2"/>
@@ -27,17 +27,18 @@
     <p:sldId id="268" r:id="rId18"/>
     <p:sldId id="293" r:id="rId19"/>
     <p:sldId id="267" r:id="rId20"/>
-    <p:sldId id="284" r:id="rId21"/>
-    <p:sldId id="294" r:id="rId22"/>
-    <p:sldId id="283" r:id="rId23"/>
-    <p:sldId id="271" r:id="rId24"/>
-    <p:sldId id="296" r:id="rId25"/>
-    <p:sldId id="295" r:id="rId26"/>
-    <p:sldId id="285" r:id="rId27"/>
-    <p:sldId id="276" r:id="rId28"/>
-    <p:sldId id="277" r:id="rId29"/>
-    <p:sldId id="297" r:id="rId30"/>
-    <p:sldId id="298" r:id="rId31"/>
+    <p:sldId id="304" r:id="rId21"/>
+    <p:sldId id="284" r:id="rId22"/>
+    <p:sldId id="294" r:id="rId23"/>
+    <p:sldId id="283" r:id="rId24"/>
+    <p:sldId id="271" r:id="rId25"/>
+    <p:sldId id="296" r:id="rId26"/>
+    <p:sldId id="295" r:id="rId27"/>
+    <p:sldId id="285" r:id="rId28"/>
+    <p:sldId id="276" r:id="rId29"/>
+    <p:sldId id="277" r:id="rId30"/>
+    <p:sldId id="297" r:id="rId31"/>
+    <p:sldId id="298" r:id="rId32"/>
   </p:sldIdLst>
   <p:sldSz cx="12192000" cy="6858000"/>
   <p:notesSz cx="6858000" cy="9144000"/>
@@ -783,7 +784,7 @@
           <a:p>
             <a:fld id="{8E1A8C66-1883-4FDF-B42F-BEAA1F4E6480}" type="slidenum">
               <a:rPr lang="en-NZ" smtClean="0"/>
-              <a:t>23</a:t>
+              <a:t>24</a:t>
             </a:fld>
             <a:endParaRPr lang="en-NZ"/>
           </a:p>
@@ -870,7 +871,7 @@
           <a:p>
             <a:fld id="{8E1A8C66-1883-4FDF-B42F-BEAA1F4E6480}" type="slidenum">
               <a:rPr lang="en-NZ" smtClean="0"/>
-              <a:t>24</a:t>
+              <a:t>25</a:t>
             </a:fld>
             <a:endParaRPr lang="en-NZ"/>
           </a:p>
@@ -985,7 +986,7 @@
           <a:p>
             <a:fld id="{8E1A8C66-1883-4FDF-B42F-BEAA1F4E6480}" type="slidenum">
               <a:rPr lang="en-NZ" smtClean="0"/>
-              <a:t>25</a:t>
+              <a:t>26</a:t>
             </a:fld>
             <a:endParaRPr lang="en-NZ"/>
           </a:p>
@@ -1072,7 +1073,7 @@
           <a:p>
             <a:fld id="{8E1A8C66-1883-4FDF-B42F-BEAA1F4E6480}" type="slidenum">
               <a:rPr lang="en-NZ" smtClean="0"/>
-              <a:t>29</a:t>
+              <a:t>30</a:t>
             </a:fld>
             <a:endParaRPr lang="en-NZ"/>
           </a:p>
@@ -24675,6 +24676,12 @@
                 <a:effectLst/>
               </a:rPr>
             </a:br>
+            <a:r>
+              <a:rPr lang="en-NZ" sz="3200" b="1" i="0" dirty="0">
+                <a:effectLst/>
+              </a:rPr>
+              <a:t/>
+            </a:r>
             <a:br>
               <a:rPr lang="en-NZ" sz="3200" b="1" i="0" dirty="0">
                 <a:effectLst/>
@@ -25356,6 +25363,10 @@
             <a:br>
               <a:rPr lang="en-NZ" sz="2000" b="1"/>
             </a:br>
+            <a:r>
+              <a:rPr lang="en-NZ" sz="2000" b="1"/>
+              <a:t/>
+            </a:r>
             <a:br>
               <a:rPr lang="en-NZ" sz="2000" b="1"/>
             </a:br>
@@ -26272,8 +26283,8 @@
         </p:nvSpPr>
         <p:spPr>
           <a:xfrm>
-            <a:off x="1477108" y="2039815"/>
-            <a:ext cx="4972148" cy="4692581"/>
+            <a:off x="1477107" y="2039815"/>
+            <a:ext cx="5160607" cy="4692581"/>
           </a:xfrm>
           <a:prstGeom prst="rect">
             <a:avLst/>
@@ -26927,10 +26938,64 @@
           <a:bodyPr/>
           <a:lstStyle/>
           <a:p>
-            <a:endParaRPr lang="en-US"/>
+            <a:pPr marL="101598" indent="0">
+              <a:buNone/>
+            </a:pPr>
+            <a:r>
+              <a:rPr lang="en-US" dirty="0" smtClean="0"/>
+              <a:t>Chosen fonts – </a:t>
+            </a:r>
+            <a:r>
+              <a:rPr lang="en-US" dirty="0" err="1" smtClean="0"/>
+              <a:t>Raleway</a:t>
+            </a:r>
+            <a:r>
+              <a:rPr lang="en-US" dirty="0" smtClean="0"/>
+              <a:t> + Montserrat</a:t>
+            </a:r>
+          </a:p>
+          <a:p>
+            <a:pPr marL="101598" indent="0">
+              <a:buNone/>
+            </a:pPr>
+            <a:endParaRPr lang="en-US" dirty="0" smtClean="0"/>
+          </a:p>
+          <a:p>
+            <a:pPr marL="101598" indent="0">
+              <a:buNone/>
+            </a:pPr>
+            <a:r>
+              <a:rPr lang="en-US" dirty="0" smtClean="0"/>
+              <a:t>Chosen color - </a:t>
+            </a:r>
+            <a:endParaRPr lang="en-US" dirty="0"/>
           </a:p>
         </p:txBody>
       </p:sp>
+      <p:pic>
+        <p:nvPicPr>
+          <p:cNvPr id="6" name="Picture 5"/>
+          <p:cNvPicPr>
+            <a:picLocks noChangeAspect="1"/>
+          </p:cNvPicPr>
+          <p:nvPr/>
+        </p:nvPicPr>
+        <p:blipFill>
+          <a:blip r:embed="rId3"/>
+          <a:stretch>
+            <a:fillRect/>
+          </a:stretch>
+        </p:blipFill>
+        <p:spPr>
+          <a:xfrm>
+            <a:off x="3826570" y="2911851"/>
+            <a:ext cx="8962216" cy="3069082"/>
+          </a:xfrm>
+          <a:prstGeom prst="rect">
+            <a:avLst/>
+          </a:prstGeom>
+        </p:spPr>
+      </p:pic>
     </p:spTree>
     <p:extLst>
       <p:ext uri="{BB962C8B-B14F-4D97-AF65-F5344CB8AC3E}">
@@ -27069,6 +27134,98 @@
       </p:grpSpPr>
       <p:sp>
         <p:nvSpPr>
+          <p:cNvPr id="2" name="Title 1"/>
+          <p:cNvSpPr>
+            <a:spLocks noGrp="1"/>
+          </p:cNvSpPr>
+          <p:nvPr>
+            <p:ph type="title"/>
+          </p:nvPr>
+        </p:nvSpPr>
+        <p:spPr/>
+        <p:txBody>
+          <a:bodyPr/>
+          <a:lstStyle/>
+          <a:p>
+            <a:endParaRPr lang="en-GB"/>
+          </a:p>
+        </p:txBody>
+      </p:sp>
+      <p:pic>
+        <p:nvPicPr>
+          <p:cNvPr id="4" name="Picture 3"/>
+          <p:cNvPicPr>
+            <a:picLocks noChangeAspect="1"/>
+          </p:cNvPicPr>
+          <p:nvPr/>
+        </p:nvPicPr>
+        <p:blipFill>
+          <a:blip r:embed="rId2"/>
+          <a:stretch>
+            <a:fillRect/>
+          </a:stretch>
+        </p:blipFill>
+        <p:spPr>
+          <a:xfrm>
+            <a:off x="0" y="0"/>
+            <a:ext cx="5943600" cy="7915275"/>
+          </a:xfrm>
+          <a:prstGeom prst="rect">
+            <a:avLst/>
+          </a:prstGeom>
+        </p:spPr>
+      </p:pic>
+      <p:sp>
+        <p:nvSpPr>
+          <p:cNvPr id="3" name="Text Placeholder 2"/>
+          <p:cNvSpPr>
+            <a:spLocks noGrp="1"/>
+          </p:cNvSpPr>
+          <p:nvPr>
+            <p:ph type="body" idx="1"/>
+          </p:nvPr>
+        </p:nvSpPr>
+        <p:spPr/>
+        <p:txBody>
+          <a:bodyPr/>
+          <a:lstStyle/>
+          <a:p>
+            <a:endParaRPr lang="en-GB" dirty="0"/>
+          </a:p>
+        </p:txBody>
+      </p:sp>
+    </p:spTree>
+    <p:extLst>
+      <p:ext uri="{BB962C8B-B14F-4D97-AF65-F5344CB8AC3E}">
+        <p14:creationId xmlns:p14="http://schemas.microsoft.com/office/powerpoint/2010/main" val="1474788287"/>
+      </p:ext>
+    </p:extLst>
+  </p:cSld>
+  <p:clrMapOvr>
+    <a:masterClrMapping/>
+  </p:clrMapOvr>
+</p:sld>
+</file>
+
+<file path=ppt/slides/slide21.xml><?xml version="1.0" encoding="utf-8"?>
+<p:sld xmlns:a="http://schemas.openxmlformats.org/drawingml/2006/main" xmlns:r="http://schemas.openxmlformats.org/officeDocument/2006/relationships" xmlns:p="http://schemas.openxmlformats.org/presentationml/2006/main">
+  <p:cSld>
+    <p:spTree>
+      <p:nvGrpSpPr>
+        <p:cNvPr id="1" name=""/>
+        <p:cNvGrpSpPr/>
+        <p:nvPr/>
+      </p:nvGrpSpPr>
+      <p:grpSpPr>
+        <a:xfrm>
+          <a:off x="0" y="0"/>
+          <a:ext cx="0" cy="0"/>
+          <a:chOff x="0" y="0"/>
+          <a:chExt cx="0" cy="0"/>
+        </a:xfrm>
+      </p:grpSpPr>
+      <p:sp>
+        <p:nvSpPr>
           <p:cNvPr id="3" name="Content Placeholder 2">
             <a:extLst>
               <a:ext uri="{FF2B5EF4-FFF2-40B4-BE49-F238E27FC236}">
@@ -27118,7 +27275,7 @@
 </p:sld>
 </file>
 
-<file path=ppt/slides/slide21.xml><?xml version="1.0" encoding="utf-8"?>
+<file path=ppt/slides/slide22.xml><?xml version="1.0" encoding="utf-8"?>
 <p:sld xmlns:a="http://schemas.openxmlformats.org/drawingml/2006/main" xmlns:r="http://schemas.openxmlformats.org/officeDocument/2006/relationships" xmlns:p="http://schemas.openxmlformats.org/presentationml/2006/main">
   <p:cSld>
     <p:spTree>
@@ -27213,7 +27370,7 @@
 </p:sld>
 </file>
 
-<file path=ppt/slides/slide22.xml><?xml version="1.0" encoding="utf-8"?>
+<file path=ppt/slides/slide23.xml><?xml version="1.0" encoding="utf-8"?>
 <p:sld xmlns:a="http://schemas.openxmlformats.org/drawingml/2006/main" xmlns:r="http://schemas.openxmlformats.org/officeDocument/2006/relationships" xmlns:p="http://schemas.openxmlformats.org/presentationml/2006/main">
   <p:cSld>
     <p:spTree>
@@ -27281,7 +27438,7 @@
 </p:sld>
 </file>
 
-<file path=ppt/slides/slide23.xml><?xml version="1.0" encoding="utf-8"?>
+<file path=ppt/slides/slide24.xml><?xml version="1.0" encoding="utf-8"?>
 <p:sld xmlns:a="http://schemas.openxmlformats.org/drawingml/2006/main" xmlns:r="http://schemas.openxmlformats.org/officeDocument/2006/relationships" xmlns:p="http://schemas.openxmlformats.org/presentationml/2006/main">
   <p:cSld>
     <p:spTree>
@@ -27333,6 +27490,10 @@
             <a:br>
               <a:rPr lang="en-NZ" sz="2000" b="1" dirty="0"/>
             </a:br>
+            <a:r>
+              <a:rPr lang="en-NZ" sz="2000" b="1" dirty="0"/>
+              <a:t/>
+            </a:r>
             <a:br>
               <a:rPr lang="en-NZ" sz="2000" b="1" dirty="0"/>
             </a:br>
@@ -27447,7 +27608,7 @@
 </p:sld>
 </file>
 
-<file path=ppt/slides/slide24.xml><?xml version="1.0" encoding="utf-8"?>
+<file path=ppt/slides/slide25.xml><?xml version="1.0" encoding="utf-8"?>
 <p:sld xmlns:a="http://schemas.openxmlformats.org/drawingml/2006/main" xmlns:r="http://schemas.openxmlformats.org/officeDocument/2006/relationships" xmlns:p="http://schemas.openxmlformats.org/presentationml/2006/main">
   <p:cSld>
     <p:spTree>
@@ -27499,6 +27660,10 @@
             <a:br>
               <a:rPr lang="en-NZ" sz="2000" b="1"/>
             </a:br>
+            <a:r>
+              <a:rPr lang="en-NZ" sz="2000" b="1"/>
+              <a:t/>
+            </a:r>
             <a:br>
               <a:rPr lang="en-NZ" sz="2000" b="1"/>
             </a:br>
@@ -27553,7 +27718,7 @@
 </p:sld>
 </file>
 
-<file path=ppt/slides/slide25.xml><?xml version="1.0" encoding="utf-8"?>
+<file path=ppt/slides/slide26.xml><?xml version="1.0" encoding="utf-8"?>
 <p:sld xmlns:a="http://schemas.openxmlformats.org/drawingml/2006/main" xmlns:r="http://schemas.openxmlformats.org/officeDocument/2006/relationships" xmlns:p="http://schemas.openxmlformats.org/presentationml/2006/main">
   <p:cSld>
     <p:spTree>
@@ -27656,7 +27821,7 @@
 </p:sld>
 </file>
 
-<file path=ppt/slides/slide26.xml><?xml version="1.0" encoding="utf-8"?>
+<file path=ppt/slides/slide27.xml><?xml version="1.0" encoding="utf-8"?>
 <p:sld xmlns:a="http://schemas.openxmlformats.org/drawingml/2006/main" xmlns:r="http://schemas.openxmlformats.org/officeDocument/2006/relationships" xmlns:p="http://schemas.openxmlformats.org/presentationml/2006/main">
   <p:cSld>
     <p:spTree>
@@ -27758,7 +27923,7 @@
 </p:sld>
 </file>
 
-<file path=ppt/slides/slide27.xml><?xml version="1.0" encoding="utf-8"?>
+<file path=ppt/slides/slide28.xml><?xml version="1.0" encoding="utf-8"?>
 <p:sld xmlns:a="http://schemas.openxmlformats.org/drawingml/2006/main" xmlns:r="http://schemas.openxmlformats.org/officeDocument/2006/relationships" xmlns:p="http://schemas.openxmlformats.org/presentationml/2006/main">
   <p:cSld>
     <p:spTree>
@@ -27853,7 +28018,7 @@
 </p:sld>
 </file>
 
-<file path=ppt/slides/slide28.xml><?xml version="1.0" encoding="utf-8"?>
+<file path=ppt/slides/slide29.xml><?xml version="1.0" encoding="utf-8"?>
 <p:sld xmlns:a="http://schemas.openxmlformats.org/drawingml/2006/main" xmlns:r="http://schemas.openxmlformats.org/officeDocument/2006/relationships" xmlns:p="http://schemas.openxmlformats.org/presentationml/2006/main">
   <p:cSld>
     <p:spTree>
@@ -27948,7 +28113,142 @@
 </p:sld>
 </file>
 
-<file path=ppt/slides/slide29.xml><?xml version="1.0" encoding="utf-8"?>
+<file path=ppt/slides/slide3.xml><?xml version="1.0" encoding="utf-8"?>
+<p:sld xmlns:a="http://schemas.openxmlformats.org/drawingml/2006/main" xmlns:r="http://schemas.openxmlformats.org/officeDocument/2006/relationships" xmlns:p="http://schemas.openxmlformats.org/presentationml/2006/main">
+  <p:cSld>
+    <p:spTree>
+      <p:nvGrpSpPr>
+        <p:cNvPr id="1" name=""/>
+        <p:cNvGrpSpPr/>
+        <p:nvPr/>
+      </p:nvGrpSpPr>
+      <p:grpSpPr>
+        <a:xfrm>
+          <a:off x="0" y="0"/>
+          <a:ext cx="0" cy="0"/>
+          <a:chOff x="0" y="0"/>
+          <a:chExt cx="0" cy="0"/>
+        </a:xfrm>
+      </p:grpSpPr>
+      <p:sp>
+        <p:nvSpPr>
+          <p:cNvPr id="2" name="Title 1">
+            <a:extLst>
+              <a:ext uri="{FF2B5EF4-FFF2-40B4-BE49-F238E27FC236}">
+                <a16:creationId xmlns:a16="http://schemas.microsoft.com/office/drawing/2014/main" id="{1B55385C-589C-406F-8142-55598FFEDAA9}"/>
+              </a:ext>
+            </a:extLst>
+          </p:cNvPr>
+          <p:cNvSpPr>
+            <a:spLocks noGrp="1"/>
+          </p:cNvSpPr>
+          <p:nvPr>
+            <p:ph type="title"/>
+          </p:nvPr>
+        </p:nvSpPr>
+        <p:spPr>
+          <a:xfrm>
+            <a:off x="881467" y="885733"/>
+            <a:ext cx="10457600" cy="871600"/>
+          </a:xfrm>
+        </p:spPr>
+        <p:txBody>
+          <a:bodyPr wrap="square" anchor="ctr">
+            <a:normAutofit/>
+          </a:bodyPr>
+          <a:lstStyle/>
+          <a:p>
+            <a:r>
+              <a:rPr lang="en-NZ" sz="2000" b="1"/>
+              <a:t>Task 1 :</a:t>
+            </a:r>
+            <a:br>
+              <a:rPr lang="en-NZ" sz="2000" b="1"/>
+            </a:br>
+            <a:r>
+              <a:rPr lang="en-NZ" sz="2000" b="1"/>
+              <a:t/>
+            </a:r>
+            <a:br>
+              <a:rPr lang="en-NZ" sz="2000" b="1"/>
+            </a:br>
+            <a:r>
+              <a:rPr lang="en-NZ" sz="2000" b="1"/>
+              <a:t>Identify your client and the purpose of your website, who is your target audience?</a:t>
+            </a:r>
+          </a:p>
+        </p:txBody>
+      </p:sp>
+      <p:sp>
+        <p:nvSpPr>
+          <p:cNvPr id="8" name="Text Placeholder 2">
+            <a:extLst>
+              <a:ext uri="{FF2B5EF4-FFF2-40B4-BE49-F238E27FC236}">
+                <a16:creationId xmlns:a16="http://schemas.microsoft.com/office/drawing/2014/main" id="{489ED000-E1FD-4E14-9593-1CCDA29DD40F}"/>
+              </a:ext>
+            </a:extLst>
+          </p:cNvPr>
+          <p:cNvSpPr>
+            <a:spLocks noGrp="1"/>
+          </p:cNvSpPr>
+          <p:nvPr>
+            <p:ph type="body" idx="1"/>
+          </p:nvPr>
+        </p:nvSpPr>
+        <p:spPr>
+          <a:xfrm>
+            <a:off x="1599700" y="2132933"/>
+            <a:ext cx="8867600" cy="3848000"/>
+          </a:xfrm>
+        </p:spPr>
+        <p:txBody>
+          <a:bodyPr/>
+          <a:lstStyle/>
+          <a:p>
+            <a:r>
+              <a:rPr lang="en-GB" dirty="0"/>
+              <a:t>My client is the current OBHS Basketball coach Brent </a:t>
+            </a:r>
+            <a:r>
+              <a:rPr lang="en-GB" dirty="0" err="1"/>
+              <a:t>Matehaere</a:t>
+            </a:r>
+            <a:r>
+              <a:rPr lang="en-GB" dirty="0"/>
+              <a:t>. </a:t>
+            </a:r>
+          </a:p>
+          <a:p>
+            <a:r>
+              <a:rPr lang="en-GB" dirty="0"/>
+              <a:t>The target audience will be anyone interested in the basketball team, either players or school pupils.</a:t>
+            </a:r>
+          </a:p>
+          <a:p>
+            <a:r>
+              <a:rPr lang="en-GB" dirty="0"/>
+              <a:t>This means the target audience demographic will likely be teenagers who are at school.</a:t>
+            </a:r>
+          </a:p>
+          <a:p>
+            <a:endParaRPr lang="en-US" dirty="0"/>
+          </a:p>
+        </p:txBody>
+      </p:sp>
+    </p:spTree>
+    <p:extLst>
+      <p:ext uri="{BB962C8B-B14F-4D97-AF65-F5344CB8AC3E}">
+        <p14:creationId xmlns:p14="http://schemas.microsoft.com/office/powerpoint/2010/main" val="2087781197"/>
+      </p:ext>
+    </p:extLst>
+  </p:cSld>
+  <p:clrMapOvr>
+    <a:masterClrMapping/>
+  </p:clrMapOvr>
+</p:sld>
+</file>
+
+<file path=ppt/slides/slide30.xml><?xml version="1.0" encoding="utf-8"?>
 <p:sld xmlns:a="http://schemas.openxmlformats.org/drawingml/2006/main" xmlns:r="http://schemas.openxmlformats.org/officeDocument/2006/relationships" xmlns:p="http://schemas.openxmlformats.org/presentationml/2006/main">
   <p:cSld>
     <p:spTree>
@@ -28043,138 +28343,7 @@
 </p:sld>
 </file>
 
-<file path=ppt/slides/slide3.xml><?xml version="1.0" encoding="utf-8"?>
-<p:sld xmlns:a="http://schemas.openxmlformats.org/drawingml/2006/main" xmlns:r="http://schemas.openxmlformats.org/officeDocument/2006/relationships" xmlns:p="http://schemas.openxmlformats.org/presentationml/2006/main">
-  <p:cSld>
-    <p:spTree>
-      <p:nvGrpSpPr>
-        <p:cNvPr id="1" name=""/>
-        <p:cNvGrpSpPr/>
-        <p:nvPr/>
-      </p:nvGrpSpPr>
-      <p:grpSpPr>
-        <a:xfrm>
-          <a:off x="0" y="0"/>
-          <a:ext cx="0" cy="0"/>
-          <a:chOff x="0" y="0"/>
-          <a:chExt cx="0" cy="0"/>
-        </a:xfrm>
-      </p:grpSpPr>
-      <p:sp>
-        <p:nvSpPr>
-          <p:cNvPr id="2" name="Title 1">
-            <a:extLst>
-              <a:ext uri="{FF2B5EF4-FFF2-40B4-BE49-F238E27FC236}">
-                <a16:creationId xmlns:a16="http://schemas.microsoft.com/office/drawing/2014/main" id="{1B55385C-589C-406F-8142-55598FFEDAA9}"/>
-              </a:ext>
-            </a:extLst>
-          </p:cNvPr>
-          <p:cNvSpPr>
-            <a:spLocks noGrp="1"/>
-          </p:cNvSpPr>
-          <p:nvPr>
-            <p:ph type="title"/>
-          </p:nvPr>
-        </p:nvSpPr>
-        <p:spPr>
-          <a:xfrm>
-            <a:off x="881467" y="885733"/>
-            <a:ext cx="10457600" cy="871600"/>
-          </a:xfrm>
-        </p:spPr>
-        <p:txBody>
-          <a:bodyPr wrap="square" anchor="ctr">
-            <a:normAutofit/>
-          </a:bodyPr>
-          <a:lstStyle/>
-          <a:p>
-            <a:r>
-              <a:rPr lang="en-NZ" sz="2000" b="1"/>
-              <a:t>Task 1 :</a:t>
-            </a:r>
-            <a:br>
-              <a:rPr lang="en-NZ" sz="2000" b="1"/>
-            </a:br>
-            <a:br>
-              <a:rPr lang="en-NZ" sz="2000" b="1"/>
-            </a:br>
-            <a:r>
-              <a:rPr lang="en-NZ" sz="2000" b="1"/>
-              <a:t>Identify your client and the purpose of your website, who is your target audience?</a:t>
-            </a:r>
-          </a:p>
-        </p:txBody>
-      </p:sp>
-      <p:sp>
-        <p:nvSpPr>
-          <p:cNvPr id="8" name="Text Placeholder 2">
-            <a:extLst>
-              <a:ext uri="{FF2B5EF4-FFF2-40B4-BE49-F238E27FC236}">
-                <a16:creationId xmlns:a16="http://schemas.microsoft.com/office/drawing/2014/main" id="{489ED000-E1FD-4E14-9593-1CCDA29DD40F}"/>
-              </a:ext>
-            </a:extLst>
-          </p:cNvPr>
-          <p:cNvSpPr>
-            <a:spLocks noGrp="1"/>
-          </p:cNvSpPr>
-          <p:nvPr>
-            <p:ph type="body" idx="1"/>
-          </p:nvPr>
-        </p:nvSpPr>
-        <p:spPr>
-          <a:xfrm>
-            <a:off x="1599700" y="2132933"/>
-            <a:ext cx="8867600" cy="3848000"/>
-          </a:xfrm>
-        </p:spPr>
-        <p:txBody>
-          <a:bodyPr/>
-          <a:lstStyle/>
-          <a:p>
-            <a:r>
-              <a:rPr lang="en-GB" dirty="0"/>
-              <a:t>My client is the current OBHS Basketball coach Brent </a:t>
-            </a:r>
-            <a:r>
-              <a:rPr lang="en-GB" dirty="0" err="1"/>
-              <a:t>Matehaere</a:t>
-            </a:r>
-            <a:r>
-              <a:rPr lang="en-GB" dirty="0"/>
-              <a:t>. </a:t>
-            </a:r>
-          </a:p>
-          <a:p>
-            <a:r>
-              <a:rPr lang="en-GB" dirty="0"/>
-              <a:t>The target audience will be anyone interested in the basketball team, either players or school pupils.</a:t>
-            </a:r>
-          </a:p>
-          <a:p>
-            <a:r>
-              <a:rPr lang="en-GB" dirty="0"/>
-              <a:t>This means the target audience demographic will likely be teenagers who are at school.</a:t>
-            </a:r>
-          </a:p>
-          <a:p>
-            <a:endParaRPr lang="en-US" dirty="0"/>
-          </a:p>
-        </p:txBody>
-      </p:sp>
-    </p:spTree>
-    <p:extLst>
-      <p:ext uri="{BB962C8B-B14F-4D97-AF65-F5344CB8AC3E}">
-        <p14:creationId xmlns:p14="http://schemas.microsoft.com/office/powerpoint/2010/main" val="2087781197"/>
-      </p:ext>
-    </p:extLst>
-  </p:cSld>
-  <p:clrMapOvr>
-    <a:masterClrMapping/>
-  </p:clrMapOvr>
-</p:sld>
-</file>
-
-<file path=ppt/slides/slide30.xml><?xml version="1.0" encoding="utf-8"?>
+<file path=ppt/slides/slide31.xml><?xml version="1.0" encoding="utf-8"?>
 <p:sld xmlns:a="http://schemas.openxmlformats.org/drawingml/2006/main" xmlns:r="http://schemas.openxmlformats.org/officeDocument/2006/relationships" xmlns:p="http://schemas.openxmlformats.org/presentationml/2006/main">
   <p:cSld>
     <p:spTree>

--- a/3.4 Assessment Resources/3.4 portfolio - Callum Cooper.pptx
+++ b/3.4 Assessment Resources/3.4 portfolio - Callum Cooper.pptx
@@ -5,7 +5,7 @@
     <p:sldMasterId id="2147483672" r:id="rId1"/>
   </p:sldMasterIdLst>
   <p:notesMasterIdLst>
-    <p:notesMasterId r:id="rId33"/>
+    <p:notesMasterId r:id="rId35"/>
   </p:notesMasterIdLst>
   <p:sldIdLst>
     <p:sldId id="256" r:id="rId2"/>
@@ -27,18 +27,20 @@
     <p:sldId id="268" r:id="rId18"/>
     <p:sldId id="293" r:id="rId19"/>
     <p:sldId id="267" r:id="rId20"/>
-    <p:sldId id="304" r:id="rId21"/>
-    <p:sldId id="284" r:id="rId22"/>
-    <p:sldId id="294" r:id="rId23"/>
-    <p:sldId id="283" r:id="rId24"/>
-    <p:sldId id="271" r:id="rId25"/>
-    <p:sldId id="296" r:id="rId26"/>
-    <p:sldId id="295" r:id="rId27"/>
-    <p:sldId id="285" r:id="rId28"/>
-    <p:sldId id="276" r:id="rId29"/>
-    <p:sldId id="277" r:id="rId30"/>
-    <p:sldId id="297" r:id="rId31"/>
-    <p:sldId id="298" r:id="rId32"/>
+    <p:sldId id="284" r:id="rId21"/>
+    <p:sldId id="294" r:id="rId22"/>
+    <p:sldId id="306" r:id="rId23"/>
+    <p:sldId id="304" r:id="rId24"/>
+    <p:sldId id="305" r:id="rId25"/>
+    <p:sldId id="283" r:id="rId26"/>
+    <p:sldId id="271" r:id="rId27"/>
+    <p:sldId id="296" r:id="rId28"/>
+    <p:sldId id="295" r:id="rId29"/>
+    <p:sldId id="285" r:id="rId30"/>
+    <p:sldId id="276" r:id="rId31"/>
+    <p:sldId id="277" r:id="rId32"/>
+    <p:sldId id="297" r:id="rId33"/>
+    <p:sldId id="298" r:id="rId34"/>
   </p:sldIdLst>
   <p:sldSz cx="12192000" cy="6858000"/>
   <p:notesSz cx="6858000" cy="9144000"/>
@@ -361,7 +363,7 @@
           <a:p>
             <a:fld id="{64C79704-BB08-4EAE-94F0-F2BDD7FD57CF}" type="datetimeFigureOut">
               <a:rPr lang="en-NZ" smtClean="0"/>
-              <a:t>2/09/2020</a:t>
+              <a:t>3/09/2020</a:t>
             </a:fld>
             <a:endParaRPr lang="en-NZ"/>
           </a:p>
@@ -784,7 +786,7 @@
           <a:p>
             <a:fld id="{8E1A8C66-1883-4FDF-B42F-BEAA1F4E6480}" type="slidenum">
               <a:rPr lang="en-NZ" smtClean="0"/>
-              <a:t>24</a:t>
+              <a:t>26</a:t>
             </a:fld>
             <a:endParaRPr lang="en-NZ"/>
           </a:p>
@@ -871,7 +873,7 @@
           <a:p>
             <a:fld id="{8E1A8C66-1883-4FDF-B42F-BEAA1F4E6480}" type="slidenum">
               <a:rPr lang="en-NZ" smtClean="0"/>
-              <a:t>25</a:t>
+              <a:t>27</a:t>
             </a:fld>
             <a:endParaRPr lang="en-NZ"/>
           </a:p>
@@ -986,7 +988,7 @@
           <a:p>
             <a:fld id="{8E1A8C66-1883-4FDF-B42F-BEAA1F4E6480}" type="slidenum">
               <a:rPr lang="en-NZ" smtClean="0"/>
-              <a:t>26</a:t>
+              <a:t>28</a:t>
             </a:fld>
             <a:endParaRPr lang="en-NZ"/>
           </a:p>
@@ -1073,7 +1075,7 @@
           <a:p>
             <a:fld id="{8E1A8C66-1883-4FDF-B42F-BEAA1F4E6480}" type="slidenum">
               <a:rPr lang="en-NZ" smtClean="0"/>
-              <a:t>30</a:t>
+              <a:t>32</a:t>
             </a:fld>
             <a:endParaRPr lang="en-NZ"/>
           </a:p>
@@ -8053,7 +8055,7 @@
           <a:p>
             <a:fld id="{9FB06DCC-D8C5-4C31-9799-F290D7CE4553}" type="datetimeFigureOut">
               <a:rPr lang="en-NZ" smtClean="0"/>
-              <a:t>2/09/2020</a:t>
+              <a:t>3/09/2020</a:t>
             </a:fld>
             <a:endParaRPr lang="en-NZ"/>
           </a:p>
@@ -8223,7 +8225,7 @@
           <a:p>
             <a:fld id="{9FB06DCC-D8C5-4C31-9799-F290D7CE4553}" type="datetimeFigureOut">
               <a:rPr lang="en-NZ" smtClean="0"/>
-              <a:t>2/09/2020</a:t>
+              <a:t>3/09/2020</a:t>
             </a:fld>
             <a:endParaRPr lang="en-NZ"/>
           </a:p>
@@ -27134,98 +27136,6 @@
       </p:grpSpPr>
       <p:sp>
         <p:nvSpPr>
-          <p:cNvPr id="2" name="Title 1"/>
-          <p:cNvSpPr>
-            <a:spLocks noGrp="1"/>
-          </p:cNvSpPr>
-          <p:nvPr>
-            <p:ph type="title"/>
-          </p:nvPr>
-        </p:nvSpPr>
-        <p:spPr/>
-        <p:txBody>
-          <a:bodyPr/>
-          <a:lstStyle/>
-          <a:p>
-            <a:endParaRPr lang="en-GB"/>
-          </a:p>
-        </p:txBody>
-      </p:sp>
-      <p:pic>
-        <p:nvPicPr>
-          <p:cNvPr id="4" name="Picture 3"/>
-          <p:cNvPicPr>
-            <a:picLocks noChangeAspect="1"/>
-          </p:cNvPicPr>
-          <p:nvPr/>
-        </p:nvPicPr>
-        <p:blipFill>
-          <a:blip r:embed="rId2"/>
-          <a:stretch>
-            <a:fillRect/>
-          </a:stretch>
-        </p:blipFill>
-        <p:spPr>
-          <a:xfrm>
-            <a:off x="0" y="0"/>
-            <a:ext cx="5943600" cy="7915275"/>
-          </a:xfrm>
-          <a:prstGeom prst="rect">
-            <a:avLst/>
-          </a:prstGeom>
-        </p:spPr>
-      </p:pic>
-      <p:sp>
-        <p:nvSpPr>
-          <p:cNvPr id="3" name="Text Placeholder 2"/>
-          <p:cNvSpPr>
-            <a:spLocks noGrp="1"/>
-          </p:cNvSpPr>
-          <p:nvPr>
-            <p:ph type="body" idx="1"/>
-          </p:nvPr>
-        </p:nvSpPr>
-        <p:spPr/>
-        <p:txBody>
-          <a:bodyPr/>
-          <a:lstStyle/>
-          <a:p>
-            <a:endParaRPr lang="en-GB" dirty="0"/>
-          </a:p>
-        </p:txBody>
-      </p:sp>
-    </p:spTree>
-    <p:extLst>
-      <p:ext uri="{BB962C8B-B14F-4D97-AF65-F5344CB8AC3E}">
-        <p14:creationId xmlns:p14="http://schemas.microsoft.com/office/powerpoint/2010/main" val="1474788287"/>
-      </p:ext>
-    </p:extLst>
-  </p:cSld>
-  <p:clrMapOvr>
-    <a:masterClrMapping/>
-  </p:clrMapOvr>
-</p:sld>
-</file>
-
-<file path=ppt/slides/slide21.xml><?xml version="1.0" encoding="utf-8"?>
-<p:sld xmlns:a="http://schemas.openxmlformats.org/drawingml/2006/main" xmlns:r="http://schemas.openxmlformats.org/officeDocument/2006/relationships" xmlns:p="http://schemas.openxmlformats.org/presentationml/2006/main">
-  <p:cSld>
-    <p:spTree>
-      <p:nvGrpSpPr>
-        <p:cNvPr id="1" name=""/>
-        <p:cNvGrpSpPr/>
-        <p:nvPr/>
-      </p:nvGrpSpPr>
-      <p:grpSpPr>
-        <a:xfrm>
-          <a:off x="0" y="0"/>
-          <a:ext cx="0" cy="0"/>
-          <a:chOff x="0" y="0"/>
-          <a:chExt cx="0" cy="0"/>
-        </a:xfrm>
-      </p:grpSpPr>
-      <p:sp>
-        <p:nvSpPr>
           <p:cNvPr id="3" name="Content Placeholder 2">
             <a:extLst>
               <a:ext uri="{FF2B5EF4-FFF2-40B4-BE49-F238E27FC236}">
@@ -27275,7 +27185,7 @@
 </p:sld>
 </file>
 
-<file path=ppt/slides/slide22.xml><?xml version="1.0" encoding="utf-8"?>
+<file path=ppt/slides/slide21.xml><?xml version="1.0" encoding="utf-8"?>
 <p:sld xmlns:a="http://schemas.openxmlformats.org/drawingml/2006/main" xmlns:r="http://schemas.openxmlformats.org/officeDocument/2006/relationships" xmlns:p="http://schemas.openxmlformats.org/presentationml/2006/main">
   <p:cSld>
     <p:spTree>
@@ -27370,7 +27280,282 @@
 </p:sld>
 </file>
 
+<file path=ppt/slides/slide22.xml><?xml version="1.0" encoding="utf-8"?>
+<p:sld xmlns:a="http://schemas.openxmlformats.org/drawingml/2006/main" xmlns:r="http://schemas.openxmlformats.org/officeDocument/2006/relationships" xmlns:p="http://schemas.openxmlformats.org/presentationml/2006/main">
+  <p:cSld>
+    <p:spTree>
+      <p:nvGrpSpPr>
+        <p:cNvPr id="1" name=""/>
+        <p:cNvGrpSpPr/>
+        <p:nvPr/>
+      </p:nvGrpSpPr>
+      <p:grpSpPr>
+        <a:xfrm>
+          <a:off x="0" y="0"/>
+          <a:ext cx="0" cy="0"/>
+          <a:chOff x="0" y="0"/>
+          <a:chExt cx="0" cy="0"/>
+        </a:xfrm>
+      </p:grpSpPr>
+      <p:sp>
+        <p:nvSpPr>
+          <p:cNvPr id="2" name="Title 1"/>
+          <p:cNvSpPr>
+            <a:spLocks noGrp="1"/>
+          </p:cNvSpPr>
+          <p:nvPr>
+            <p:ph type="title"/>
+          </p:nvPr>
+        </p:nvSpPr>
+        <p:spPr/>
+        <p:txBody>
+          <a:bodyPr/>
+          <a:lstStyle/>
+          <a:p>
+            <a:r>
+              <a:rPr lang="en-GB" dirty="0" smtClean="0"/>
+              <a:t>Version Control</a:t>
+            </a:r>
+            <a:endParaRPr lang="en-GB" dirty="0"/>
+          </a:p>
+        </p:txBody>
+      </p:sp>
+      <p:sp>
+        <p:nvSpPr>
+          <p:cNvPr id="3" name="Text Placeholder 2"/>
+          <p:cNvSpPr>
+            <a:spLocks noGrp="1"/>
+          </p:cNvSpPr>
+          <p:nvPr>
+            <p:ph type="body" idx="1"/>
+          </p:nvPr>
+        </p:nvSpPr>
+        <p:spPr/>
+        <p:txBody>
+          <a:bodyPr/>
+          <a:lstStyle/>
+          <a:p>
+            <a:r>
+              <a:rPr lang="en-GB" dirty="0" smtClean="0">
+                <a:hlinkClick r:id="rId2"/>
+              </a:rPr>
+              <a:t>Version Control:</a:t>
+            </a:r>
+          </a:p>
+          <a:p>
+            <a:endParaRPr lang="en-GB" dirty="0" smtClean="0">
+              <a:hlinkClick r:id="rId2"/>
+            </a:endParaRPr>
+          </a:p>
+          <a:p>
+            <a:r>
+              <a:rPr lang="en-GB" dirty="0" smtClean="0">
+                <a:hlinkClick r:id="rId2"/>
+              </a:rPr>
+              <a:t>https</a:t>
+            </a:r>
+            <a:r>
+              <a:rPr lang="en-GB" dirty="0">
+                <a:hlinkClick r:id="rId2"/>
+              </a:rPr>
+              <a:t>://github.com/callumc20171/3.4-Assessment/commits/master</a:t>
+            </a:r>
+            <a:endParaRPr lang="en-GB" dirty="0"/>
+          </a:p>
+        </p:txBody>
+      </p:sp>
+    </p:spTree>
+    <p:extLst>
+      <p:ext uri="{BB962C8B-B14F-4D97-AF65-F5344CB8AC3E}">
+        <p14:creationId xmlns:p14="http://schemas.microsoft.com/office/powerpoint/2010/main" val="3720520548"/>
+      </p:ext>
+    </p:extLst>
+  </p:cSld>
+  <p:clrMapOvr>
+    <a:masterClrMapping/>
+  </p:clrMapOvr>
+</p:sld>
+</file>
+
 <file path=ppt/slides/slide23.xml><?xml version="1.0" encoding="utf-8"?>
+<p:sld xmlns:a="http://schemas.openxmlformats.org/drawingml/2006/main" xmlns:r="http://schemas.openxmlformats.org/officeDocument/2006/relationships" xmlns:p="http://schemas.openxmlformats.org/presentationml/2006/main">
+  <p:cSld>
+    <p:spTree>
+      <p:nvGrpSpPr>
+        <p:cNvPr id="1" name=""/>
+        <p:cNvGrpSpPr/>
+        <p:nvPr/>
+      </p:nvGrpSpPr>
+      <p:grpSpPr>
+        <a:xfrm>
+          <a:off x="0" y="0"/>
+          <a:ext cx="0" cy="0"/>
+          <a:chOff x="0" y="0"/>
+          <a:chExt cx="0" cy="0"/>
+        </a:xfrm>
+      </p:grpSpPr>
+      <p:sp>
+        <p:nvSpPr>
+          <p:cNvPr id="2" name="Title 1"/>
+          <p:cNvSpPr>
+            <a:spLocks noGrp="1"/>
+          </p:cNvSpPr>
+          <p:nvPr>
+            <p:ph type="title"/>
+          </p:nvPr>
+        </p:nvSpPr>
+        <p:spPr/>
+        <p:txBody>
+          <a:bodyPr/>
+          <a:lstStyle/>
+          <a:p>
+            <a:r>
+              <a:rPr lang="en-GB" dirty="0" smtClean="0"/>
+              <a:t>Day 1</a:t>
+            </a:r>
+            <a:endParaRPr lang="en-GB" dirty="0"/>
+          </a:p>
+        </p:txBody>
+      </p:sp>
+      <p:pic>
+        <p:nvPicPr>
+          <p:cNvPr id="4" name="Picture 3"/>
+          <p:cNvPicPr>
+            <a:picLocks noChangeAspect="1"/>
+          </p:cNvPicPr>
+          <p:nvPr/>
+        </p:nvPicPr>
+        <p:blipFill>
+          <a:blip r:embed="rId2"/>
+          <a:stretch>
+            <a:fillRect/>
+          </a:stretch>
+        </p:blipFill>
+        <p:spPr>
+          <a:xfrm>
+            <a:off x="4491690" y="342900"/>
+            <a:ext cx="4713269" cy="6276805"/>
+          </a:xfrm>
+          <a:prstGeom prst="rect">
+            <a:avLst/>
+          </a:prstGeom>
+        </p:spPr>
+      </p:pic>
+    </p:spTree>
+    <p:extLst>
+      <p:ext uri="{BB962C8B-B14F-4D97-AF65-F5344CB8AC3E}">
+        <p14:creationId xmlns:p14="http://schemas.microsoft.com/office/powerpoint/2010/main" val="1474788287"/>
+      </p:ext>
+    </p:extLst>
+  </p:cSld>
+  <p:clrMapOvr>
+    <a:masterClrMapping/>
+  </p:clrMapOvr>
+</p:sld>
+</file>
+
+<file path=ppt/slides/slide24.xml><?xml version="1.0" encoding="utf-8"?>
+<p:sld xmlns:a="http://schemas.openxmlformats.org/drawingml/2006/main" xmlns:r="http://schemas.openxmlformats.org/officeDocument/2006/relationships" xmlns:p="http://schemas.openxmlformats.org/presentationml/2006/main">
+  <p:cSld>
+    <p:spTree>
+      <p:nvGrpSpPr>
+        <p:cNvPr id="1" name=""/>
+        <p:cNvGrpSpPr/>
+        <p:nvPr/>
+      </p:nvGrpSpPr>
+      <p:grpSpPr>
+        <a:xfrm>
+          <a:off x="0" y="0"/>
+          <a:ext cx="0" cy="0"/>
+          <a:chOff x="0" y="0"/>
+          <a:chExt cx="0" cy="0"/>
+        </a:xfrm>
+      </p:grpSpPr>
+      <p:sp>
+        <p:nvSpPr>
+          <p:cNvPr id="2" name="Title 1"/>
+          <p:cNvSpPr>
+            <a:spLocks noGrp="1"/>
+          </p:cNvSpPr>
+          <p:nvPr>
+            <p:ph type="title"/>
+          </p:nvPr>
+        </p:nvSpPr>
+        <p:spPr/>
+        <p:txBody>
+          <a:bodyPr/>
+          <a:lstStyle/>
+          <a:p>
+            <a:r>
+              <a:rPr lang="en-GB" dirty="0" smtClean="0"/>
+              <a:t>Day 2</a:t>
+            </a:r>
+            <a:endParaRPr lang="en-GB" dirty="0"/>
+          </a:p>
+        </p:txBody>
+      </p:sp>
+      <p:pic>
+        <p:nvPicPr>
+          <p:cNvPr id="4" name="Picture 3"/>
+          <p:cNvPicPr>
+            <a:picLocks noChangeAspect="1"/>
+          </p:cNvPicPr>
+          <p:nvPr/>
+        </p:nvPicPr>
+        <p:blipFill>
+          <a:blip r:embed="rId2"/>
+          <a:stretch>
+            <a:fillRect/>
+          </a:stretch>
+        </p:blipFill>
+        <p:spPr>
+          <a:xfrm>
+            <a:off x="6954299" y="464820"/>
+            <a:ext cx="4862947" cy="6001702"/>
+          </a:xfrm>
+          <a:prstGeom prst="rect">
+            <a:avLst/>
+          </a:prstGeom>
+        </p:spPr>
+      </p:pic>
+      <p:pic>
+        <p:nvPicPr>
+          <p:cNvPr id="5" name="Picture 4"/>
+          <p:cNvPicPr>
+            <a:picLocks noChangeAspect="1"/>
+          </p:cNvPicPr>
+          <p:nvPr/>
+        </p:nvPicPr>
+        <p:blipFill>
+          <a:blip r:embed="rId3"/>
+          <a:stretch>
+            <a:fillRect/>
+          </a:stretch>
+        </p:blipFill>
+        <p:spPr>
+          <a:xfrm>
+            <a:off x="418051" y="2634712"/>
+            <a:ext cx="6281432" cy="2607444"/>
+          </a:xfrm>
+          <a:prstGeom prst="rect">
+            <a:avLst/>
+          </a:prstGeom>
+        </p:spPr>
+      </p:pic>
+    </p:spTree>
+    <p:extLst>
+      <p:ext uri="{BB962C8B-B14F-4D97-AF65-F5344CB8AC3E}">
+        <p14:creationId xmlns:p14="http://schemas.microsoft.com/office/powerpoint/2010/main" val="442701329"/>
+      </p:ext>
+    </p:extLst>
+  </p:cSld>
+  <p:clrMapOvr>
+    <a:masterClrMapping/>
+  </p:clrMapOvr>
+</p:sld>
+</file>
+
+<file path=ppt/slides/slide25.xml><?xml version="1.0" encoding="utf-8"?>
 <p:sld xmlns:a="http://schemas.openxmlformats.org/drawingml/2006/main" xmlns:r="http://schemas.openxmlformats.org/officeDocument/2006/relationships" xmlns:p="http://schemas.openxmlformats.org/presentationml/2006/main">
   <p:cSld>
     <p:spTree>
@@ -27438,7 +27623,7 @@
 </p:sld>
 </file>
 
-<file path=ppt/slides/slide24.xml><?xml version="1.0" encoding="utf-8"?>
+<file path=ppt/slides/slide26.xml><?xml version="1.0" encoding="utf-8"?>
 <p:sld xmlns:a="http://schemas.openxmlformats.org/drawingml/2006/main" xmlns:r="http://schemas.openxmlformats.org/officeDocument/2006/relationships" xmlns:p="http://schemas.openxmlformats.org/presentationml/2006/main">
   <p:cSld>
     <p:spTree>
@@ -27608,7 +27793,7 @@
 </p:sld>
 </file>
 
-<file path=ppt/slides/slide25.xml><?xml version="1.0" encoding="utf-8"?>
+<file path=ppt/slides/slide27.xml><?xml version="1.0" encoding="utf-8"?>
 <p:sld xmlns:a="http://schemas.openxmlformats.org/drawingml/2006/main" xmlns:r="http://schemas.openxmlformats.org/officeDocument/2006/relationships" xmlns:p="http://schemas.openxmlformats.org/presentationml/2006/main">
   <p:cSld>
     <p:spTree>
@@ -27718,7 +27903,7 @@
 </p:sld>
 </file>
 
-<file path=ppt/slides/slide26.xml><?xml version="1.0" encoding="utf-8"?>
+<file path=ppt/slides/slide28.xml><?xml version="1.0" encoding="utf-8"?>
 <p:sld xmlns:a="http://schemas.openxmlformats.org/drawingml/2006/main" xmlns:r="http://schemas.openxmlformats.org/officeDocument/2006/relationships" xmlns:p="http://schemas.openxmlformats.org/presentationml/2006/main">
   <p:cSld>
     <p:spTree>
@@ -27821,7 +28006,7 @@
 </p:sld>
 </file>
 
-<file path=ppt/slides/slide27.xml><?xml version="1.0" encoding="utf-8"?>
+<file path=ppt/slides/slide29.xml><?xml version="1.0" encoding="utf-8"?>
 <p:sld xmlns:a="http://schemas.openxmlformats.org/drawingml/2006/main" xmlns:r="http://schemas.openxmlformats.org/officeDocument/2006/relationships" xmlns:p="http://schemas.openxmlformats.org/presentationml/2006/main">
   <p:cSld>
     <p:spTree>
@@ -27914,196 +28099,6 @@
     <p:extLst>
       <p:ext uri="{BB962C8B-B14F-4D97-AF65-F5344CB8AC3E}">
         <p14:creationId xmlns:p14="http://schemas.microsoft.com/office/powerpoint/2010/main" val="3686722"/>
-      </p:ext>
-    </p:extLst>
-  </p:cSld>
-  <p:clrMapOvr>
-    <a:masterClrMapping/>
-  </p:clrMapOvr>
-</p:sld>
-</file>
-
-<file path=ppt/slides/slide28.xml><?xml version="1.0" encoding="utf-8"?>
-<p:sld xmlns:a="http://schemas.openxmlformats.org/drawingml/2006/main" xmlns:r="http://schemas.openxmlformats.org/officeDocument/2006/relationships" xmlns:p="http://schemas.openxmlformats.org/presentationml/2006/main">
-  <p:cSld>
-    <p:spTree>
-      <p:nvGrpSpPr>
-        <p:cNvPr id="1" name=""/>
-        <p:cNvGrpSpPr/>
-        <p:nvPr/>
-      </p:nvGrpSpPr>
-      <p:grpSpPr>
-        <a:xfrm>
-          <a:off x="0" y="0"/>
-          <a:ext cx="0" cy="0"/>
-          <a:chOff x="0" y="0"/>
-          <a:chExt cx="0" cy="0"/>
-        </a:xfrm>
-      </p:grpSpPr>
-      <p:sp>
-        <p:nvSpPr>
-          <p:cNvPr id="2" name="Title 1">
-            <a:extLst>
-              <a:ext uri="{FF2B5EF4-FFF2-40B4-BE49-F238E27FC236}">
-                <a16:creationId xmlns:a16="http://schemas.microsoft.com/office/drawing/2014/main" id="{0A5798B2-1E20-4C8C-88C0-9543F1E4CCE1}"/>
-              </a:ext>
-            </a:extLst>
-          </p:cNvPr>
-          <p:cNvSpPr>
-            <a:spLocks noGrp="1"/>
-          </p:cNvSpPr>
-          <p:nvPr>
-            <p:ph type="title"/>
-          </p:nvPr>
-        </p:nvSpPr>
-        <p:spPr>
-          <a:xfrm>
-            <a:off x="881467" y="885733"/>
-            <a:ext cx="10457600" cy="871600"/>
-          </a:xfrm>
-        </p:spPr>
-        <p:txBody>
-          <a:bodyPr wrap="square" anchor="ctr">
-            <a:normAutofit/>
-          </a:bodyPr>
-          <a:lstStyle/>
-          <a:p>
-            <a:r>
-              <a:rPr lang="en-NZ" b="1" dirty="0"/>
-              <a:t>Addressing relevant implication : </a:t>
-            </a:r>
-          </a:p>
-        </p:txBody>
-      </p:sp>
-      <p:sp>
-        <p:nvSpPr>
-          <p:cNvPr id="8" name="Text Placeholder 2">
-            <a:extLst>
-              <a:ext uri="{FF2B5EF4-FFF2-40B4-BE49-F238E27FC236}">
-                <a16:creationId xmlns:a16="http://schemas.microsoft.com/office/drawing/2014/main" id="{B9D9A462-3AC6-46AC-802A-2C1D41CF9925}"/>
-              </a:ext>
-            </a:extLst>
-          </p:cNvPr>
-          <p:cNvSpPr>
-            <a:spLocks noGrp="1"/>
-          </p:cNvSpPr>
-          <p:nvPr>
-            <p:ph type="body" idx="1"/>
-          </p:nvPr>
-        </p:nvSpPr>
-        <p:spPr>
-          <a:xfrm>
-            <a:off x="1599700" y="2132933"/>
-            <a:ext cx="8867600" cy="3848000"/>
-          </a:xfrm>
-        </p:spPr>
-        <p:txBody>
-          <a:bodyPr/>
-          <a:lstStyle/>
-          <a:p>
-            <a:endParaRPr lang="en-US"/>
-          </a:p>
-        </p:txBody>
-      </p:sp>
-    </p:spTree>
-    <p:extLst>
-      <p:ext uri="{BB962C8B-B14F-4D97-AF65-F5344CB8AC3E}">
-        <p14:creationId xmlns:p14="http://schemas.microsoft.com/office/powerpoint/2010/main" val="3662432823"/>
-      </p:ext>
-    </p:extLst>
-  </p:cSld>
-  <p:clrMapOvr>
-    <a:masterClrMapping/>
-  </p:clrMapOvr>
-</p:sld>
-</file>
-
-<file path=ppt/slides/slide29.xml><?xml version="1.0" encoding="utf-8"?>
-<p:sld xmlns:a="http://schemas.openxmlformats.org/drawingml/2006/main" xmlns:r="http://schemas.openxmlformats.org/officeDocument/2006/relationships" xmlns:p="http://schemas.openxmlformats.org/presentationml/2006/main">
-  <p:cSld>
-    <p:spTree>
-      <p:nvGrpSpPr>
-        <p:cNvPr id="1" name=""/>
-        <p:cNvGrpSpPr/>
-        <p:nvPr/>
-      </p:nvGrpSpPr>
-      <p:grpSpPr>
-        <a:xfrm>
-          <a:off x="0" y="0"/>
-          <a:ext cx="0" cy="0"/>
-          <a:chOff x="0" y="0"/>
-          <a:chExt cx="0" cy="0"/>
-        </a:xfrm>
-      </p:grpSpPr>
-      <p:sp>
-        <p:nvSpPr>
-          <p:cNvPr id="2" name="Title 1">
-            <a:extLst>
-              <a:ext uri="{FF2B5EF4-FFF2-40B4-BE49-F238E27FC236}">
-                <a16:creationId xmlns:a16="http://schemas.microsoft.com/office/drawing/2014/main" id="{0A5798B2-1E20-4C8C-88C0-9543F1E4CCE1}"/>
-              </a:ext>
-            </a:extLst>
-          </p:cNvPr>
-          <p:cNvSpPr>
-            <a:spLocks noGrp="1"/>
-          </p:cNvSpPr>
-          <p:nvPr>
-            <p:ph type="title"/>
-          </p:nvPr>
-        </p:nvSpPr>
-        <p:spPr>
-          <a:xfrm>
-            <a:off x="881467" y="885733"/>
-            <a:ext cx="10457600" cy="871600"/>
-          </a:xfrm>
-        </p:spPr>
-        <p:txBody>
-          <a:bodyPr wrap="square" anchor="ctr">
-            <a:normAutofit/>
-          </a:bodyPr>
-          <a:lstStyle/>
-          <a:p>
-            <a:r>
-              <a:rPr lang="en-NZ" b="1" dirty="0"/>
-              <a:t>Addressing relevant implication : </a:t>
-            </a:r>
-          </a:p>
-        </p:txBody>
-      </p:sp>
-      <p:sp>
-        <p:nvSpPr>
-          <p:cNvPr id="8" name="Text Placeholder 2">
-            <a:extLst>
-              <a:ext uri="{FF2B5EF4-FFF2-40B4-BE49-F238E27FC236}">
-                <a16:creationId xmlns:a16="http://schemas.microsoft.com/office/drawing/2014/main" id="{E99DFBD2-CB18-41D1-A138-27D32BAC2059}"/>
-              </a:ext>
-            </a:extLst>
-          </p:cNvPr>
-          <p:cNvSpPr>
-            <a:spLocks noGrp="1"/>
-          </p:cNvSpPr>
-          <p:nvPr>
-            <p:ph type="body" idx="1"/>
-          </p:nvPr>
-        </p:nvSpPr>
-        <p:spPr>
-          <a:xfrm>
-            <a:off x="1599700" y="2132933"/>
-            <a:ext cx="8867600" cy="3848000"/>
-          </a:xfrm>
-        </p:spPr>
-        <p:txBody>
-          <a:bodyPr/>
-          <a:lstStyle/>
-          <a:p>
-            <a:endParaRPr lang="en-US"/>
-          </a:p>
-        </p:txBody>
-      </p:sp>
-    </p:spTree>
-    <p:extLst>
-      <p:ext uri="{BB962C8B-B14F-4D97-AF65-F5344CB8AC3E}">
-        <p14:creationId xmlns:p14="http://schemas.microsoft.com/office/powerpoint/2010/main" val="1096176406"/>
       </p:ext>
     </p:extLst>
   </p:cSld>
@@ -28270,6 +28265,196 @@
           <p:cNvPr id="2" name="Title 1">
             <a:extLst>
               <a:ext uri="{FF2B5EF4-FFF2-40B4-BE49-F238E27FC236}">
+                <a16:creationId xmlns:a16="http://schemas.microsoft.com/office/drawing/2014/main" id="{0A5798B2-1E20-4C8C-88C0-9543F1E4CCE1}"/>
+              </a:ext>
+            </a:extLst>
+          </p:cNvPr>
+          <p:cNvSpPr>
+            <a:spLocks noGrp="1"/>
+          </p:cNvSpPr>
+          <p:nvPr>
+            <p:ph type="title"/>
+          </p:nvPr>
+        </p:nvSpPr>
+        <p:spPr>
+          <a:xfrm>
+            <a:off x="881467" y="885733"/>
+            <a:ext cx="10457600" cy="871600"/>
+          </a:xfrm>
+        </p:spPr>
+        <p:txBody>
+          <a:bodyPr wrap="square" anchor="ctr">
+            <a:normAutofit/>
+          </a:bodyPr>
+          <a:lstStyle/>
+          <a:p>
+            <a:r>
+              <a:rPr lang="en-NZ" b="1" dirty="0"/>
+              <a:t>Addressing relevant implication : </a:t>
+            </a:r>
+          </a:p>
+        </p:txBody>
+      </p:sp>
+      <p:sp>
+        <p:nvSpPr>
+          <p:cNvPr id="8" name="Text Placeholder 2">
+            <a:extLst>
+              <a:ext uri="{FF2B5EF4-FFF2-40B4-BE49-F238E27FC236}">
+                <a16:creationId xmlns:a16="http://schemas.microsoft.com/office/drawing/2014/main" id="{B9D9A462-3AC6-46AC-802A-2C1D41CF9925}"/>
+              </a:ext>
+            </a:extLst>
+          </p:cNvPr>
+          <p:cNvSpPr>
+            <a:spLocks noGrp="1"/>
+          </p:cNvSpPr>
+          <p:nvPr>
+            <p:ph type="body" idx="1"/>
+          </p:nvPr>
+        </p:nvSpPr>
+        <p:spPr>
+          <a:xfrm>
+            <a:off x="1599700" y="2132933"/>
+            <a:ext cx="8867600" cy="3848000"/>
+          </a:xfrm>
+        </p:spPr>
+        <p:txBody>
+          <a:bodyPr/>
+          <a:lstStyle/>
+          <a:p>
+            <a:endParaRPr lang="en-US"/>
+          </a:p>
+        </p:txBody>
+      </p:sp>
+    </p:spTree>
+    <p:extLst>
+      <p:ext uri="{BB962C8B-B14F-4D97-AF65-F5344CB8AC3E}">
+        <p14:creationId xmlns:p14="http://schemas.microsoft.com/office/powerpoint/2010/main" val="3662432823"/>
+      </p:ext>
+    </p:extLst>
+  </p:cSld>
+  <p:clrMapOvr>
+    <a:masterClrMapping/>
+  </p:clrMapOvr>
+</p:sld>
+</file>
+
+<file path=ppt/slides/slide31.xml><?xml version="1.0" encoding="utf-8"?>
+<p:sld xmlns:a="http://schemas.openxmlformats.org/drawingml/2006/main" xmlns:r="http://schemas.openxmlformats.org/officeDocument/2006/relationships" xmlns:p="http://schemas.openxmlformats.org/presentationml/2006/main">
+  <p:cSld>
+    <p:spTree>
+      <p:nvGrpSpPr>
+        <p:cNvPr id="1" name=""/>
+        <p:cNvGrpSpPr/>
+        <p:nvPr/>
+      </p:nvGrpSpPr>
+      <p:grpSpPr>
+        <a:xfrm>
+          <a:off x="0" y="0"/>
+          <a:ext cx="0" cy="0"/>
+          <a:chOff x="0" y="0"/>
+          <a:chExt cx="0" cy="0"/>
+        </a:xfrm>
+      </p:grpSpPr>
+      <p:sp>
+        <p:nvSpPr>
+          <p:cNvPr id="2" name="Title 1">
+            <a:extLst>
+              <a:ext uri="{FF2B5EF4-FFF2-40B4-BE49-F238E27FC236}">
+                <a16:creationId xmlns:a16="http://schemas.microsoft.com/office/drawing/2014/main" id="{0A5798B2-1E20-4C8C-88C0-9543F1E4CCE1}"/>
+              </a:ext>
+            </a:extLst>
+          </p:cNvPr>
+          <p:cNvSpPr>
+            <a:spLocks noGrp="1"/>
+          </p:cNvSpPr>
+          <p:nvPr>
+            <p:ph type="title"/>
+          </p:nvPr>
+        </p:nvSpPr>
+        <p:spPr>
+          <a:xfrm>
+            <a:off x="881467" y="885733"/>
+            <a:ext cx="10457600" cy="871600"/>
+          </a:xfrm>
+        </p:spPr>
+        <p:txBody>
+          <a:bodyPr wrap="square" anchor="ctr">
+            <a:normAutofit/>
+          </a:bodyPr>
+          <a:lstStyle/>
+          <a:p>
+            <a:r>
+              <a:rPr lang="en-NZ" b="1" dirty="0"/>
+              <a:t>Addressing relevant implication : </a:t>
+            </a:r>
+          </a:p>
+        </p:txBody>
+      </p:sp>
+      <p:sp>
+        <p:nvSpPr>
+          <p:cNvPr id="8" name="Text Placeholder 2">
+            <a:extLst>
+              <a:ext uri="{FF2B5EF4-FFF2-40B4-BE49-F238E27FC236}">
+                <a16:creationId xmlns:a16="http://schemas.microsoft.com/office/drawing/2014/main" id="{E99DFBD2-CB18-41D1-A138-27D32BAC2059}"/>
+              </a:ext>
+            </a:extLst>
+          </p:cNvPr>
+          <p:cNvSpPr>
+            <a:spLocks noGrp="1"/>
+          </p:cNvSpPr>
+          <p:nvPr>
+            <p:ph type="body" idx="1"/>
+          </p:nvPr>
+        </p:nvSpPr>
+        <p:spPr>
+          <a:xfrm>
+            <a:off x="1599700" y="2132933"/>
+            <a:ext cx="8867600" cy="3848000"/>
+          </a:xfrm>
+        </p:spPr>
+        <p:txBody>
+          <a:bodyPr/>
+          <a:lstStyle/>
+          <a:p>
+            <a:endParaRPr lang="en-US"/>
+          </a:p>
+        </p:txBody>
+      </p:sp>
+    </p:spTree>
+    <p:extLst>
+      <p:ext uri="{BB962C8B-B14F-4D97-AF65-F5344CB8AC3E}">
+        <p14:creationId xmlns:p14="http://schemas.microsoft.com/office/powerpoint/2010/main" val="1096176406"/>
+      </p:ext>
+    </p:extLst>
+  </p:cSld>
+  <p:clrMapOvr>
+    <a:masterClrMapping/>
+  </p:clrMapOvr>
+</p:sld>
+</file>
+
+<file path=ppt/slides/slide32.xml><?xml version="1.0" encoding="utf-8"?>
+<p:sld xmlns:a="http://schemas.openxmlformats.org/drawingml/2006/main" xmlns:r="http://schemas.openxmlformats.org/officeDocument/2006/relationships" xmlns:p="http://schemas.openxmlformats.org/presentationml/2006/main">
+  <p:cSld>
+    <p:spTree>
+      <p:nvGrpSpPr>
+        <p:cNvPr id="1" name=""/>
+        <p:cNvGrpSpPr/>
+        <p:nvPr/>
+      </p:nvGrpSpPr>
+      <p:grpSpPr>
+        <a:xfrm>
+          <a:off x="0" y="0"/>
+          <a:ext cx="0" cy="0"/>
+          <a:chOff x="0" y="0"/>
+          <a:chExt cx="0" cy="0"/>
+        </a:xfrm>
+      </p:grpSpPr>
+      <p:sp>
+        <p:nvSpPr>
+          <p:cNvPr id="2" name="Title 1">
+            <a:extLst>
+              <a:ext uri="{FF2B5EF4-FFF2-40B4-BE49-F238E27FC236}">
                 <a16:creationId xmlns:a16="http://schemas.microsoft.com/office/drawing/2014/main" id="{6CC9CAE6-F587-4B13-B710-E0835E7760F7}"/>
               </a:ext>
             </a:extLst>
@@ -28343,7 +28528,7 @@
 </p:sld>
 </file>
 
-<file path=ppt/slides/slide31.xml><?xml version="1.0" encoding="utf-8"?>
+<file path=ppt/slides/slide33.xml><?xml version="1.0" encoding="utf-8"?>
 <p:sld xmlns:a="http://schemas.openxmlformats.org/drawingml/2006/main" xmlns:r="http://schemas.openxmlformats.org/officeDocument/2006/relationships" xmlns:p="http://schemas.openxmlformats.org/presentationml/2006/main">
   <p:cSld>
     <p:spTree>
